--- a/Presentation.pptx
+++ b/Presentation.pptx
@@ -213,7 +213,7 @@
           <a:p>
             <a:fld id="{02DD3CF6-4B09-AC41-94D4-3EA0BEB07B4C}" type="datetimeFigureOut">
               <a:rPr lang="en-US" smtClean="0"/>
-              <a:t>11/23/23</a:t>
+              <a:t>12/23/23</a:t>
             </a:fld>
             <a:endParaRPr lang="en-US"/>
           </a:p>
@@ -2078,7 +2078,7 @@
           <a:p>
             <a:fld id="{C5D43C5E-84DC-B045-90C1-CE8917966729}" type="datetime1">
               <a:rPr lang="en-US" smtClean="0"/>
-              <a:t>11/23/23</a:t>
+              <a:t>12/23/23</a:t>
             </a:fld>
             <a:endParaRPr lang="en-US" dirty="0"/>
           </a:p>
@@ -2340,7 +2340,7 @@
           <a:p>
             <a:fld id="{E11B5EEE-1F06-3F45-85F3-B3DCB7925E4B}" type="datetime1">
               <a:rPr lang="en-US" smtClean="0"/>
-              <a:t>11/23/23</a:t>
+              <a:t>12/23/23</a:t>
             </a:fld>
             <a:endParaRPr lang="en-US"/>
           </a:p>
@@ -2575,7 +2575,7 @@
           <a:p>
             <a:fld id="{C77C8B24-0F88-E644-9199-E2CBE93E93CF}" type="datetime1">
               <a:rPr lang="en-US" smtClean="0"/>
-              <a:t>11/23/23</a:t>
+              <a:t>12/23/23</a:t>
             </a:fld>
             <a:endParaRPr lang="en-US"/>
           </a:p>
@@ -2829,7 +2829,7 @@
           <a:p>
             <a:fld id="{6799C28B-0C81-6444-8A76-8318C75F4168}" type="datetime1">
               <a:rPr lang="en-US" smtClean="0"/>
-              <a:t>11/23/23</a:t>
+              <a:t>12/23/23</a:t>
             </a:fld>
             <a:endParaRPr lang="en-US"/>
           </a:p>
@@ -3175,7 +3175,7 @@
           <a:p>
             <a:fld id="{23DD9423-4B7B-894B-9EBC-D133892E5F64}" type="datetime1">
               <a:rPr lang="en-US" smtClean="0"/>
-              <a:t>11/23/23</a:t>
+              <a:t>12/23/23</a:t>
             </a:fld>
             <a:endParaRPr lang="en-US" dirty="0"/>
           </a:p>
@@ -3477,7 +3477,7 @@
           <a:p>
             <a:fld id="{4C0FCC6C-1C6A-4B46-B738-52422521FAC6}" type="datetime1">
               <a:rPr lang="en-US" smtClean="0"/>
-              <a:t>11/23/23</a:t>
+              <a:t>12/23/23</a:t>
             </a:fld>
             <a:endParaRPr lang="en-US"/>
           </a:p>
@@ -3899,7 +3899,7 @@
           <a:p>
             <a:fld id="{963A427F-56F0-E545-BC54-29F3466C3828}" type="datetime1">
               <a:rPr lang="en-US" smtClean="0"/>
-              <a:t>11/23/23</a:t>
+              <a:t>12/23/23</a:t>
             </a:fld>
             <a:endParaRPr lang="en-US"/>
           </a:p>
@@ -3994,7 +3994,7 @@
           <a:p>
             <a:fld id="{7F3C0F0E-3775-A843-912B-4D1D1037D249}" type="datetime1">
               <a:rPr lang="en-US" smtClean="0"/>
-              <a:t>11/23/23</a:t>
+              <a:t>12/23/23</a:t>
             </a:fld>
             <a:endParaRPr lang="en-US"/>
           </a:p>
@@ -4156,7 +4156,7 @@
           <a:p>
             <a:fld id="{B5F42806-A922-3749-9987-BB696A9CEE30}" type="datetime1">
               <a:rPr lang="en-US" smtClean="0"/>
-              <a:t>11/23/23</a:t>
+              <a:t>12/23/23</a:t>
             </a:fld>
             <a:endParaRPr lang="en-US"/>
           </a:p>
@@ -4534,7 +4534,7 @@
           <a:p>
             <a:fld id="{E7C5261F-6501-2845-AB0A-AA1CEFE7525D}" type="datetime1">
               <a:rPr lang="en-US" smtClean="0"/>
-              <a:t>11/23/23</a:t>
+              <a:t>12/23/23</a:t>
             </a:fld>
             <a:endParaRPr lang="en-US"/>
           </a:p>
@@ -4823,7 +4823,7 @@
           <a:p>
             <a:fld id="{CB331D65-FD20-6C43-B64E-681C7DB0E821}" type="datetime1">
               <a:rPr lang="en-US" smtClean="0"/>
-              <a:t>11/23/23</a:t>
+              <a:t>12/23/23</a:t>
             </a:fld>
             <a:endParaRPr lang="en-US" dirty="0"/>
           </a:p>
@@ -5035,7 +5035,7 @@
           <a:p>
             <a:fld id="{E337CD83-4AAF-8945-9C63-807FAEFB7C22}" type="datetime1">
               <a:rPr lang="en-US" smtClean="0"/>
-              <a:t>11/23/23</a:t>
+              <a:t>12/23/23</a:t>
             </a:fld>
             <a:endParaRPr lang="en-US"/>
           </a:p>
@@ -5572,7 +5572,7 @@
                 </a:solidFill>
                 <a:latin typeface="Georgia" panose="02040502050405020303" pitchFamily="18" charset="0"/>
               </a:rPr>
-              <a:t>November 30, 2023</a:t>
+              <a:t>December 27, 2023</a:t>
             </a:r>
           </a:p>
         </p:txBody>
@@ -5758,7 +5758,7 @@
                 </a:solidFill>
                 <a:latin typeface="Georgia" panose="02040502050405020303" pitchFamily="18" charset="0"/>
               </a:rPr>
-              <a:t>Product Search</a:t>
+              <a:t>Enhance Product Search</a:t>
             </a:r>
           </a:p>
         </p:txBody>
@@ -5891,24 +5891,39 @@
                   <a:schemeClr val="tx1"/>
                 </a:solidFill>
               </a:rPr>
-              <a:t>Uses keywords sellers post about their products as target labels</a:t>
-            </a:r>
-          </a:p>
-          <a:p>
-            <a:endParaRPr lang="en-US" sz="2800" dirty="0">
-              <a:solidFill>
-                <a:schemeClr val="tx1"/>
-              </a:solidFill>
-            </a:endParaRPr>
-          </a:p>
-          <a:p>
+              <a:t>Uses </a:t>
+            </a:r>
+            <a:r>
+              <a:rPr lang="en-US" sz="2800" b="1" dirty="0">
+                <a:solidFill>
+                  <a:srgbClr val="C00000"/>
+                </a:solidFill>
+              </a:rPr>
+              <a:t>product images </a:t>
+            </a:r>
             <a:r>
               <a:rPr lang="en-US" sz="2800" dirty="0">
                 <a:solidFill>
                   <a:schemeClr val="tx1"/>
                 </a:solidFill>
               </a:rPr>
-              <a:t>Uses images to predict keywords through </a:t>
+              <a:t>to predict </a:t>
+            </a:r>
+            <a:r>
+              <a:rPr lang="en-US" sz="2800" b="1" dirty="0">
+                <a:solidFill>
+                  <a:srgbClr val="C00000"/>
+                </a:solidFill>
+              </a:rPr>
+              <a:t>categories </a:t>
+            </a:r>
+            <a:r>
+              <a:rPr lang="en-US" sz="2800" dirty="0">
+                <a:solidFill>
+                  <a:schemeClr val="tx1"/>
+                </a:solidFill>
+              </a:rPr>
+              <a:t>through </a:t>
             </a:r>
             <a:r>
               <a:rPr lang="en-US" sz="2800" b="1" dirty="0">
@@ -5933,7 +5948,7 @@
                   <a:schemeClr val="tx1"/>
                 </a:solidFill>
               </a:rPr>
-              <a:t>Enables </a:t>
+              <a:t>Enables expanded searches based on common categories</a:t>
             </a:r>
           </a:p>
         </p:txBody>
@@ -6617,7 +6632,7 @@
                 </a:solidFill>
                 <a:latin typeface="Georgia" panose="02040502050405020303" pitchFamily="18" charset="0"/>
               </a:rPr>
-              <a:t>Demo: “Formal Shoes”</a:t>
+              <a:t>Example: Keyword “Formal Shoes”</a:t>
             </a:r>
           </a:p>
         </p:txBody>
@@ -6906,38 +6921,6 @@
           </a:p>
         </p:txBody>
       </p:sp>
-      <p:pic>
-        <p:nvPicPr>
-          <p:cNvPr id="4" name="Content Placeholder 3">
-            <a:extLst>
-              <a:ext uri="{FF2B5EF4-FFF2-40B4-BE49-F238E27FC236}">
-                <a16:creationId xmlns:a16="http://schemas.microsoft.com/office/drawing/2014/main" id="{1F561C49-4EEF-9326-D22B-3B6746F4E689}"/>
-              </a:ext>
-            </a:extLst>
-          </p:cNvPr>
-          <p:cNvPicPr>
-            <a:picLocks noGrp="1" noChangeAspect="1"/>
-          </p:cNvPicPr>
-          <p:nvPr>
-            <p:ph idx="1"/>
-          </p:nvPr>
-        </p:nvPicPr>
-        <p:blipFill>
-          <a:blip r:embed="rId3"/>
-          <a:stretch>
-            <a:fillRect/>
-          </a:stretch>
-        </p:blipFill>
-        <p:spPr>
-          <a:xfrm>
-            <a:off x="2833903" y="4991806"/>
-            <a:ext cx="6307048" cy="1542108"/>
-          </a:xfrm>
-          <a:prstGeom prst="rect">
-            <a:avLst/>
-          </a:prstGeom>
-        </p:spPr>
-      </p:pic>
       <p:sp>
         <p:nvSpPr>
           <p:cNvPr id="5" name="Content Placeholder 2">
@@ -7172,29 +7155,58 @@
                   <a:schemeClr val="tx1"/>
                 </a:solidFill>
               </a:rPr>
-              <a:t>4 related labels returned:</a:t>
-            </a:r>
+              <a:t>4 categories containing </a:t>
+            </a:r>
+            <a:r>
+              <a:rPr lang="en-US" sz="2800" b="1" dirty="0">
+                <a:solidFill>
+                  <a:srgbClr val="C00000"/>
+                </a:solidFill>
+              </a:rPr>
+              <a:t>formal</a:t>
+            </a:r>
+            <a:endParaRPr lang="en-US" sz="2800" dirty="0">
+              <a:solidFill>
+                <a:srgbClr val="C00000"/>
+              </a:solidFill>
+            </a:endParaRPr>
           </a:p>
           <a:p>
             <a:pPr lvl="1"/>
             <a:r>
+              <a:rPr lang="en-US" sz="2600" b="1" dirty="0">
+                <a:solidFill>
+                  <a:srgbClr val="C00000"/>
+                </a:solidFill>
+              </a:rPr>
+              <a:t>formal</a:t>
+            </a:r>
+            <a:r>
               <a:rPr lang="en-US" sz="2600" dirty="0">
                 <a:solidFill>
                   <a:schemeClr val="tx1"/>
                 </a:solidFill>
               </a:rPr>
-              <a:t>formal shoes for men black</a:t>
+              <a:t> shoes for men black</a:t>
             </a:r>
           </a:p>
           <a:p>
             <a:pPr lvl="1"/>
             <a:r>
+              <a:rPr lang="en-US" sz="2600" b="1" dirty="0">
+                <a:solidFill>
+                  <a:srgbClr val="C00000"/>
+                </a:solidFill>
+              </a:rPr>
+              <a:t>formal</a:t>
+            </a:r>
+            <a:r>
               <a:rPr lang="en-US" sz="2600" dirty="0">
                 <a:solidFill>
                   <a:schemeClr val="tx1"/>
                 </a:solidFill>
               </a:rPr>
-              <a:t>formal shoes for </a:t>
+              <a:t> shoes for </a:t>
             </a:r>
             <a:r>
               <a:rPr lang="en-US" sz="2600" dirty="0" err="1">
@@ -7221,7 +7233,23 @@
                   <a:schemeClr val="tx1"/>
                 </a:solidFill>
               </a:rPr>
-              <a:t>leather shoes for men formal branded</a:t>
+              <a:t>leather shoes for men </a:t>
+            </a:r>
+            <a:r>
+              <a:rPr lang="en-US" sz="2600" b="1" dirty="0">
+                <a:solidFill>
+                  <a:srgbClr val="C00000"/>
+                </a:solidFill>
+              </a:rPr>
+              <a:t>formal </a:t>
+            </a:r>
+            <a:r>
+              <a:rPr lang="en-US" sz="2600" dirty="0">
+                <a:solidFill>
+                  <a:schemeClr val="tx1"/>
+                </a:solidFill>
+              </a:rPr>
+              <a:t>branded</a:t>
             </a:r>
           </a:p>
           <a:p>
@@ -7232,11 +7260,162 @@
                   <a:schemeClr val="tx1"/>
                 </a:solidFill>
               </a:rPr>
-              <a:t>shoes for men formal</a:t>
-            </a:r>
-          </a:p>
-        </p:txBody>
-      </p:sp>
+              <a:t>shoes for men </a:t>
+            </a:r>
+            <a:r>
+              <a:rPr lang="en-US" sz="2600" b="1" dirty="0">
+                <a:solidFill>
+                  <a:srgbClr val="C00000"/>
+                </a:solidFill>
+              </a:rPr>
+              <a:t>formal</a:t>
+            </a:r>
+          </a:p>
+        </p:txBody>
+      </p:sp>
+      <p:pic>
+        <p:nvPicPr>
+          <p:cNvPr id="1026" name="Picture 2">
+            <a:extLst>
+              <a:ext uri="{FF2B5EF4-FFF2-40B4-BE49-F238E27FC236}">
+                <a16:creationId xmlns:a16="http://schemas.microsoft.com/office/drawing/2014/main" id="{A9A66309-F308-4083-8EBC-BBEE4A4707CC}"/>
+              </a:ext>
+            </a:extLst>
+          </p:cNvPr>
+          <p:cNvPicPr>
+            <a:picLocks noGrp="1" noChangeAspect="1" noChangeArrowheads="1"/>
+          </p:cNvPicPr>
+          <p:nvPr>
+            <p:ph idx="1"/>
+          </p:nvPr>
+        </p:nvPicPr>
+        <p:blipFill>
+          <a:blip r:embed="rId3">
+            <a:extLst>
+              <a:ext uri="{28A0092B-C50C-407E-A947-70E740481C1C}">
+                <a14:useLocalDpi xmlns:a14="http://schemas.microsoft.com/office/drawing/2010/main" val="0"/>
+              </a:ext>
+            </a:extLst>
+          </a:blip>
+          <a:srcRect/>
+          <a:stretch>
+            <a:fillRect/>
+          </a:stretch>
+        </p:blipFill>
+        <p:spPr bwMode="auto">
+          <a:xfrm>
+            <a:off x="1715149" y="4991459"/>
+            <a:ext cx="1329803" cy="1329803"/>
+          </a:xfrm>
+          <a:prstGeom prst="rect">
+            <a:avLst/>
+          </a:prstGeom>
+          <a:noFill/>
+          <a:extLst>
+            <a:ext uri="{909E8E84-426E-40DD-AFC4-6F175D3DCCD1}">
+              <a14:hiddenFill xmlns:a14="http://schemas.microsoft.com/office/drawing/2010/main">
+                <a:solidFill>
+                  <a:srgbClr val="FFFFFF"/>
+                </a:solidFill>
+              </a14:hiddenFill>
+            </a:ext>
+          </a:extLst>
+        </p:spPr>
+      </p:pic>
+      <p:pic>
+        <p:nvPicPr>
+          <p:cNvPr id="1028" name="Picture 4">
+            <a:extLst>
+              <a:ext uri="{FF2B5EF4-FFF2-40B4-BE49-F238E27FC236}">
+                <a16:creationId xmlns:a16="http://schemas.microsoft.com/office/drawing/2014/main" id="{71936E99-7538-2E3C-E140-B25F467CB938}"/>
+              </a:ext>
+            </a:extLst>
+          </p:cNvPr>
+          <p:cNvPicPr>
+            <a:picLocks noChangeAspect="1" noChangeArrowheads="1"/>
+          </p:cNvPicPr>
+          <p:nvPr/>
+        </p:nvPicPr>
+        <p:blipFill>
+          <a:blip r:embed="rId4">
+            <a:extLst>
+              <a:ext uri="{28A0092B-C50C-407E-A947-70E740481C1C}">
+                <a14:useLocalDpi xmlns:a14="http://schemas.microsoft.com/office/drawing/2010/main" val="0"/>
+              </a:ext>
+            </a:extLst>
+          </a:blip>
+          <a:srcRect/>
+          <a:stretch>
+            <a:fillRect/>
+          </a:stretch>
+        </p:blipFill>
+        <p:spPr bwMode="auto">
+          <a:xfrm>
+            <a:off x="4370086" y="4991459"/>
+            <a:ext cx="1329802" cy="1329802"/>
+          </a:xfrm>
+          <a:prstGeom prst="rect">
+            <a:avLst/>
+          </a:prstGeom>
+          <a:noFill/>
+          <a:extLst>
+            <a:ext uri="{909E8E84-426E-40DD-AFC4-6F175D3DCCD1}">
+              <a14:hiddenFill xmlns:a14="http://schemas.microsoft.com/office/drawing/2010/main">
+                <a:solidFill>
+                  <a:srgbClr val="FFFFFF"/>
+                </a:solidFill>
+              </a14:hiddenFill>
+            </a:ext>
+          </a:extLst>
+        </p:spPr>
+      </p:pic>
+      <p:pic>
+        <p:nvPicPr>
+          <p:cNvPr id="1030" name="Picture 6">
+            <a:extLst>
+              <a:ext uri="{FF2B5EF4-FFF2-40B4-BE49-F238E27FC236}">
+                <a16:creationId xmlns:a16="http://schemas.microsoft.com/office/drawing/2014/main" id="{34974200-0615-B73E-436B-3AB0F93BDB9D}"/>
+              </a:ext>
+            </a:extLst>
+          </p:cNvPr>
+          <p:cNvPicPr>
+            <a:picLocks noChangeAspect="1" noChangeArrowheads="1"/>
+          </p:cNvPicPr>
+          <p:nvPr/>
+        </p:nvPicPr>
+        <p:blipFill>
+          <a:blip r:embed="rId5">
+            <a:extLst>
+              <a:ext uri="{28A0092B-C50C-407E-A947-70E740481C1C}">
+                <a14:useLocalDpi xmlns:a14="http://schemas.microsoft.com/office/drawing/2010/main" val="0"/>
+              </a:ext>
+            </a:extLst>
+          </a:blip>
+          <a:srcRect/>
+          <a:stretch>
+            <a:fillRect/>
+          </a:stretch>
+        </p:blipFill>
+        <p:spPr bwMode="auto">
+          <a:xfrm>
+            <a:off x="7618475" y="4911661"/>
+            <a:ext cx="1325880" cy="1325880"/>
+          </a:xfrm>
+          <a:prstGeom prst="rect">
+            <a:avLst/>
+          </a:prstGeom>
+          <a:noFill/>
+          <a:extLst>
+            <a:ext uri="{909E8E84-426E-40DD-AFC4-6F175D3DCCD1}">
+              <a14:hiddenFill xmlns:a14="http://schemas.microsoft.com/office/drawing/2010/main">
+                <a:solidFill>
+                  <a:srgbClr val="FFFFFF"/>
+                </a:solidFill>
+              </a14:hiddenFill>
+            </a:ext>
+          </a:extLst>
+        </p:spPr>
+      </p:pic>
     </p:spTree>
     <p:extLst>
       <p:ext uri="{BB962C8B-B14F-4D97-AF65-F5344CB8AC3E}">
@@ -7524,18 +7703,15 @@
                   <a:schemeClr val="tx1"/>
                 </a:solidFill>
               </a:rPr>
-              <a:t>Identify keywords from positive/negative reviews</a:t>
-            </a:r>
-          </a:p>
-          <a:p>
-            <a:pPr lvl="1"/>
-            <a:r>
-              <a:rPr lang="en-US" sz="2600" dirty="0">
-                <a:solidFill>
-                  <a:schemeClr val="tx1"/>
-                </a:solidFill>
-              </a:rPr>
-              <a:t>Term Frequency – Inverse Document Frequency (“TF-IDF”) is used.</a:t>
+              <a:t>Identify keywords from </a:t>
+            </a:r>
+            <a:r>
+              <a:rPr lang="en-US" sz="2800" b="1" dirty="0">
+                <a:solidFill>
+                  <a:srgbClr val="C00000"/>
+                </a:solidFill>
+              </a:rPr>
+              <a:t>positive/negative reviews</a:t>
             </a:r>
           </a:p>
           <a:p>
@@ -7547,12 +7723,28 @@
           </a:p>
           <a:p>
             <a:r>
+              <a:rPr lang="en-US" sz="2800" b="1" dirty="0">
+                <a:solidFill>
+                  <a:srgbClr val="C00000"/>
+                </a:solidFill>
+              </a:rPr>
+              <a:t>Extract sentences </a:t>
+            </a:r>
+            <a:r>
               <a:rPr lang="en-US" sz="2800" dirty="0">
                 <a:solidFill>
                   <a:schemeClr val="tx1"/>
                 </a:solidFill>
               </a:rPr>
-              <a:t>Extract sentences containing the identified keywords from most popular reviews</a:t>
+              <a:t>containing the identified keywords from most </a:t>
+            </a:r>
+            <a:r>
+              <a:rPr lang="en-US" sz="2800" b="1" dirty="0">
+                <a:solidFill>
+                  <a:srgbClr val="C00000"/>
+                </a:solidFill>
+              </a:rPr>
+              <a:t>popular reviews</a:t>
             </a:r>
           </a:p>
           <a:p>
@@ -8273,7 +8465,7 @@
         <p:spPr>
           <a:xfrm>
             <a:off x="152313" y="620459"/>
-            <a:ext cx="12039687" cy="523220"/>
+            <a:ext cx="12039687" cy="954107"/>
           </a:xfrm>
           <a:prstGeom prst="rect">
             <a:avLst/>
@@ -8293,7 +8485,7 @@
                 </a:solidFill>
                 <a:latin typeface="Georgia" panose="02040502050405020303" pitchFamily="18" charset="0"/>
               </a:rPr>
-              <a:t>Demo: </a:t>
+              <a:t>Example: </a:t>
             </a:r>
             <a:r>
               <a:rPr lang="en-US" sz="2800" i="1" dirty="0">
@@ -8314,13 +8506,24 @@
               <a:t> Reviews for “</a:t>
             </a:r>
             <a:r>
-              <a:rPr lang="en-US" sz="2800" dirty="0" err="1">
+              <a:rPr lang="en-US" sz="2800" b="0" i="0" dirty="0" err="1">
                 <a:solidFill>
                   <a:schemeClr val="bg1"/>
                 </a:solidFill>
+                <a:effectLst/>
                 <a:latin typeface="Georgia" panose="02040502050405020303" pitchFamily="18" charset="0"/>
               </a:rPr>
-              <a:t>LitterMaid</a:t>
+              <a:t>Nylabone</a:t>
+            </a:r>
+            <a:r>
+              <a:rPr lang="en-US" sz="2800" b="0" i="0" dirty="0">
+                <a:solidFill>
+                  <a:schemeClr val="bg1"/>
+                </a:solidFill>
+                <a:effectLst/>
+                <a:latin typeface="Georgia" panose="02040502050405020303" pitchFamily="18" charset="0"/>
+              </a:rPr>
+              <a:t> Dura Chew Textured Dog Chew, X-Large</a:t>
             </a:r>
             <a:r>
               <a:rPr lang="en-US" sz="2800" dirty="0">
@@ -8329,7 +8532,7 @@
                 </a:solidFill>
                 <a:latin typeface="Georgia" panose="02040502050405020303" pitchFamily="18" charset="0"/>
               </a:rPr>
-              <a:t> LM500 Automated Litter Box”</a:t>
+              <a:t>”</a:t>
             </a:r>
           </a:p>
         </p:txBody>
@@ -8642,7 +8845,7 @@
         </p:spPr>
         <p:txBody>
           <a:bodyPr>
-            <a:normAutofit fontScale="85000" lnSpcReduction="20000"/>
+            <a:normAutofit fontScale="92500" lnSpcReduction="10000"/>
           </a:bodyPr>
           <a:lstStyle/>
           <a:p>
@@ -8653,25 +8856,56 @@
                 </a:solidFill>
                 <a:effectLst/>
               </a:rPr>
-              <a:t>“with 4 cats, </a:t>
+              <a:t>“</a:t>
+            </a:r>
+            <a:r>
+              <a:rPr lang="en-US" sz="2400" dirty="0">
+                <a:solidFill>
+                  <a:schemeClr val="tx1"/>
+                </a:solidFill>
+              </a:rPr>
+              <a:t>( 2560+ </a:t>
             </a:r>
             <a:r>
               <a:rPr lang="en-US" sz="2400" dirty="0" err="1">
                 <a:solidFill>
                   <a:schemeClr val="tx1"/>
                 </a:solidFill>
+              </a:rPr>
+              <a:t>lbs</a:t>
+            </a:r>
+            <a:r>
+              <a:rPr lang="en-US" sz="2400" dirty="0">
+                <a:solidFill>
+                  <a:schemeClr val="tx1"/>
+                </a:solidFill>
+              </a:rPr>
+              <a:t>)\</a:t>
+            </a:r>
+            <a:r>
+              <a:rPr lang="en-US" sz="2400" dirty="0" err="1">
+                <a:solidFill>
+                  <a:schemeClr val="tx1"/>
+                </a:solidFill>
+              </a:rPr>
+              <a:t>nIt's</a:t>
+            </a:r>
+            <a:r>
+              <a:rPr lang="en-US" sz="2400" dirty="0">
+                <a:solidFill>
+                  <a:schemeClr val="tx1"/>
+                </a:solidFill>
+              </a:rPr>
+              <a:t> really cute to walk along the aisle and see contented dogs happily holding their chew bones in their paws and gnawing away.</a:t>
+            </a:r>
+            <a:r>
+              <a:rPr lang="en-US" sz="2400" dirty="0">
+                <a:solidFill>
+                  <a:schemeClr val="tx1"/>
+                </a:solidFill>
                 <a:effectLst/>
               </a:rPr>
-              <a:t>i</a:t>
-            </a:r>
-            <a:r>
-              <a:rPr lang="en-US" sz="2400" dirty="0">
-                <a:solidFill>
-                  <a:schemeClr val="tx1"/>
-                </a:solidFill>
-                <a:effectLst/>
-              </a:rPr>
-              <a:t> clean the entire unit about once every two weeks.”</a:t>
+              <a:t>”</a:t>
             </a:r>
           </a:p>
           <a:p>
@@ -8690,25 +8924,24 @@
                 </a:solidFill>
                 <a:effectLst/>
               </a:rPr>
-              <a:t>“after years of digging and scratching around in litter\</a:t>
-            </a:r>
-            <a:r>
-              <a:rPr lang="en-US" sz="2400" dirty="0" err="1">
+              <a:t>“</a:t>
+            </a:r>
+            <a:r>
+              <a:rPr lang="en-US" sz="2400" dirty="0">
                 <a:solidFill>
                   <a:schemeClr val="tx1"/>
                 </a:solidFill>
+              </a:rPr>
+              <a:t>I am so glad I got it and I suspect they are even happier!</a:t>
+            </a:r>
+            <a:r>
+              <a:rPr lang="en-US" sz="2400" dirty="0">
+                <a:solidFill>
+                  <a:schemeClr val="tx1"/>
+                </a:solidFill>
                 <a:effectLst/>
               </a:rPr>
-              <a:t>nboxes</a:t>
-            </a:r>
-            <a:r>
-              <a:rPr lang="en-US" sz="2400" dirty="0">
-                <a:solidFill>
-                  <a:schemeClr val="tx1"/>
-                </a:solidFill>
-                <a:effectLst/>
-              </a:rPr>
-              <a:t> myself, it's a joy to own something that brings the process into the 21st Century.”</a:t>
+              <a:t>”</a:t>
             </a:r>
           </a:p>
           <a:p>
@@ -8730,22 +8963,21 @@
               <a:t>“</a:t>
             </a:r>
             <a:r>
-              <a:rPr lang="en-US" sz="2400" dirty="0" err="1">
+              <a:rPr lang="en-US" sz="2400" dirty="0">
                 <a:solidFill>
                   <a:schemeClr val="tx1"/>
                 </a:solidFill>
+              </a:rPr>
+              <a:t>My 60 pound boxer pit mix is a fan.</a:t>
+            </a:r>
+            <a:r>
+              <a:rPr lang="en-US" sz="2400" dirty="0">
+                <a:solidFill>
+                  <a:schemeClr val="tx1"/>
+                </a:solidFill>
                 <a:effectLst/>
               </a:rPr>
-              <a:t>i</a:t>
-            </a:r>
-            <a:r>
-              <a:rPr lang="en-US" sz="2400" dirty="0">
-                <a:solidFill>
-                  <a:schemeClr val="tx1"/>
-                </a:solidFill>
-                <a:effectLst/>
-              </a:rPr>
-              <a:t> use a lot less litter, and spend almost no time dealing with the waste itself.”</a:t>
+              <a:t>”</a:t>
             </a:r>
           </a:p>
           <a:p>
@@ -8764,43 +8996,24 @@
                 </a:solidFill>
                 <a:effectLst/>
               </a:rPr>
-              <a:t>“(I have my unit in a carpet covered wood box because I have a dog who likes litter boxes...especially when there's a cat in it, and I keep a plastic runner at the opening of the box...it works great and I just </a:t>
-            </a:r>
-            <a:r>
-              <a:rPr lang="en-US" sz="2400" dirty="0" err="1">
+              <a:t>“</a:t>
+            </a:r>
+            <a:r>
+              <a:rPr lang="en-US" sz="2400" dirty="0">
                 <a:solidFill>
                   <a:schemeClr val="tx1"/>
                 </a:solidFill>
+              </a:rPr>
+              <a:t>Yummy &amp; Healthy &amp; Fun ...</a:t>
+            </a:r>
+            <a:r>
+              <a:rPr lang="en-US" sz="2400" dirty="0">
+                <a:solidFill>
+                  <a:schemeClr val="tx1"/>
+                </a:solidFill>
                 <a:effectLst/>
               </a:rPr>
-              <a:t>vaccuum</a:t>
-            </a:r>
-            <a:r>
-              <a:rPr lang="en-US" sz="2400" dirty="0">
-                <a:solidFill>
-                  <a:schemeClr val="tx1"/>
-                </a:solidFill>
-                <a:effectLst/>
-              </a:rPr>
-              <a:t> or sweep the runner when </a:t>
-            </a:r>
-            <a:r>
-              <a:rPr lang="en-US" sz="2400" dirty="0" err="1">
-                <a:solidFill>
-                  <a:schemeClr val="tx1"/>
-                </a:solidFill>
-                <a:effectLst/>
-              </a:rPr>
-              <a:t>nec</a:t>
-            </a:r>
-            <a:r>
-              <a:rPr lang="en-US" sz="2400" dirty="0">
-                <a:solidFill>
-                  <a:schemeClr val="tx1"/>
-                </a:solidFill>
-                <a:effectLst/>
-              </a:rPr>
-              <a:t>.)”</a:t>
+              <a:t>”</a:t>
             </a:r>
           </a:p>
           <a:p>
@@ -8819,7 +9032,24 @@
                 </a:solidFill>
                 <a:effectLst/>
               </a:rPr>
-              <a:t>“I originally bought this product to help elevate this issue but it has proven to be a blessing from the litter box gods.”</a:t>
+              <a:t>“</a:t>
+            </a:r>
+            <a:r>
+              <a:rPr lang="en-US" sz="2400" dirty="0">
+                <a:solidFill>
+                  <a:schemeClr val="tx1"/>
+                </a:solidFill>
+              </a:rPr>
+              <a:t>Wears slowly.</a:t>
+            </a:r>
+            <a:r>
+              <a:rPr lang="en-US" sz="2400" dirty="0">
+                <a:solidFill>
+                  <a:schemeClr val="tx1"/>
+                </a:solidFill>
+                <a:effectLst/>
+              </a:rPr>
+              <a:t>”</a:t>
             </a:r>
           </a:p>
         </p:txBody>
@@ -8869,7 +9099,7 @@
         <p:spPr>
           <a:xfrm>
             <a:off x="152313" y="620459"/>
-            <a:ext cx="12039687" cy="523220"/>
+            <a:ext cx="12039687" cy="954107"/>
           </a:xfrm>
           <a:prstGeom prst="rect">
             <a:avLst/>
@@ -8889,7 +9119,7 @@
                 </a:solidFill>
                 <a:latin typeface="Georgia" panose="02040502050405020303" pitchFamily="18" charset="0"/>
               </a:rPr>
-              <a:t>Demo: </a:t>
+              <a:t>Example: </a:t>
             </a:r>
             <a:r>
               <a:rPr lang="en-US" sz="2800" i="1" dirty="0">
@@ -8910,13 +9140,24 @@
               <a:t> Reviews for “</a:t>
             </a:r>
             <a:r>
-              <a:rPr lang="en-US" sz="2800" dirty="0" err="1">
+              <a:rPr lang="en-US" sz="2800" b="0" i="0" dirty="0" err="1">
                 <a:solidFill>
                   <a:schemeClr val="bg1"/>
                 </a:solidFill>
+                <a:effectLst/>
                 <a:latin typeface="Georgia" panose="02040502050405020303" pitchFamily="18" charset="0"/>
               </a:rPr>
-              <a:t>LitterMaid</a:t>
+              <a:t>Nylabone</a:t>
+            </a:r>
+            <a:r>
+              <a:rPr lang="en-US" sz="2800" b="0" i="0" dirty="0">
+                <a:solidFill>
+                  <a:schemeClr val="bg1"/>
+                </a:solidFill>
+                <a:effectLst/>
+                <a:latin typeface="Georgia" panose="02040502050405020303" pitchFamily="18" charset="0"/>
+              </a:rPr>
+              <a:t> Dura Chew Textured Dog Chew, X-Large</a:t>
             </a:r>
             <a:r>
               <a:rPr lang="en-US" sz="2800" dirty="0">
@@ -8925,7 +9166,7 @@
                 </a:solidFill>
                 <a:latin typeface="Georgia" panose="02040502050405020303" pitchFamily="18" charset="0"/>
               </a:rPr>
-              <a:t> LM500 Automated Litter Box”</a:t>
+              <a:t>”</a:t>
             </a:r>
           </a:p>
         </p:txBody>
@@ -9238,7 +9479,7 @@
         </p:spPr>
         <p:txBody>
           <a:bodyPr>
-            <a:normAutofit fontScale="70000" lnSpcReduction="20000"/>
+            <a:normAutofit fontScale="92500" lnSpcReduction="20000"/>
           </a:bodyPr>
           <a:lstStyle/>
           <a:p>
@@ -9249,7 +9490,24 @@
                 </a:solidFill>
                 <a:effectLst/>
               </a:rPr>
-              <a:t>“Therefore in conclusion, I do hope the next unit will be great since the cat seems to like it when it is "On Duty" and working, but when she is on Strike, it burns us all up and our pocketbooks from mailing them all the parts back they require and now burning our tempers that they now want to charge shipping fees for their "FREE" warranties that mean nothing really when they will only give u a problem when u point out there is no charges except the word "Free" regarding their Warranty and replacements on the Warranty information provided with the unit and on their site.”</a:t>
+              <a:t>“</a:t>
+            </a:r>
+            <a:r>
+              <a:rPr lang="en-US" sz="2400" dirty="0">
+                <a:solidFill>
+                  <a:schemeClr val="tx1"/>
+                </a:solidFill>
+              </a:rPr>
+              <a:t>Like I handed her a brick.</a:t>
+            </a:r>
+            <a:r>
+              <a:rPr lang="en-US" sz="2400" dirty="0">
+                <a:solidFill>
+                  <a:schemeClr val="tx1"/>
+                </a:solidFill>
+                <a:effectLst/>
+              </a:rPr>
+              <a:t>”</a:t>
             </a:r>
           </a:p>
           <a:p>
@@ -9268,25 +9526,24 @@
                 </a:solidFill>
                 <a:effectLst/>
               </a:rPr>
-              <a:t>“But the list of shortcomings is a long one, the most endearing of which was flinging </a:t>
-            </a:r>
-            <a:r>
-              <a:rPr lang="en-US" sz="2400" dirty="0" err="1">
+              <a:t>“</a:t>
+            </a:r>
+            <a:r>
+              <a:rPr lang="en-US" sz="2400" dirty="0">
                 <a:solidFill>
                   <a:schemeClr val="tx1"/>
                 </a:solidFill>
+              </a:rPr>
+              <a:t>I was told that if we got her something like this, she would not tear up anything, like my Bible, anymore.</a:t>
+            </a:r>
+            <a:r>
+              <a:rPr lang="en-US" sz="2400" dirty="0">
+                <a:solidFill>
+                  <a:schemeClr val="tx1"/>
+                </a:solidFill>
                 <a:effectLst/>
               </a:rPr>
-              <a:t>urineladen</a:t>
-            </a:r>
-            <a:r>
-              <a:rPr lang="en-US" sz="2400" dirty="0">
-                <a:solidFill>
-                  <a:schemeClr val="tx1"/>
-                </a:solidFill>
-                <a:effectLst/>
-              </a:rPr>
-              <a:t> clods of litter against the wall.”</a:t>
+              <a:t>”</a:t>
             </a:r>
           </a:p>
           <a:p>
@@ -9305,7 +9562,24 @@
                 </a:solidFill>
                 <a:effectLst/>
               </a:rPr>
-              <a:t>“We used 3 types of premium clumping litter, yet end up cleaning the pan by hand frequently each day.”</a:t>
+              <a:t>“</a:t>
+            </a:r>
+            <a:r>
+              <a:rPr lang="en-US" sz="2400" dirty="0">
+                <a:solidFill>
+                  <a:schemeClr val="tx1"/>
+                </a:solidFill>
+              </a:rPr>
+              <a:t>Price is very high than local store, you may able to buy it from Marshall or other local store with better price, and my dog evening blooding after play a while with this product, after one time use, I just through it away.</a:t>
+            </a:r>
+            <a:r>
+              <a:rPr lang="en-US" sz="2400" dirty="0">
+                <a:solidFill>
+                  <a:schemeClr val="tx1"/>
+                </a:solidFill>
+                <a:effectLst/>
+              </a:rPr>
+              <a:t>”</a:t>
             </a:r>
           </a:p>
           <a:p>
@@ -9324,7 +9598,24 @@
                 </a:solidFill>
                 <a:effectLst/>
               </a:rPr>
-              <a:t>“Second, less than 2 months again this time the unit starts having a huge crack from the outside of the motor assembly and along the outside of the unit all down the side of the connection where the ac dc unit is plugged in.”</a:t>
+              <a:t>“</a:t>
+            </a:r>
+            <a:r>
+              <a:rPr lang="en-US" sz="2400" dirty="0">
+                <a:solidFill>
+                  <a:schemeClr val="tx1"/>
+                </a:solidFill>
+              </a:rPr>
+              <a:t>so this is a big fat nope is our book of chew toys.</a:t>
+            </a:r>
+            <a:r>
+              <a:rPr lang="en-US" sz="2400" dirty="0">
+                <a:solidFill>
+                  <a:schemeClr val="tx1"/>
+                </a:solidFill>
+                <a:effectLst/>
+              </a:rPr>
+              <a:t>”</a:t>
             </a:r>
           </a:p>
           <a:p>
@@ -9343,25 +9634,24 @@
                 </a:solidFill>
                 <a:effectLst/>
               </a:rPr>
-              <a:t>“Finally, the little box at the end that is supposed to receive the litter is undersized for a multiple cat household, and are </a:t>
-            </a:r>
-            <a:r>
-              <a:rPr lang="en-US" sz="2400" dirty="0" err="1">
+              <a:t>“</a:t>
+            </a:r>
+            <a:r>
+              <a:rPr lang="en-US" sz="2400" dirty="0">
                 <a:solidFill>
                   <a:schemeClr val="tx1"/>
                 </a:solidFill>
+              </a:rPr>
+              <a:t>I bought this when I had 4 dogs in the house (our two, and two puppies we were fostering), out of 4 dogs NONE of them wanted this!</a:t>
+            </a:r>
+            <a:r>
+              <a:rPr lang="en-US" sz="2400" dirty="0">
+                <a:solidFill>
+                  <a:schemeClr val="tx1"/>
+                </a:solidFill>
                 <a:effectLst/>
               </a:rPr>
-              <a:t>expen$ive</a:t>
-            </a:r>
-            <a:r>
-              <a:rPr lang="en-US" sz="2400" dirty="0">
-                <a:solidFill>
-                  <a:schemeClr val="tx1"/>
-                </a:solidFill>
-                <a:effectLst/>
-              </a:rPr>
-              <a:t> to buy, so we started emptying the box and reusing it.”</a:t>
+              <a:t>”</a:t>
             </a:r>
           </a:p>
         </p:txBody>
@@ -9650,9 +9940,9 @@
               <a:buChar char="•"/>
             </a:pPr>
             <a:r>
-              <a:rPr lang="en-US" sz="2800" b="0" i="0" dirty="0">
-                <a:solidFill>
-                  <a:srgbClr val="0E1116"/>
+              <a:rPr lang="en-US" sz="2800" b="1" i="0" dirty="0">
+                <a:solidFill>
+                  <a:srgbClr val="C00000"/>
                 </a:solidFill>
                 <a:effectLst/>
               </a:rPr>
@@ -9677,9 +9967,9 @@
               <a:buChar char="•"/>
             </a:pPr>
             <a:r>
-              <a:rPr lang="en-US" sz="2800" b="0" i="0" dirty="0">
-                <a:solidFill>
-                  <a:srgbClr val="0E1116"/>
+              <a:rPr lang="en-US" sz="2800" b="1" i="0" dirty="0">
+                <a:solidFill>
+                  <a:srgbClr val="C00000"/>
                 </a:solidFill>
                 <a:effectLst/>
               </a:rPr>
@@ -9724,9 +10014,9 @@
               <a:buChar char="•"/>
             </a:pPr>
             <a:r>
-              <a:rPr lang="en-US" sz="2800" b="0" i="0" dirty="0">
-                <a:solidFill>
-                  <a:srgbClr val="0E1116"/>
+              <a:rPr lang="en-US" sz="2800" b="1" i="0" dirty="0">
+                <a:solidFill>
+                  <a:srgbClr val="C00000"/>
                 </a:solidFill>
                 <a:effectLst/>
               </a:rPr>
@@ -10101,8 +10391,8 @@
         </p:blipFill>
         <p:spPr bwMode="auto">
           <a:xfrm>
-            <a:off x="5508917" y="3429000"/>
-            <a:ext cx="6683084" cy="3427691"/>
+            <a:off x="2312519" y="2981921"/>
+            <a:ext cx="7554769" cy="3874770"/>
           </a:xfrm>
           <a:prstGeom prst="rect">
             <a:avLst/>
@@ -10154,7 +10444,7 @@
                 </a:solidFill>
                 <a:latin typeface="Georgia" panose="02040502050405020303" pitchFamily="18" charset="0"/>
               </a:rPr>
-              <a:t>Product Recommendation</a:t>
+              <a:t>Enhance Product Recommendation</a:t>
             </a:r>
           </a:p>
         </p:txBody>
@@ -10291,53 +10581,21 @@
             </a:r>
           </a:p>
           <a:p>
-            <a:endParaRPr lang="en-US" sz="2800" dirty="0">
-              <a:solidFill>
-                <a:schemeClr val="tx1"/>
-              </a:solidFill>
-            </a:endParaRPr>
-          </a:p>
-          <a:p>
+            <a:r>
+              <a:rPr lang="en-US" sz="2800" b="1" dirty="0">
+                <a:solidFill>
+                  <a:srgbClr val="C00000"/>
+                </a:solidFill>
+              </a:rPr>
+              <a:t>Model-based</a:t>
+            </a:r>
             <a:r>
               <a:rPr lang="en-US" sz="2800" dirty="0">
                 <a:solidFill>
                   <a:schemeClr val="tx1"/>
                 </a:solidFill>
               </a:rPr>
-              <a:t>Model-based approaches</a:t>
-            </a:r>
-          </a:p>
-          <a:p>
-            <a:pPr lvl="1"/>
-            <a:r>
-              <a:rPr lang="en-US" sz="2400" dirty="0">
-                <a:solidFill>
-                  <a:schemeClr val="tx1"/>
-                </a:solidFill>
-              </a:rPr>
-              <a:t>Singular Vector Decomposition (“SVD”)</a:t>
-            </a:r>
-          </a:p>
-          <a:p>
-            <a:pPr lvl="1"/>
-            <a:r>
-              <a:rPr lang="en-US" sz="2400" dirty="0">
-                <a:solidFill>
-                  <a:schemeClr val="tx1"/>
-                </a:solidFill>
-              </a:rPr>
-              <a:t>Alternating Least Squares (“ALS”)</a:t>
-            </a:r>
-          </a:p>
-          <a:p>
-            <a:pPr lvl="1"/>
-            <a:r>
-              <a:rPr lang="en-US" sz="2400" dirty="0">
-                <a:solidFill>
-                  <a:schemeClr val="tx1"/>
-                </a:solidFill>
-              </a:rPr>
-              <a:t>Neural Networks</a:t>
+              <a:t> approaches</a:t>
             </a:r>
           </a:p>
         </p:txBody>
@@ -10529,6 +10787,38 @@
               </a:rPr>
               <a:t>Product Reviews</a:t>
             </a:r>
+          </a:p>
+        </p:txBody>
+      </p:sp>
+      <p:sp>
+        <p:nvSpPr>
+          <p:cNvPr id="3" name="TextBox 2">
+            <a:extLst>
+              <a:ext uri="{FF2B5EF4-FFF2-40B4-BE49-F238E27FC236}">
+                <a16:creationId xmlns:a16="http://schemas.microsoft.com/office/drawing/2014/main" id="{8E5FDC07-82F4-01EF-4744-3FF399553CA1}"/>
+              </a:ext>
+            </a:extLst>
+          </p:cNvPr>
+          <p:cNvSpPr txBox="1"/>
+          <p:nvPr/>
+        </p:nvSpPr>
+        <p:spPr>
+          <a:xfrm>
+            <a:off x="-2273300" y="4356100"/>
+            <a:ext cx="184731" cy="369332"/>
+          </a:xfrm>
+          <a:prstGeom prst="rect">
+            <a:avLst/>
+          </a:prstGeom>
+          <a:noFill/>
+        </p:spPr>
+        <p:txBody>
+          <a:bodyPr wrap="none" rtlCol="0">
+            <a:spAutoFit/>
+          </a:bodyPr>
+          <a:lstStyle/>
+          <a:p>
+            <a:endParaRPr lang="en-US" dirty="0"/>
           </a:p>
         </p:txBody>
       </p:sp>
@@ -11064,7 +11354,7 @@
                 </a:solidFill>
                 <a:latin typeface="Georgia" panose="02040502050405020303" pitchFamily="18" charset="0"/>
               </a:rPr>
-              <a:t>Demo: User Ratings for Training</a:t>
+              <a:t>Example: User Ratings for Training</a:t>
             </a:r>
           </a:p>
         </p:txBody>
@@ -11524,7 +11814,7 @@
         </p:nvSpPr>
         <p:spPr>
           <a:xfrm>
-            <a:off x="841411" y="3973911"/>
+            <a:off x="841411" y="4020877"/>
             <a:ext cx="9574877" cy="576824"/>
           </a:xfrm>
           <a:prstGeom prst="frame">
@@ -11691,7 +11981,7 @@
                 </a:solidFill>
                 <a:latin typeface="Georgia" panose="02040502050405020303" pitchFamily="18" charset="0"/>
               </a:rPr>
-              <a:t>Demo: Top 10 Recommendations for the User</a:t>
+              <a:t>Example: Top 10 Recommendations for the User</a:t>
             </a:r>
           </a:p>
         </p:txBody>
@@ -11998,9 +12288,8 @@
         </p:nvPicPr>
         <p:blipFill>
           <a:blip r:embed="rId3"/>
-          <a:stretch>
-            <a:fillRect/>
-          </a:stretch>
+          <a:srcRect/>
+          <a:stretch/>
         </p:blipFill>
         <p:spPr>
           <a:xfrm>
@@ -12084,128 +12373,12 @@
         </p:nvSpPr>
         <p:spPr>
           <a:xfrm>
-            <a:off x="7095461" y="2540188"/>
-            <a:ext cx="1772092" cy="383766"/>
+            <a:off x="2198140" y="2540187"/>
+            <a:ext cx="6669413" cy="1013241"/>
           </a:xfrm>
           <a:prstGeom prst="frame">
             <a:avLst>
-              <a:gd name="adj1" fmla="val 10794"/>
-            </a:avLst>
-          </a:prstGeom>
-          <a:solidFill>
-            <a:srgbClr val="C00000"/>
-          </a:solidFill>
-          <a:ln>
-            <a:noFill/>
-          </a:ln>
-        </p:spPr>
-        <p:style>
-          <a:lnRef idx="2">
-            <a:schemeClr val="accent1">
-              <a:shade val="15000"/>
-            </a:schemeClr>
-          </a:lnRef>
-          <a:fillRef idx="1">
-            <a:schemeClr val="accent1"/>
-          </a:fillRef>
-          <a:effectRef idx="0">
-            <a:schemeClr val="accent1"/>
-          </a:effectRef>
-          <a:fontRef idx="minor">
-            <a:schemeClr val="lt1"/>
-          </a:fontRef>
-        </p:style>
-        <p:txBody>
-          <a:bodyPr rtlCol="0" anchor="ctr"/>
-          <a:lstStyle/>
-          <a:p>
-            <a:pPr algn="ctr"/>
-            <a:endParaRPr lang="en-US">
-              <a:solidFill>
-                <a:schemeClr val="tx1"/>
-              </a:solidFill>
-            </a:endParaRPr>
-          </a:p>
-        </p:txBody>
-      </p:sp>
-      <p:sp>
-        <p:nvSpPr>
-          <p:cNvPr id="21" name="Frame 20">
-            <a:extLst>
-              <a:ext uri="{FF2B5EF4-FFF2-40B4-BE49-F238E27FC236}">
-                <a16:creationId xmlns:a16="http://schemas.microsoft.com/office/drawing/2014/main" id="{A64EA5BE-D18F-FDCD-89A5-F02B451672B4}"/>
-              </a:ext>
-            </a:extLst>
-          </p:cNvPr>
-          <p:cNvSpPr/>
-          <p:nvPr/>
-        </p:nvSpPr>
-        <p:spPr>
-          <a:xfrm>
-            <a:off x="4518836" y="3752299"/>
-            <a:ext cx="4316819" cy="432669"/>
-          </a:xfrm>
-          <a:prstGeom prst="frame">
-            <a:avLst>
-              <a:gd name="adj1" fmla="val 10794"/>
-            </a:avLst>
-          </a:prstGeom>
-          <a:solidFill>
-            <a:srgbClr val="C00000"/>
-          </a:solidFill>
-          <a:ln>
-            <a:noFill/>
-          </a:ln>
-        </p:spPr>
-        <p:style>
-          <a:lnRef idx="2">
-            <a:schemeClr val="accent1">
-              <a:shade val="15000"/>
-            </a:schemeClr>
-          </a:lnRef>
-          <a:fillRef idx="1">
-            <a:schemeClr val="accent1"/>
-          </a:fillRef>
-          <a:effectRef idx="0">
-            <a:schemeClr val="accent1"/>
-          </a:effectRef>
-          <a:fontRef idx="minor">
-            <a:schemeClr val="lt1"/>
-          </a:fontRef>
-        </p:style>
-        <p:txBody>
-          <a:bodyPr rtlCol="0" anchor="ctr"/>
-          <a:lstStyle/>
-          <a:p>
-            <a:pPr algn="ctr"/>
-            <a:endParaRPr lang="en-US">
-              <a:solidFill>
-                <a:schemeClr val="tx1"/>
-              </a:solidFill>
-            </a:endParaRPr>
-          </a:p>
-        </p:txBody>
-      </p:sp>
-      <p:sp>
-        <p:nvSpPr>
-          <p:cNvPr id="22" name="Frame 21">
-            <a:extLst>
-              <a:ext uri="{FF2B5EF4-FFF2-40B4-BE49-F238E27FC236}">
-                <a16:creationId xmlns:a16="http://schemas.microsoft.com/office/drawing/2014/main" id="{CD4D858E-BE27-657C-2564-A2DA7F00E420}"/>
-              </a:ext>
-            </a:extLst>
-          </p:cNvPr>
-          <p:cNvSpPr/>
-          <p:nvPr/>
-        </p:nvSpPr>
-        <p:spPr>
-          <a:xfrm>
-            <a:off x="2424223" y="4136066"/>
-            <a:ext cx="6411432" cy="432669"/>
-          </a:xfrm>
-          <a:prstGeom prst="frame">
-            <a:avLst>
-              <a:gd name="adj1" fmla="val 10794"/>
+              <a:gd name="adj1" fmla="val 6225"/>
             </a:avLst>
           </a:prstGeom>
           <a:solidFill>

--- a/Presentation.pptx
+++ b/Presentation.pptx
@@ -213,7 +213,7 @@
           <a:p>
             <a:fld id="{02DD3CF6-4B09-AC41-94D4-3EA0BEB07B4C}" type="datetimeFigureOut">
               <a:rPr lang="en-US" smtClean="0"/>
-              <a:t>12/23/23</a:t>
+              <a:t>12/24/23</a:t>
             </a:fld>
             <a:endParaRPr lang="en-US"/>
           </a:p>
@@ -2078,7 +2078,7 @@
           <a:p>
             <a:fld id="{C5D43C5E-84DC-B045-90C1-CE8917966729}" type="datetime1">
               <a:rPr lang="en-US" smtClean="0"/>
-              <a:t>12/23/23</a:t>
+              <a:t>12/24/23</a:t>
             </a:fld>
             <a:endParaRPr lang="en-US" dirty="0"/>
           </a:p>
@@ -2340,7 +2340,7 @@
           <a:p>
             <a:fld id="{E11B5EEE-1F06-3F45-85F3-B3DCB7925E4B}" type="datetime1">
               <a:rPr lang="en-US" smtClean="0"/>
-              <a:t>12/23/23</a:t>
+              <a:t>12/24/23</a:t>
             </a:fld>
             <a:endParaRPr lang="en-US"/>
           </a:p>
@@ -2575,7 +2575,7 @@
           <a:p>
             <a:fld id="{C77C8B24-0F88-E644-9199-E2CBE93E93CF}" type="datetime1">
               <a:rPr lang="en-US" smtClean="0"/>
-              <a:t>12/23/23</a:t>
+              <a:t>12/24/23</a:t>
             </a:fld>
             <a:endParaRPr lang="en-US"/>
           </a:p>
@@ -2829,7 +2829,7 @@
           <a:p>
             <a:fld id="{6799C28B-0C81-6444-8A76-8318C75F4168}" type="datetime1">
               <a:rPr lang="en-US" smtClean="0"/>
-              <a:t>12/23/23</a:t>
+              <a:t>12/24/23</a:t>
             </a:fld>
             <a:endParaRPr lang="en-US"/>
           </a:p>
@@ -3175,7 +3175,7 @@
           <a:p>
             <a:fld id="{23DD9423-4B7B-894B-9EBC-D133892E5F64}" type="datetime1">
               <a:rPr lang="en-US" smtClean="0"/>
-              <a:t>12/23/23</a:t>
+              <a:t>12/24/23</a:t>
             </a:fld>
             <a:endParaRPr lang="en-US" dirty="0"/>
           </a:p>
@@ -3477,7 +3477,7 @@
           <a:p>
             <a:fld id="{4C0FCC6C-1C6A-4B46-B738-52422521FAC6}" type="datetime1">
               <a:rPr lang="en-US" smtClean="0"/>
-              <a:t>12/23/23</a:t>
+              <a:t>12/24/23</a:t>
             </a:fld>
             <a:endParaRPr lang="en-US"/>
           </a:p>
@@ -3899,7 +3899,7 @@
           <a:p>
             <a:fld id="{963A427F-56F0-E545-BC54-29F3466C3828}" type="datetime1">
               <a:rPr lang="en-US" smtClean="0"/>
-              <a:t>12/23/23</a:t>
+              <a:t>12/24/23</a:t>
             </a:fld>
             <a:endParaRPr lang="en-US"/>
           </a:p>
@@ -3994,7 +3994,7 @@
           <a:p>
             <a:fld id="{7F3C0F0E-3775-A843-912B-4D1D1037D249}" type="datetime1">
               <a:rPr lang="en-US" smtClean="0"/>
-              <a:t>12/23/23</a:t>
+              <a:t>12/24/23</a:t>
             </a:fld>
             <a:endParaRPr lang="en-US"/>
           </a:p>
@@ -4156,7 +4156,7 @@
           <a:p>
             <a:fld id="{B5F42806-A922-3749-9987-BB696A9CEE30}" type="datetime1">
               <a:rPr lang="en-US" smtClean="0"/>
-              <a:t>12/23/23</a:t>
+              <a:t>12/24/23</a:t>
             </a:fld>
             <a:endParaRPr lang="en-US"/>
           </a:p>
@@ -4534,7 +4534,7 @@
           <a:p>
             <a:fld id="{E7C5261F-6501-2845-AB0A-AA1CEFE7525D}" type="datetime1">
               <a:rPr lang="en-US" smtClean="0"/>
-              <a:t>12/23/23</a:t>
+              <a:t>12/24/23</a:t>
             </a:fld>
             <a:endParaRPr lang="en-US"/>
           </a:p>
@@ -4823,7 +4823,7 @@
           <a:p>
             <a:fld id="{CB331D65-FD20-6C43-B64E-681C7DB0E821}" type="datetime1">
               <a:rPr lang="en-US" smtClean="0"/>
-              <a:t>12/23/23</a:t>
+              <a:t>12/24/23</a:t>
             </a:fld>
             <a:endParaRPr lang="en-US" dirty="0"/>
           </a:p>
@@ -5035,7 +5035,7 @@
           <a:p>
             <a:fld id="{E337CD83-4AAF-8945-9C63-807FAEFB7C22}" type="datetime1">
               <a:rPr lang="en-US" smtClean="0"/>
-              <a:t>12/23/23</a:t>
+              <a:t>12/24/23</a:t>
             </a:fld>
             <a:endParaRPr lang="en-US"/>
           </a:p>
@@ -11946,6 +11946,38 @@
           <a:chExt cx="0" cy="0"/>
         </a:xfrm>
       </p:grpSpPr>
+      <p:pic>
+        <p:nvPicPr>
+          <p:cNvPr id="10" name="Content Placeholder 9">
+            <a:extLst>
+              <a:ext uri="{FF2B5EF4-FFF2-40B4-BE49-F238E27FC236}">
+                <a16:creationId xmlns:a16="http://schemas.microsoft.com/office/drawing/2014/main" id="{8D25CC17-6DE0-5B70-9D89-52DD790BF195}"/>
+              </a:ext>
+            </a:extLst>
+          </p:cNvPr>
+          <p:cNvPicPr>
+            <a:picLocks noGrp="1" noChangeAspect="1"/>
+          </p:cNvPicPr>
+          <p:nvPr>
+            <p:ph idx="1"/>
+          </p:nvPr>
+        </p:nvPicPr>
+        <p:blipFill>
+          <a:blip r:embed="rId3"/>
+          <a:stretch>
+            <a:fillRect/>
+          </a:stretch>
+        </p:blipFill>
+        <p:spPr>
+          <a:xfrm>
+            <a:off x="825500" y="2216944"/>
+            <a:ext cx="10541000" cy="3606800"/>
+          </a:xfrm>
+          <a:prstGeom prst="rect">
+            <a:avLst/>
+          </a:prstGeom>
+        </p:spPr>
+      </p:pic>
       <p:sp>
         <p:nvSpPr>
           <p:cNvPr id="6" name="TextBox 5">
@@ -12270,37 +12302,6 @@
           </a:p>
         </p:txBody>
       </p:sp>
-      <p:pic>
-        <p:nvPicPr>
-          <p:cNvPr id="11" name="Content Placeholder 10">
-            <a:extLst>
-              <a:ext uri="{FF2B5EF4-FFF2-40B4-BE49-F238E27FC236}">
-                <a16:creationId xmlns:a16="http://schemas.microsoft.com/office/drawing/2014/main" id="{41902CA5-B623-968B-4395-9E41754E00E8}"/>
-              </a:ext>
-            </a:extLst>
-          </p:cNvPr>
-          <p:cNvPicPr>
-            <a:picLocks noGrp="1" noChangeAspect="1"/>
-          </p:cNvPicPr>
-          <p:nvPr>
-            <p:ph idx="1"/>
-          </p:nvPr>
-        </p:nvPicPr>
-        <p:blipFill>
-          <a:blip r:embed="rId3"/>
-          <a:srcRect/>
-          <a:stretch/>
-        </p:blipFill>
-        <p:spPr>
-          <a:xfrm>
-            <a:off x="581025" y="2210936"/>
-            <a:ext cx="11029950" cy="3618815"/>
-          </a:xfrm>
-          <a:prstGeom prst="rect">
-            <a:avLst/>
-          </a:prstGeom>
-        </p:spPr>
-      </p:pic>
       <p:sp>
         <p:nvSpPr>
           <p:cNvPr id="12" name="Frame 11">
@@ -12315,7 +12316,7 @@
         </p:nvSpPr>
         <p:spPr>
           <a:xfrm>
-            <a:off x="10802679" y="2210936"/>
+            <a:off x="10558300" y="2210936"/>
             <a:ext cx="733647" cy="3745201"/>
           </a:xfrm>
           <a:prstGeom prst="frame">
@@ -12373,8 +12374,8 @@
         </p:nvSpPr>
         <p:spPr>
           <a:xfrm>
-            <a:off x="2198140" y="2540187"/>
-            <a:ext cx="6669413" cy="1013241"/>
+            <a:off x="2354317" y="2540187"/>
+            <a:ext cx="6201104" cy="1013241"/>
           </a:xfrm>
           <a:prstGeom prst="frame">
             <a:avLst>

--- a/Presentation.pptx
+++ b/Presentation.pptx
@@ -5,7 +5,7 @@
     <p:sldMasterId id="2147483765" r:id="rId1"/>
   </p:sldMasterIdLst>
   <p:notesMasterIdLst>
-    <p:notesMasterId r:id="rId19"/>
+    <p:notesMasterId r:id="rId22"/>
   </p:notesMasterIdLst>
   <p:sldIdLst>
     <p:sldId id="256" r:id="rId2"/>
@@ -14,17 +14,20 @@
     <p:sldId id="267" r:id="rId5"/>
     <p:sldId id="273" r:id="rId6"/>
     <p:sldId id="274" r:id="rId7"/>
-    <p:sldId id="275" r:id="rId8"/>
-    <p:sldId id="276" r:id="rId9"/>
-    <p:sldId id="277" r:id="rId10"/>
-    <p:sldId id="278" r:id="rId11"/>
-    <p:sldId id="279" r:id="rId12"/>
-    <p:sldId id="280" r:id="rId13"/>
-    <p:sldId id="282" r:id="rId14"/>
-    <p:sldId id="283" r:id="rId15"/>
-    <p:sldId id="284" r:id="rId16"/>
-    <p:sldId id="285" r:id="rId17"/>
-    <p:sldId id="286" r:id="rId18"/>
+    <p:sldId id="287" r:id="rId8"/>
+    <p:sldId id="275" r:id="rId9"/>
+    <p:sldId id="276" r:id="rId10"/>
+    <p:sldId id="277" r:id="rId11"/>
+    <p:sldId id="278" r:id="rId12"/>
+    <p:sldId id="279" r:id="rId13"/>
+    <p:sldId id="288" r:id="rId14"/>
+    <p:sldId id="280" r:id="rId15"/>
+    <p:sldId id="282" r:id="rId16"/>
+    <p:sldId id="283" r:id="rId17"/>
+    <p:sldId id="284" r:id="rId18"/>
+    <p:sldId id="285" r:id="rId19"/>
+    <p:sldId id="289" r:id="rId20"/>
+    <p:sldId id="286" r:id="rId21"/>
   </p:sldIdLst>
   <p:sldSz cx="12192000" cy="6858000"/>
   <p:notesSz cx="6858000" cy="9144000"/>
@@ -213,7 +216,7 @@
           <a:p>
             <a:fld id="{02DD3CF6-4B09-AC41-94D4-3EA0BEB07B4C}" type="datetimeFigureOut">
               <a:rPr lang="en-US" smtClean="0"/>
-              <a:t>12/24/23</a:t>
+              <a:t>1/15/24</a:t>
             </a:fld>
             <a:endParaRPr lang="en-US"/>
           </a:p>
@@ -641,7 +644,7 @@
     </p:spTree>
     <p:extLst>
       <p:ext uri="{BB962C8B-B14F-4D97-AF65-F5344CB8AC3E}">
-        <p14:creationId xmlns:p14="http://schemas.microsoft.com/office/powerpoint/2010/main" val="780429679"/>
+        <p14:creationId xmlns:p14="http://schemas.microsoft.com/office/powerpoint/2010/main" val="2540837859"/>
       </p:ext>
     </p:extLst>
   </p:cSld>
@@ -725,7 +728,7 @@
     </p:spTree>
     <p:extLst>
       <p:ext uri="{BB962C8B-B14F-4D97-AF65-F5344CB8AC3E}">
-        <p14:creationId xmlns:p14="http://schemas.microsoft.com/office/powerpoint/2010/main" val="2776006089"/>
+        <p14:creationId xmlns:p14="http://schemas.microsoft.com/office/powerpoint/2010/main" val="780429679"/>
       </p:ext>
     </p:extLst>
   </p:cSld>
@@ -809,7 +812,7 @@
     </p:spTree>
     <p:extLst>
       <p:ext uri="{BB962C8B-B14F-4D97-AF65-F5344CB8AC3E}">
-        <p14:creationId xmlns:p14="http://schemas.microsoft.com/office/powerpoint/2010/main" val="1919802643"/>
+        <p14:creationId xmlns:p14="http://schemas.microsoft.com/office/powerpoint/2010/main" val="2960962953"/>
       </p:ext>
     </p:extLst>
   </p:cSld>
@@ -893,7 +896,7 @@
     </p:spTree>
     <p:extLst>
       <p:ext uri="{BB962C8B-B14F-4D97-AF65-F5344CB8AC3E}">
-        <p14:creationId xmlns:p14="http://schemas.microsoft.com/office/powerpoint/2010/main" val="2593834434"/>
+        <p14:creationId xmlns:p14="http://schemas.microsoft.com/office/powerpoint/2010/main" val="2776006089"/>
       </p:ext>
     </p:extLst>
   </p:cSld>
@@ -977,7 +980,7 @@
     </p:spTree>
     <p:extLst>
       <p:ext uri="{BB962C8B-B14F-4D97-AF65-F5344CB8AC3E}">
-        <p14:creationId xmlns:p14="http://schemas.microsoft.com/office/powerpoint/2010/main" val="3553422470"/>
+        <p14:creationId xmlns:p14="http://schemas.microsoft.com/office/powerpoint/2010/main" val="1919802643"/>
       </p:ext>
     </p:extLst>
   </p:cSld>
@@ -1061,7 +1064,7 @@
     </p:spTree>
     <p:extLst>
       <p:ext uri="{BB962C8B-B14F-4D97-AF65-F5344CB8AC3E}">
-        <p14:creationId xmlns:p14="http://schemas.microsoft.com/office/powerpoint/2010/main" val="616844583"/>
+        <p14:creationId xmlns:p14="http://schemas.microsoft.com/office/powerpoint/2010/main" val="2593834434"/>
       </p:ext>
     </p:extLst>
   </p:cSld>
@@ -1137,6 +1140,258 @@
             <a:fld id="{CE55563D-06DA-C94C-9244-E3E6D4D096AA}" type="slidenum">
               <a:rPr lang="en-US" smtClean="0"/>
               <a:t>17</a:t>
+            </a:fld>
+            <a:endParaRPr lang="en-US"/>
+          </a:p>
+        </p:txBody>
+      </p:sp>
+    </p:spTree>
+    <p:extLst>
+      <p:ext uri="{BB962C8B-B14F-4D97-AF65-F5344CB8AC3E}">
+        <p14:creationId xmlns:p14="http://schemas.microsoft.com/office/powerpoint/2010/main" val="3553422470"/>
+      </p:ext>
+    </p:extLst>
+  </p:cSld>
+  <p:clrMapOvr>
+    <a:masterClrMapping/>
+  </p:clrMapOvr>
+</p:notes>
+</file>
+
+<file path=ppt/notesSlides/notesSlide17.xml><?xml version="1.0" encoding="utf-8"?>
+<p:notes xmlns:a="http://schemas.openxmlformats.org/drawingml/2006/main" xmlns:r="http://schemas.openxmlformats.org/officeDocument/2006/relationships" xmlns:p="http://schemas.openxmlformats.org/presentationml/2006/main">
+  <p:cSld>
+    <p:spTree>
+      <p:nvGrpSpPr>
+        <p:cNvPr id="1" name=""/>
+        <p:cNvGrpSpPr/>
+        <p:nvPr/>
+      </p:nvGrpSpPr>
+      <p:grpSpPr>
+        <a:xfrm>
+          <a:off x="0" y="0"/>
+          <a:ext cx="0" cy="0"/>
+          <a:chOff x="0" y="0"/>
+          <a:chExt cx="0" cy="0"/>
+        </a:xfrm>
+      </p:grpSpPr>
+      <p:sp>
+        <p:nvSpPr>
+          <p:cNvPr id="2" name="Slide Image Placeholder 1"/>
+          <p:cNvSpPr>
+            <a:spLocks noGrp="1" noRot="1" noChangeAspect="1"/>
+          </p:cNvSpPr>
+          <p:nvPr>
+            <p:ph type="sldImg"/>
+          </p:nvPr>
+        </p:nvSpPr>
+        <p:spPr/>
+      </p:sp>
+      <p:sp>
+        <p:nvSpPr>
+          <p:cNvPr id="3" name="Notes Placeholder 2"/>
+          <p:cNvSpPr>
+            <a:spLocks noGrp="1"/>
+          </p:cNvSpPr>
+          <p:nvPr>
+            <p:ph type="body" idx="1"/>
+          </p:nvPr>
+        </p:nvSpPr>
+        <p:spPr/>
+        <p:txBody>
+          <a:bodyPr/>
+          <a:lstStyle/>
+          <a:p>
+            <a:endParaRPr lang="en-US" dirty="0"/>
+          </a:p>
+        </p:txBody>
+      </p:sp>
+      <p:sp>
+        <p:nvSpPr>
+          <p:cNvPr id="4" name="Slide Number Placeholder 3"/>
+          <p:cNvSpPr>
+            <a:spLocks noGrp="1"/>
+          </p:cNvSpPr>
+          <p:nvPr>
+            <p:ph type="sldNum" sz="quarter" idx="5"/>
+          </p:nvPr>
+        </p:nvSpPr>
+        <p:spPr/>
+        <p:txBody>
+          <a:bodyPr/>
+          <a:lstStyle/>
+          <a:p>
+            <a:fld id="{CE55563D-06DA-C94C-9244-E3E6D4D096AA}" type="slidenum">
+              <a:rPr lang="en-US" smtClean="0"/>
+              <a:t>18</a:t>
+            </a:fld>
+            <a:endParaRPr lang="en-US"/>
+          </a:p>
+        </p:txBody>
+      </p:sp>
+    </p:spTree>
+    <p:extLst>
+      <p:ext uri="{BB962C8B-B14F-4D97-AF65-F5344CB8AC3E}">
+        <p14:creationId xmlns:p14="http://schemas.microsoft.com/office/powerpoint/2010/main" val="616844583"/>
+      </p:ext>
+    </p:extLst>
+  </p:cSld>
+  <p:clrMapOvr>
+    <a:masterClrMapping/>
+  </p:clrMapOvr>
+</p:notes>
+</file>
+
+<file path=ppt/notesSlides/notesSlide18.xml><?xml version="1.0" encoding="utf-8"?>
+<p:notes xmlns:a="http://schemas.openxmlformats.org/drawingml/2006/main" xmlns:r="http://schemas.openxmlformats.org/officeDocument/2006/relationships" xmlns:p="http://schemas.openxmlformats.org/presentationml/2006/main">
+  <p:cSld>
+    <p:spTree>
+      <p:nvGrpSpPr>
+        <p:cNvPr id="1" name=""/>
+        <p:cNvGrpSpPr/>
+        <p:nvPr/>
+      </p:nvGrpSpPr>
+      <p:grpSpPr>
+        <a:xfrm>
+          <a:off x="0" y="0"/>
+          <a:ext cx="0" cy="0"/>
+          <a:chOff x="0" y="0"/>
+          <a:chExt cx="0" cy="0"/>
+        </a:xfrm>
+      </p:grpSpPr>
+      <p:sp>
+        <p:nvSpPr>
+          <p:cNvPr id="2" name="Slide Image Placeholder 1"/>
+          <p:cNvSpPr>
+            <a:spLocks noGrp="1" noRot="1" noChangeAspect="1"/>
+          </p:cNvSpPr>
+          <p:nvPr>
+            <p:ph type="sldImg"/>
+          </p:nvPr>
+        </p:nvSpPr>
+        <p:spPr/>
+      </p:sp>
+      <p:sp>
+        <p:nvSpPr>
+          <p:cNvPr id="3" name="Notes Placeholder 2"/>
+          <p:cNvSpPr>
+            <a:spLocks noGrp="1"/>
+          </p:cNvSpPr>
+          <p:nvPr>
+            <p:ph type="body" idx="1"/>
+          </p:nvPr>
+        </p:nvSpPr>
+        <p:spPr/>
+        <p:txBody>
+          <a:bodyPr/>
+          <a:lstStyle/>
+          <a:p>
+            <a:endParaRPr lang="en-US" dirty="0"/>
+          </a:p>
+        </p:txBody>
+      </p:sp>
+      <p:sp>
+        <p:nvSpPr>
+          <p:cNvPr id="4" name="Slide Number Placeholder 3"/>
+          <p:cNvSpPr>
+            <a:spLocks noGrp="1"/>
+          </p:cNvSpPr>
+          <p:nvPr>
+            <p:ph type="sldNum" sz="quarter" idx="5"/>
+          </p:nvPr>
+        </p:nvSpPr>
+        <p:spPr/>
+        <p:txBody>
+          <a:bodyPr/>
+          <a:lstStyle/>
+          <a:p>
+            <a:fld id="{CE55563D-06DA-C94C-9244-E3E6D4D096AA}" type="slidenum">
+              <a:rPr lang="en-US" smtClean="0"/>
+              <a:t>19</a:t>
+            </a:fld>
+            <a:endParaRPr lang="en-US"/>
+          </a:p>
+        </p:txBody>
+      </p:sp>
+    </p:spTree>
+    <p:extLst>
+      <p:ext uri="{BB962C8B-B14F-4D97-AF65-F5344CB8AC3E}">
+        <p14:creationId xmlns:p14="http://schemas.microsoft.com/office/powerpoint/2010/main" val="2112301829"/>
+      </p:ext>
+    </p:extLst>
+  </p:cSld>
+  <p:clrMapOvr>
+    <a:masterClrMapping/>
+  </p:clrMapOvr>
+</p:notes>
+</file>
+
+<file path=ppt/notesSlides/notesSlide19.xml><?xml version="1.0" encoding="utf-8"?>
+<p:notes xmlns:a="http://schemas.openxmlformats.org/drawingml/2006/main" xmlns:r="http://schemas.openxmlformats.org/officeDocument/2006/relationships" xmlns:p="http://schemas.openxmlformats.org/presentationml/2006/main">
+  <p:cSld>
+    <p:spTree>
+      <p:nvGrpSpPr>
+        <p:cNvPr id="1" name=""/>
+        <p:cNvGrpSpPr/>
+        <p:nvPr/>
+      </p:nvGrpSpPr>
+      <p:grpSpPr>
+        <a:xfrm>
+          <a:off x="0" y="0"/>
+          <a:ext cx="0" cy="0"/>
+          <a:chOff x="0" y="0"/>
+          <a:chExt cx="0" cy="0"/>
+        </a:xfrm>
+      </p:grpSpPr>
+      <p:sp>
+        <p:nvSpPr>
+          <p:cNvPr id="2" name="Slide Image Placeholder 1"/>
+          <p:cNvSpPr>
+            <a:spLocks noGrp="1" noRot="1" noChangeAspect="1"/>
+          </p:cNvSpPr>
+          <p:nvPr>
+            <p:ph type="sldImg"/>
+          </p:nvPr>
+        </p:nvSpPr>
+        <p:spPr/>
+      </p:sp>
+      <p:sp>
+        <p:nvSpPr>
+          <p:cNvPr id="3" name="Notes Placeholder 2"/>
+          <p:cNvSpPr>
+            <a:spLocks noGrp="1"/>
+          </p:cNvSpPr>
+          <p:nvPr>
+            <p:ph type="body" idx="1"/>
+          </p:nvPr>
+        </p:nvSpPr>
+        <p:spPr/>
+        <p:txBody>
+          <a:bodyPr/>
+          <a:lstStyle/>
+          <a:p>
+            <a:endParaRPr lang="en-US" dirty="0"/>
+          </a:p>
+        </p:txBody>
+      </p:sp>
+      <p:sp>
+        <p:nvSpPr>
+          <p:cNvPr id="4" name="Slide Number Placeholder 3"/>
+          <p:cNvSpPr>
+            <a:spLocks noGrp="1"/>
+          </p:cNvSpPr>
+          <p:nvPr>
+            <p:ph type="sldNum" sz="quarter" idx="5"/>
+          </p:nvPr>
+        </p:nvSpPr>
+        <p:spPr/>
+        <p:txBody>
+          <a:bodyPr/>
+          <a:lstStyle/>
+          <a:p>
+            <a:fld id="{CE55563D-06DA-C94C-9244-E3E6D4D096AA}" type="slidenum">
+              <a:rPr lang="en-US" smtClean="0"/>
+              <a:t>20</a:t>
             </a:fld>
             <a:endParaRPr lang="en-US"/>
           </a:p>
@@ -1565,7 +1820,7 @@
     </p:spTree>
     <p:extLst>
       <p:ext uri="{BB962C8B-B14F-4D97-AF65-F5344CB8AC3E}">
-        <p14:creationId xmlns:p14="http://schemas.microsoft.com/office/powerpoint/2010/main" val="2244462914"/>
+        <p14:creationId xmlns:p14="http://schemas.microsoft.com/office/powerpoint/2010/main" val="329312323"/>
       </p:ext>
     </p:extLst>
   </p:cSld>
@@ -1649,7 +1904,7 @@
     </p:spTree>
     <p:extLst>
       <p:ext uri="{BB962C8B-B14F-4D97-AF65-F5344CB8AC3E}">
-        <p14:creationId xmlns:p14="http://schemas.microsoft.com/office/powerpoint/2010/main" val="2998414805"/>
+        <p14:creationId xmlns:p14="http://schemas.microsoft.com/office/powerpoint/2010/main" val="2244462914"/>
       </p:ext>
     </p:extLst>
   </p:cSld>
@@ -1733,7 +1988,7 @@
     </p:spTree>
     <p:extLst>
       <p:ext uri="{BB962C8B-B14F-4D97-AF65-F5344CB8AC3E}">
-        <p14:creationId xmlns:p14="http://schemas.microsoft.com/office/powerpoint/2010/main" val="1945775867"/>
+        <p14:creationId xmlns:p14="http://schemas.microsoft.com/office/powerpoint/2010/main" val="2998414805"/>
       </p:ext>
     </p:extLst>
   </p:cSld>
@@ -1817,7 +2072,7 @@
     </p:spTree>
     <p:extLst>
       <p:ext uri="{BB962C8B-B14F-4D97-AF65-F5344CB8AC3E}">
-        <p14:creationId xmlns:p14="http://schemas.microsoft.com/office/powerpoint/2010/main" val="2540837859"/>
+        <p14:creationId xmlns:p14="http://schemas.microsoft.com/office/powerpoint/2010/main" val="1945775867"/>
       </p:ext>
     </p:extLst>
   </p:cSld>
@@ -2078,7 +2333,7 @@
           <a:p>
             <a:fld id="{C5D43C5E-84DC-B045-90C1-CE8917966729}" type="datetime1">
               <a:rPr lang="en-US" smtClean="0"/>
-              <a:t>12/24/23</a:t>
+              <a:t>1/15/24</a:t>
             </a:fld>
             <a:endParaRPr lang="en-US" dirty="0"/>
           </a:p>
@@ -2340,7 +2595,7 @@
           <a:p>
             <a:fld id="{E11B5EEE-1F06-3F45-85F3-B3DCB7925E4B}" type="datetime1">
               <a:rPr lang="en-US" smtClean="0"/>
-              <a:t>12/24/23</a:t>
+              <a:t>1/15/24</a:t>
             </a:fld>
             <a:endParaRPr lang="en-US"/>
           </a:p>
@@ -2575,7 +2830,7 @@
           <a:p>
             <a:fld id="{C77C8B24-0F88-E644-9199-E2CBE93E93CF}" type="datetime1">
               <a:rPr lang="en-US" smtClean="0"/>
-              <a:t>12/24/23</a:t>
+              <a:t>1/15/24</a:t>
             </a:fld>
             <a:endParaRPr lang="en-US"/>
           </a:p>
@@ -2829,7 +3084,7 @@
           <a:p>
             <a:fld id="{6799C28B-0C81-6444-8A76-8318C75F4168}" type="datetime1">
               <a:rPr lang="en-US" smtClean="0"/>
-              <a:t>12/24/23</a:t>
+              <a:t>1/15/24</a:t>
             </a:fld>
             <a:endParaRPr lang="en-US"/>
           </a:p>
@@ -3175,7 +3430,7 @@
           <a:p>
             <a:fld id="{23DD9423-4B7B-894B-9EBC-D133892E5F64}" type="datetime1">
               <a:rPr lang="en-US" smtClean="0"/>
-              <a:t>12/24/23</a:t>
+              <a:t>1/15/24</a:t>
             </a:fld>
             <a:endParaRPr lang="en-US" dirty="0"/>
           </a:p>
@@ -3477,7 +3732,7 @@
           <a:p>
             <a:fld id="{4C0FCC6C-1C6A-4B46-B738-52422521FAC6}" type="datetime1">
               <a:rPr lang="en-US" smtClean="0"/>
-              <a:t>12/24/23</a:t>
+              <a:t>1/15/24</a:t>
             </a:fld>
             <a:endParaRPr lang="en-US"/>
           </a:p>
@@ -3899,7 +4154,7 @@
           <a:p>
             <a:fld id="{963A427F-56F0-E545-BC54-29F3466C3828}" type="datetime1">
               <a:rPr lang="en-US" smtClean="0"/>
-              <a:t>12/24/23</a:t>
+              <a:t>1/15/24</a:t>
             </a:fld>
             <a:endParaRPr lang="en-US"/>
           </a:p>
@@ -3994,7 +4249,7 @@
           <a:p>
             <a:fld id="{7F3C0F0E-3775-A843-912B-4D1D1037D249}" type="datetime1">
               <a:rPr lang="en-US" smtClean="0"/>
-              <a:t>12/24/23</a:t>
+              <a:t>1/15/24</a:t>
             </a:fld>
             <a:endParaRPr lang="en-US"/>
           </a:p>
@@ -4156,7 +4411,7 @@
           <a:p>
             <a:fld id="{B5F42806-A922-3749-9987-BB696A9CEE30}" type="datetime1">
               <a:rPr lang="en-US" smtClean="0"/>
-              <a:t>12/24/23</a:t>
+              <a:t>1/15/24</a:t>
             </a:fld>
             <a:endParaRPr lang="en-US"/>
           </a:p>
@@ -4534,7 +4789,7 @@
           <a:p>
             <a:fld id="{E7C5261F-6501-2845-AB0A-AA1CEFE7525D}" type="datetime1">
               <a:rPr lang="en-US" smtClean="0"/>
-              <a:t>12/24/23</a:t>
+              <a:t>1/15/24</a:t>
             </a:fld>
             <a:endParaRPr lang="en-US"/>
           </a:p>
@@ -4823,7 +5078,7 @@
           <a:p>
             <a:fld id="{CB331D65-FD20-6C43-B64E-681C7DB0E821}" type="datetime1">
               <a:rPr lang="en-US" smtClean="0"/>
-              <a:t>12/24/23</a:t>
+              <a:t>1/15/24</a:t>
             </a:fld>
             <a:endParaRPr lang="en-US" dirty="0"/>
           </a:p>
@@ -5035,7 +5290,7 @@
           <a:p>
             <a:fld id="{E337CD83-4AAF-8945-9C63-807FAEFB7C22}" type="datetime1">
               <a:rPr lang="en-US" smtClean="0"/>
-              <a:t>12/24/23</a:t>
+              <a:t>1/15/24</a:t>
             </a:fld>
             <a:endParaRPr lang="en-US"/>
           </a:p>
@@ -5572,7 +5827,7 @@
                 </a:solidFill>
                 <a:latin typeface="Georgia" panose="02040502050405020303" pitchFamily="18" charset="0"/>
               </a:rPr>
-              <a:t>December 27, 2023</a:t>
+              <a:t>January 16, 2023</a:t>
             </a:r>
           </a:p>
         </p:txBody>
@@ -5725,117 +5980,49 @@
       </p:grpSpPr>
       <p:sp>
         <p:nvSpPr>
-          <p:cNvPr id="6" name="TextBox 5">
+          <p:cNvPr id="2" name="Title 1">
             <a:extLst>
               <a:ext uri="{FF2B5EF4-FFF2-40B4-BE49-F238E27FC236}">
-                <a16:creationId xmlns:a16="http://schemas.microsoft.com/office/drawing/2014/main" id="{195CC491-B1EF-461F-93F7-8738A7DAF173}"/>
+                <a16:creationId xmlns:a16="http://schemas.microsoft.com/office/drawing/2014/main" id="{C1610E78-E67A-D59D-07E0-E1037D49A263}"/>
               </a:ext>
             </a:extLst>
           </p:cNvPr>
-          <p:cNvSpPr txBox="1"/>
-          <p:nvPr/>
-        </p:nvSpPr>
-        <p:spPr>
-          <a:xfrm>
-            <a:off x="152313" y="620459"/>
-            <a:ext cx="12039687" cy="584775"/>
-          </a:xfrm>
-          <a:prstGeom prst="rect">
-            <a:avLst/>
-          </a:prstGeom>
-          <a:noFill/>
-        </p:spPr>
-        <p:txBody>
-          <a:bodyPr wrap="square" rtlCol="0">
-            <a:spAutoFit/>
-          </a:bodyPr>
-          <a:lstStyle/>
-          <a:p>
-            <a:r>
-              <a:rPr lang="en-US" sz="3200" dirty="0">
-                <a:solidFill>
-                  <a:schemeClr val="bg1"/>
-                </a:solidFill>
+          <p:cNvSpPr>
+            <a:spLocks noGrp="1"/>
+          </p:cNvSpPr>
+          <p:nvPr>
+            <p:ph type="title"/>
+          </p:nvPr>
+        </p:nvSpPr>
+        <p:spPr/>
+        <p:txBody>
+          <a:bodyPr/>
+          <a:lstStyle/>
+          <a:p>
+            <a:r>
+              <a:rPr lang="en-US" dirty="0" err="1">
                 <a:latin typeface="Georgia" panose="02040502050405020303" pitchFamily="18" charset="0"/>
               </a:rPr>
-              <a:t>Enhance Product Search</a:t>
-            </a:r>
-          </a:p>
-        </p:txBody>
-      </p:sp>
-      <p:sp>
-        <p:nvSpPr>
-          <p:cNvPr id="2" name="Rectangle 1">
+              <a:t>IiI</a:t>
+            </a:r>
+            <a:r>
+              <a:rPr lang="en-US" dirty="0">
+                <a:latin typeface="Georgia" panose="02040502050405020303" pitchFamily="18" charset="0"/>
+              </a:rPr>
+              <a:t>. Product search</a:t>
+            </a:r>
+          </a:p>
+        </p:txBody>
+      </p:sp>
+      <p:sp>
+        <p:nvSpPr>
+          <p:cNvPr id="3" name="Slide Number Placeholder 2">
             <a:extLst>
               <a:ext uri="{FF2B5EF4-FFF2-40B4-BE49-F238E27FC236}">
-                <a16:creationId xmlns:a16="http://schemas.microsoft.com/office/drawing/2014/main" id="{F3CC61EF-13BE-821A-9EBB-869CC84B0F46}"/>
+                <a16:creationId xmlns:a16="http://schemas.microsoft.com/office/drawing/2014/main" id="{382C1AF7-C071-1D77-A0F4-E9AC11792569}"/>
               </a:ext>
             </a:extLst>
           </p:cNvPr>
-          <p:cNvSpPr/>
-          <p:nvPr/>
-        </p:nvSpPr>
-        <p:spPr>
-          <a:xfrm>
-            <a:off x="0" y="-1"/>
-            <a:ext cx="3044952" cy="353085"/>
-          </a:xfrm>
-          <a:prstGeom prst="rect">
-            <a:avLst/>
-          </a:prstGeom>
-          <a:solidFill>
-            <a:schemeClr val="bg1">
-              <a:lumMod val="65000"/>
-            </a:schemeClr>
-          </a:solidFill>
-          <a:ln>
-            <a:solidFill>
-              <a:schemeClr val="tx1">
-                <a:lumMod val="75000"/>
-                <a:lumOff val="25000"/>
-              </a:schemeClr>
-            </a:solidFill>
-          </a:ln>
-        </p:spPr>
-        <p:style>
-          <a:lnRef idx="2">
-            <a:schemeClr val="accent1">
-              <a:shade val="15000"/>
-            </a:schemeClr>
-          </a:lnRef>
-          <a:fillRef idx="1">
-            <a:schemeClr val="accent1"/>
-          </a:fillRef>
-          <a:effectRef idx="0">
-            <a:schemeClr val="accent1"/>
-          </a:effectRef>
-          <a:fontRef idx="minor">
-            <a:schemeClr val="lt1"/>
-          </a:fontRef>
-        </p:style>
-        <p:txBody>
-          <a:bodyPr rtlCol="0" anchor="ctr"/>
-          <a:lstStyle/>
-          <a:p>
-            <a:pPr algn="ctr"/>
-            <a:r>
-              <a:rPr lang="en-US" dirty="0">
-                <a:latin typeface="Georgia" panose="02040502050405020303" pitchFamily="18" charset="0"/>
-              </a:rPr>
-              <a:t>Overview</a:t>
-            </a:r>
-          </a:p>
-        </p:txBody>
-      </p:sp>
-      <p:sp>
-        <p:nvSpPr>
-          <p:cNvPr id="8" name="Slide Number Placeholder 7">
-            <a:extLst>
-              <a:ext uri="{FF2B5EF4-FFF2-40B4-BE49-F238E27FC236}">
-                <a16:creationId xmlns:a16="http://schemas.microsoft.com/office/drawing/2014/main" id="{D0D4B812-63F5-E7E3-E66B-C490440E64F6}"/>
-              </a:ext>
-            </a:extLst>
-          </p:cNvPr>
           <p:cNvSpPr>
             <a:spLocks noGrp="1"/>
           </p:cNvSpPr>
@@ -5848,305 +6035,18 @@
           <a:bodyPr/>
           <a:lstStyle/>
           <a:p>
-            <a:fld id="{1841B757-A952-1942-8414-7ABFD6E1806C}" type="slidenum">
+            <a:fld id="{34B7E4EF-A1BD-40F4-AB7B-04F084DD991D}" type="slidenum">
               <a:rPr lang="en-US" smtClean="0"/>
-              <a:pPr/>
               <a:t>10</a:t>
             </a:fld>
             <a:endParaRPr lang="en-US" dirty="0"/>
           </a:p>
         </p:txBody>
       </p:sp>
-      <p:sp>
-        <p:nvSpPr>
-          <p:cNvPr id="10" name="Content Placeholder 2">
-            <a:extLst>
-              <a:ext uri="{FF2B5EF4-FFF2-40B4-BE49-F238E27FC236}">
-                <a16:creationId xmlns:a16="http://schemas.microsoft.com/office/drawing/2014/main" id="{61707D30-0745-E55D-FA57-F1B34839DF88}"/>
-              </a:ext>
-            </a:extLst>
-          </p:cNvPr>
-          <p:cNvSpPr>
-            <a:spLocks noGrp="1"/>
-          </p:cNvSpPr>
-          <p:nvPr>
-            <p:ph idx="1"/>
-          </p:nvPr>
-        </p:nvSpPr>
-        <p:spPr>
-          <a:xfrm>
-            <a:off x="581192" y="1964724"/>
-            <a:ext cx="11029615" cy="4356538"/>
-          </a:xfrm>
-        </p:spPr>
-        <p:txBody>
-          <a:bodyPr anchor="t">
-            <a:normAutofit/>
-          </a:bodyPr>
-          <a:lstStyle/>
-          <a:p>
-            <a:r>
-              <a:rPr lang="en-US" sz="2800" dirty="0">
-                <a:solidFill>
-                  <a:schemeClr val="tx1"/>
-                </a:solidFill>
-              </a:rPr>
-              <a:t>Uses </a:t>
-            </a:r>
-            <a:r>
-              <a:rPr lang="en-US" sz="2800" b="1" dirty="0">
-                <a:solidFill>
-                  <a:srgbClr val="C00000"/>
-                </a:solidFill>
-              </a:rPr>
-              <a:t>product images </a:t>
-            </a:r>
-            <a:r>
-              <a:rPr lang="en-US" sz="2800" dirty="0">
-                <a:solidFill>
-                  <a:schemeClr val="tx1"/>
-                </a:solidFill>
-              </a:rPr>
-              <a:t>to predict </a:t>
-            </a:r>
-            <a:r>
-              <a:rPr lang="en-US" sz="2800" b="1" dirty="0">
-                <a:solidFill>
-                  <a:srgbClr val="C00000"/>
-                </a:solidFill>
-              </a:rPr>
-              <a:t>categories </a:t>
-            </a:r>
-            <a:r>
-              <a:rPr lang="en-US" sz="2800" dirty="0">
-                <a:solidFill>
-                  <a:schemeClr val="tx1"/>
-                </a:solidFill>
-              </a:rPr>
-              <a:t>through </a:t>
-            </a:r>
-            <a:r>
-              <a:rPr lang="en-US" sz="2800" b="1" dirty="0">
-                <a:solidFill>
-                  <a:srgbClr val="C00000"/>
-                </a:solidFill>
-              </a:rPr>
-              <a:t>multi-label classification neural network</a:t>
-            </a:r>
-          </a:p>
-          <a:p>
-            <a:endParaRPr lang="en-US" sz="2800" b="1" dirty="0">
-              <a:solidFill>
-                <a:srgbClr val="C00000"/>
-              </a:solidFill>
-            </a:endParaRPr>
-          </a:p>
-          <a:p>
-            <a:r>
-              <a:rPr lang="en-US" sz="2800" dirty="0">
-                <a:solidFill>
-                  <a:schemeClr val="tx1"/>
-                </a:solidFill>
-              </a:rPr>
-              <a:t>Enables expanded searches based on common categories</a:t>
-            </a:r>
-          </a:p>
-        </p:txBody>
-      </p:sp>
-      <p:sp>
-        <p:nvSpPr>
-          <p:cNvPr id="16" name="Rectangle 15">
-            <a:extLst>
-              <a:ext uri="{FF2B5EF4-FFF2-40B4-BE49-F238E27FC236}">
-                <a16:creationId xmlns:a16="http://schemas.microsoft.com/office/drawing/2014/main" id="{D646606F-AEB2-E27E-9039-D93D1D99FE37}"/>
-              </a:ext>
-            </a:extLst>
-          </p:cNvPr>
-          <p:cNvSpPr/>
-          <p:nvPr/>
-        </p:nvSpPr>
-        <p:spPr>
-          <a:xfrm>
-            <a:off x="3044952" y="1309"/>
-            <a:ext cx="3044952" cy="353085"/>
-          </a:xfrm>
-          <a:prstGeom prst="rect">
-            <a:avLst/>
-          </a:prstGeom>
-          <a:solidFill>
-            <a:schemeClr val="bg1">
-              <a:lumMod val="65000"/>
-            </a:schemeClr>
-          </a:solidFill>
-          <a:ln>
-            <a:solidFill>
-              <a:schemeClr val="tx1">
-                <a:lumMod val="75000"/>
-                <a:lumOff val="25000"/>
-              </a:schemeClr>
-            </a:solidFill>
-          </a:ln>
-        </p:spPr>
-        <p:style>
-          <a:lnRef idx="2">
-            <a:schemeClr val="accent1">
-              <a:shade val="15000"/>
-            </a:schemeClr>
-          </a:lnRef>
-          <a:fillRef idx="1">
-            <a:schemeClr val="accent1"/>
-          </a:fillRef>
-          <a:effectRef idx="0">
-            <a:schemeClr val="accent1"/>
-          </a:effectRef>
-          <a:fontRef idx="minor">
-            <a:schemeClr val="lt1"/>
-          </a:fontRef>
-        </p:style>
-        <p:txBody>
-          <a:bodyPr rtlCol="0" anchor="ctr"/>
-          <a:lstStyle/>
-          <a:p>
-            <a:pPr algn="ctr"/>
-            <a:r>
-              <a:rPr lang="en-US" dirty="0">
-                <a:latin typeface="Georgia" panose="02040502050405020303" pitchFamily="18" charset="0"/>
-              </a:rPr>
-              <a:t>Product Recommendation</a:t>
-            </a:r>
-          </a:p>
-        </p:txBody>
-      </p:sp>
-      <p:sp>
-        <p:nvSpPr>
-          <p:cNvPr id="19" name="Rectangle 18">
-            <a:extLst>
-              <a:ext uri="{FF2B5EF4-FFF2-40B4-BE49-F238E27FC236}">
-                <a16:creationId xmlns:a16="http://schemas.microsoft.com/office/drawing/2014/main" id="{2721AAE4-79CE-71F8-249A-5839468542B0}"/>
-              </a:ext>
-            </a:extLst>
-          </p:cNvPr>
-          <p:cNvSpPr/>
-          <p:nvPr/>
-        </p:nvSpPr>
-        <p:spPr>
-          <a:xfrm>
-            <a:off x="6095999" y="0"/>
-            <a:ext cx="3044952" cy="353085"/>
-          </a:xfrm>
-          <a:prstGeom prst="rect">
-            <a:avLst/>
-          </a:prstGeom>
-          <a:solidFill>
-            <a:srgbClr val="EAC463"/>
-          </a:solidFill>
-          <a:ln>
-            <a:solidFill>
-              <a:schemeClr val="tx1">
-                <a:lumMod val="75000"/>
-                <a:lumOff val="25000"/>
-              </a:schemeClr>
-            </a:solidFill>
-          </a:ln>
-        </p:spPr>
-        <p:style>
-          <a:lnRef idx="2">
-            <a:schemeClr val="accent1">
-              <a:shade val="15000"/>
-            </a:schemeClr>
-          </a:lnRef>
-          <a:fillRef idx="1">
-            <a:schemeClr val="accent1"/>
-          </a:fillRef>
-          <a:effectRef idx="0">
-            <a:schemeClr val="accent1"/>
-          </a:effectRef>
-          <a:fontRef idx="minor">
-            <a:schemeClr val="lt1"/>
-          </a:fontRef>
-        </p:style>
-        <p:txBody>
-          <a:bodyPr rtlCol="0" anchor="ctr"/>
-          <a:lstStyle/>
-          <a:p>
-            <a:pPr algn="ctr"/>
-            <a:r>
-              <a:rPr lang="en-US" dirty="0">
-                <a:latin typeface="Georgia" panose="02040502050405020303" pitchFamily="18" charset="0"/>
-              </a:rPr>
-              <a:t>Product Search</a:t>
-            </a:r>
-          </a:p>
-        </p:txBody>
-      </p:sp>
-      <p:sp>
-        <p:nvSpPr>
-          <p:cNvPr id="20" name="Rectangle 19">
-            <a:extLst>
-              <a:ext uri="{FF2B5EF4-FFF2-40B4-BE49-F238E27FC236}">
-                <a16:creationId xmlns:a16="http://schemas.microsoft.com/office/drawing/2014/main" id="{32BBAE5D-400C-C73D-4F00-DCDDE12109BC}"/>
-              </a:ext>
-            </a:extLst>
-          </p:cNvPr>
-          <p:cNvSpPr/>
-          <p:nvPr/>
-        </p:nvSpPr>
-        <p:spPr>
-          <a:xfrm>
-            <a:off x="9147048" y="0"/>
-            <a:ext cx="3044952" cy="353085"/>
-          </a:xfrm>
-          <a:prstGeom prst="rect">
-            <a:avLst/>
-          </a:prstGeom>
-          <a:solidFill>
-            <a:schemeClr val="bg1">
-              <a:lumMod val="65000"/>
-            </a:schemeClr>
-          </a:solidFill>
-          <a:ln>
-            <a:solidFill>
-              <a:schemeClr val="tx1">
-                <a:lumMod val="75000"/>
-                <a:lumOff val="25000"/>
-              </a:schemeClr>
-            </a:solidFill>
-          </a:ln>
-        </p:spPr>
-        <p:style>
-          <a:lnRef idx="2">
-            <a:schemeClr val="accent1">
-              <a:shade val="15000"/>
-            </a:schemeClr>
-          </a:lnRef>
-          <a:fillRef idx="1">
-            <a:schemeClr val="accent1"/>
-          </a:fillRef>
-          <a:effectRef idx="0">
-            <a:schemeClr val="accent1"/>
-          </a:effectRef>
-          <a:fontRef idx="minor">
-            <a:schemeClr val="lt1"/>
-          </a:fontRef>
-        </p:style>
-        <p:txBody>
-          <a:bodyPr rtlCol="0" anchor="ctr"/>
-          <a:lstStyle/>
-          <a:p>
-            <a:pPr algn="ctr"/>
-            <a:r>
-              <a:rPr lang="en-US" dirty="0">
-                <a:latin typeface="Georgia" panose="02040502050405020303" pitchFamily="18" charset="0"/>
-              </a:rPr>
-              <a:t>Product Reviews</a:t>
-            </a:r>
-          </a:p>
-        </p:txBody>
-      </p:sp>
     </p:spTree>
     <p:extLst>
       <p:ext uri="{BB962C8B-B14F-4D97-AF65-F5344CB8AC3E}">
-        <p14:creationId xmlns:p14="http://schemas.microsoft.com/office/powerpoint/2010/main" val="3852554785"/>
+        <p14:creationId xmlns:p14="http://schemas.microsoft.com/office/powerpoint/2010/main" val="2251091946"/>
       </p:ext>
     </p:extLst>
   </p:cSld>
@@ -6208,7 +6108,7 @@
                 </a:solidFill>
                 <a:latin typeface="Georgia" panose="02040502050405020303" pitchFamily="18" charset="0"/>
               </a:rPr>
-              <a:t>Data: Amazon Berkeley Objects ("ABO") data</a:t>
+              <a:t>Enhance Product Search</a:t>
             </a:r>
           </a:p>
         </p:txBody>
@@ -6341,35 +6241,105 @@
                   <a:schemeClr val="tx1"/>
                 </a:solidFill>
               </a:rPr>
-              <a:t>The data contains images, tags, and other information for various product categories</a:t>
-            </a:r>
-          </a:p>
-          <a:p>
-            <a:endParaRPr lang="en-US" sz="2800" dirty="0">
+              <a:t>Identify similar groups of products &amp; enable expanded search based on the categories.</a:t>
+            </a:r>
+          </a:p>
+          <a:p>
+            <a:r>
+              <a:rPr lang="en-US" sz="2800" dirty="0">
+                <a:solidFill>
+                  <a:schemeClr val="tx1"/>
+                </a:solidFill>
+              </a:rPr>
+              <a:t>Method: </a:t>
+            </a:r>
+            <a:r>
+              <a:rPr lang="en-US" sz="2800" b="1" dirty="0">
+                <a:solidFill>
+                  <a:srgbClr val="C00000"/>
+                </a:solidFill>
+              </a:rPr>
+              <a:t>Multi-label classification </a:t>
+            </a:r>
+            <a:r>
+              <a:rPr lang="en-US" sz="2800" dirty="0">
+                <a:solidFill>
+                  <a:schemeClr val="tx1"/>
+                </a:solidFill>
+              </a:rPr>
+              <a:t>neural network</a:t>
+            </a:r>
+          </a:p>
+          <a:p>
+            <a:pPr lvl="1"/>
+            <a:r>
+              <a:rPr lang="en-US" sz="2600" dirty="0">
+                <a:solidFill>
+                  <a:schemeClr val="tx1"/>
+                </a:solidFill>
+              </a:rPr>
+              <a:t>Step 1) Generate categories using keywords sellers post</a:t>
+            </a:r>
+          </a:p>
+          <a:p>
+            <a:pPr lvl="1"/>
+            <a:endParaRPr lang="en-US" sz="2600" dirty="0">
               <a:solidFill>
                 <a:schemeClr val="tx1"/>
               </a:solidFill>
             </a:endParaRPr>
           </a:p>
           <a:p>
-            <a:r>
-              <a:rPr lang="en-US" sz="2800" dirty="0">
-                <a:solidFill>
-                  <a:schemeClr val="tx1"/>
-                </a:solidFill>
-              </a:rPr>
-              <a:t>This project focuses on the category “Shoes”</a:t>
-            </a:r>
-          </a:p>
-          <a:p>
-            <a:endParaRPr lang="en-US" sz="2800" dirty="0">
+            <a:pPr lvl="1"/>
+            <a:endParaRPr lang="en-US" sz="2600" dirty="0">
               <a:solidFill>
                 <a:schemeClr val="tx1"/>
               </a:solidFill>
             </a:endParaRPr>
           </a:p>
           <a:p>
-            <a:endParaRPr lang="en-US" sz="2800" dirty="0">
+            <a:pPr lvl="1"/>
+            <a:endParaRPr lang="en-US" sz="2600" dirty="0">
+              <a:solidFill>
+                <a:schemeClr val="tx1"/>
+              </a:solidFill>
+            </a:endParaRPr>
+          </a:p>
+          <a:p>
+            <a:pPr lvl="1"/>
+            <a:r>
+              <a:rPr lang="en-US" sz="2600" dirty="0">
+                <a:solidFill>
+                  <a:schemeClr val="tx1"/>
+                </a:solidFill>
+              </a:rPr>
+              <a:t>Step 2) Use </a:t>
+            </a:r>
+            <a:r>
+              <a:rPr lang="en-US" sz="2600" b="1" dirty="0">
+                <a:solidFill>
+                  <a:srgbClr val="C00000"/>
+                </a:solidFill>
+              </a:rPr>
+              <a:t>product images </a:t>
+            </a:r>
+            <a:r>
+              <a:rPr lang="en-US" sz="2600" dirty="0">
+                <a:solidFill>
+                  <a:schemeClr val="tx1"/>
+                </a:solidFill>
+              </a:rPr>
+              <a:t>to predict </a:t>
+            </a:r>
+            <a:r>
+              <a:rPr lang="en-US" sz="2600" b="1" dirty="0">
+                <a:solidFill>
+                  <a:srgbClr val="C00000"/>
+                </a:solidFill>
+              </a:rPr>
+              <a:t>categories</a:t>
+            </a:r>
+            <a:endParaRPr lang="en-US" sz="2600" dirty="0">
               <a:solidFill>
                 <a:schemeClr val="tx1"/>
               </a:solidFill>
@@ -6567,10 +6537,118 @@
           </a:p>
         </p:txBody>
       </p:sp>
+      <p:pic>
+        <p:nvPicPr>
+          <p:cNvPr id="4" name="Picture 2" descr="Main product image">
+            <a:extLst>
+              <a:ext uri="{FF2B5EF4-FFF2-40B4-BE49-F238E27FC236}">
+                <a16:creationId xmlns:a16="http://schemas.microsoft.com/office/drawing/2014/main" id="{4DF36E41-3516-25D5-8F5E-E71DDE94B5E2}"/>
+              </a:ext>
+            </a:extLst>
+          </p:cNvPr>
+          <p:cNvPicPr>
+            <a:picLocks noChangeAspect="1" noChangeArrowheads="1"/>
+          </p:cNvPicPr>
+          <p:nvPr/>
+        </p:nvPicPr>
+        <p:blipFill>
+          <a:blip r:embed="rId3">
+            <a:extLst>
+              <a:ext uri="{28A0092B-C50C-407E-A947-70E740481C1C}">
+                <a14:useLocalDpi xmlns:a14="http://schemas.microsoft.com/office/drawing/2010/main" val="0"/>
+              </a:ext>
+            </a:extLst>
+          </a:blip>
+          <a:srcRect/>
+          <a:stretch>
+            <a:fillRect/>
+          </a:stretch>
+        </p:blipFill>
+        <p:spPr bwMode="auto">
+          <a:xfrm>
+            <a:off x="2420742" y="4142993"/>
+            <a:ext cx="1566927" cy="1566927"/>
+          </a:xfrm>
+          <a:prstGeom prst="rect">
+            <a:avLst/>
+          </a:prstGeom>
+          <a:noFill/>
+          <a:extLst>
+            <a:ext uri="{909E8E84-426E-40DD-AFC4-6F175D3DCCD1}">
+              <a14:hiddenFill xmlns:a14="http://schemas.microsoft.com/office/drawing/2010/main">
+                <a:solidFill>
+                  <a:srgbClr val="FFFFFF"/>
+                </a:solidFill>
+              </a14:hiddenFill>
+            </a:ext>
+          </a:extLst>
+        </p:spPr>
+      </p:pic>
+      <p:sp>
+        <p:nvSpPr>
+          <p:cNvPr id="7" name="TextBox 6">
+            <a:extLst>
+              <a:ext uri="{FF2B5EF4-FFF2-40B4-BE49-F238E27FC236}">
+                <a16:creationId xmlns:a16="http://schemas.microsoft.com/office/drawing/2014/main" id="{172008E9-CF6F-1901-7C0D-DBDAB719D62A}"/>
+              </a:ext>
+            </a:extLst>
+          </p:cNvPr>
+          <p:cNvSpPr txBox="1"/>
+          <p:nvPr/>
+        </p:nvSpPr>
+        <p:spPr>
+          <a:xfrm>
+            <a:off x="4095092" y="4325872"/>
+            <a:ext cx="1994812" cy="923330"/>
+          </a:xfrm>
+          <a:prstGeom prst="rect">
+            <a:avLst/>
+          </a:prstGeom>
+          <a:noFill/>
+        </p:spPr>
+        <p:txBody>
+          <a:bodyPr wrap="square" rtlCol="0">
+            <a:spAutoFit/>
+          </a:bodyPr>
+          <a:lstStyle/>
+          <a:p>
+            <a:r>
+              <a:rPr lang="en-US" dirty="0">
+                <a:latin typeface="Georgia" panose="02040502050405020303" pitchFamily="18" charset="0"/>
+              </a:rPr>
+              <a:t>Categories</a:t>
+            </a:r>
+          </a:p>
+          <a:p>
+            <a:pPr marL="285750" indent="-285750">
+              <a:buFont typeface="Arial" panose="020B0604020202020204" pitchFamily="34" charset="0"/>
+              <a:buChar char="•"/>
+            </a:pPr>
+            <a:r>
+              <a:rPr lang="en-US" dirty="0">
+                <a:latin typeface="Georgia" panose="02040502050405020303" pitchFamily="18" charset="0"/>
+              </a:rPr>
+              <a:t>Modern sofa</a:t>
+            </a:r>
+          </a:p>
+          <a:p>
+            <a:pPr marL="285750" indent="-285750">
+              <a:buFont typeface="Arial" panose="020B0604020202020204" pitchFamily="34" charset="0"/>
+              <a:buChar char="•"/>
+            </a:pPr>
+            <a:r>
+              <a:rPr lang="en-US" dirty="0">
+                <a:latin typeface="Georgia" panose="02040502050405020303" pitchFamily="18" charset="0"/>
+              </a:rPr>
+              <a:t>Ivory sofa</a:t>
+            </a:r>
+          </a:p>
+        </p:txBody>
+      </p:sp>
     </p:spTree>
     <p:extLst>
       <p:ext uri="{BB962C8B-B14F-4D97-AF65-F5344CB8AC3E}">
-        <p14:creationId xmlns:p14="http://schemas.microsoft.com/office/powerpoint/2010/main" val="118228873"/>
+        <p14:creationId xmlns:p14="http://schemas.microsoft.com/office/powerpoint/2010/main" val="3852554785"/>
       </p:ext>
     </p:extLst>
   </p:cSld>
@@ -6632,7 +6710,7 @@
                 </a:solidFill>
                 <a:latin typeface="Georgia" panose="02040502050405020303" pitchFamily="18" charset="0"/>
               </a:rPr>
-              <a:t>Example: Keyword “Formal Shoes”</a:t>
+              <a:t>Data: Amazon Berkeley Objects ("ABO") data</a:t>
             </a:r>
           </a:p>
         </p:txBody>
@@ -6726,6 +6804,1017 @@
               <a:rPr lang="en-US" smtClean="0"/>
               <a:pPr/>
               <a:t>12</a:t>
+            </a:fld>
+            <a:endParaRPr lang="en-US" dirty="0"/>
+          </a:p>
+        </p:txBody>
+      </p:sp>
+      <p:sp>
+        <p:nvSpPr>
+          <p:cNvPr id="10" name="Content Placeholder 2">
+            <a:extLst>
+              <a:ext uri="{FF2B5EF4-FFF2-40B4-BE49-F238E27FC236}">
+                <a16:creationId xmlns:a16="http://schemas.microsoft.com/office/drawing/2014/main" id="{61707D30-0745-E55D-FA57-F1B34839DF88}"/>
+              </a:ext>
+            </a:extLst>
+          </p:cNvPr>
+          <p:cNvSpPr>
+            <a:spLocks noGrp="1"/>
+          </p:cNvSpPr>
+          <p:nvPr>
+            <p:ph idx="1"/>
+          </p:nvPr>
+        </p:nvSpPr>
+        <p:spPr>
+          <a:xfrm>
+            <a:off x="581192" y="1964724"/>
+            <a:ext cx="11029615" cy="4356538"/>
+          </a:xfrm>
+        </p:spPr>
+        <p:txBody>
+          <a:bodyPr anchor="t">
+            <a:normAutofit/>
+          </a:bodyPr>
+          <a:lstStyle/>
+          <a:p>
+            <a:r>
+              <a:rPr lang="en-US" sz="2800" dirty="0">
+                <a:solidFill>
+                  <a:schemeClr val="tx1"/>
+                </a:solidFill>
+              </a:rPr>
+              <a:t>The data contains </a:t>
+            </a:r>
+            <a:r>
+              <a:rPr lang="en-US" sz="2800" b="1" dirty="0">
+                <a:solidFill>
+                  <a:srgbClr val="C00000"/>
+                </a:solidFill>
+              </a:rPr>
+              <a:t>images</a:t>
+            </a:r>
+            <a:r>
+              <a:rPr lang="en-US" sz="2800" dirty="0">
+                <a:solidFill>
+                  <a:schemeClr val="tx1"/>
+                </a:solidFill>
+              </a:rPr>
+              <a:t>, </a:t>
+            </a:r>
+            <a:r>
+              <a:rPr lang="en-US" sz="2800" b="1" dirty="0">
+                <a:solidFill>
+                  <a:srgbClr val="C00000"/>
+                </a:solidFill>
+              </a:rPr>
+              <a:t>tags</a:t>
+            </a:r>
+            <a:r>
+              <a:rPr lang="en-US" sz="2800" dirty="0">
+                <a:solidFill>
+                  <a:schemeClr val="tx1"/>
+                </a:solidFill>
+              </a:rPr>
+              <a:t>, and other information for various product categories</a:t>
+            </a:r>
+          </a:p>
+          <a:p>
+            <a:r>
+              <a:rPr lang="en-US" sz="2800" dirty="0">
+                <a:solidFill>
+                  <a:schemeClr val="tx1"/>
+                </a:solidFill>
+              </a:rPr>
+              <a:t>This project focuses on the category “</a:t>
+            </a:r>
+            <a:r>
+              <a:rPr lang="en-US" sz="2800" b="1" dirty="0">
+                <a:solidFill>
+                  <a:srgbClr val="C00000"/>
+                </a:solidFill>
+              </a:rPr>
+              <a:t>Shoes</a:t>
+            </a:r>
+            <a:r>
+              <a:rPr lang="en-US" sz="2800" dirty="0">
+                <a:solidFill>
+                  <a:schemeClr val="tx1"/>
+                </a:solidFill>
+              </a:rPr>
+              <a:t>”</a:t>
+            </a:r>
+          </a:p>
+          <a:p>
+            <a:endParaRPr lang="en-US" sz="2800" dirty="0">
+              <a:solidFill>
+                <a:schemeClr val="tx1"/>
+              </a:solidFill>
+            </a:endParaRPr>
+          </a:p>
+          <a:p>
+            <a:endParaRPr lang="en-US" sz="2800" dirty="0">
+              <a:solidFill>
+                <a:schemeClr val="tx1"/>
+              </a:solidFill>
+            </a:endParaRPr>
+          </a:p>
+        </p:txBody>
+      </p:sp>
+      <p:sp>
+        <p:nvSpPr>
+          <p:cNvPr id="16" name="Rectangle 15">
+            <a:extLst>
+              <a:ext uri="{FF2B5EF4-FFF2-40B4-BE49-F238E27FC236}">
+                <a16:creationId xmlns:a16="http://schemas.microsoft.com/office/drawing/2014/main" id="{D646606F-AEB2-E27E-9039-D93D1D99FE37}"/>
+              </a:ext>
+            </a:extLst>
+          </p:cNvPr>
+          <p:cNvSpPr/>
+          <p:nvPr/>
+        </p:nvSpPr>
+        <p:spPr>
+          <a:xfrm>
+            <a:off x="3044952" y="1309"/>
+            <a:ext cx="3044952" cy="353085"/>
+          </a:xfrm>
+          <a:prstGeom prst="rect">
+            <a:avLst/>
+          </a:prstGeom>
+          <a:solidFill>
+            <a:schemeClr val="bg1">
+              <a:lumMod val="65000"/>
+            </a:schemeClr>
+          </a:solidFill>
+          <a:ln>
+            <a:solidFill>
+              <a:schemeClr val="tx1">
+                <a:lumMod val="75000"/>
+                <a:lumOff val="25000"/>
+              </a:schemeClr>
+            </a:solidFill>
+          </a:ln>
+        </p:spPr>
+        <p:style>
+          <a:lnRef idx="2">
+            <a:schemeClr val="accent1">
+              <a:shade val="15000"/>
+            </a:schemeClr>
+          </a:lnRef>
+          <a:fillRef idx="1">
+            <a:schemeClr val="accent1"/>
+          </a:fillRef>
+          <a:effectRef idx="0">
+            <a:schemeClr val="accent1"/>
+          </a:effectRef>
+          <a:fontRef idx="minor">
+            <a:schemeClr val="lt1"/>
+          </a:fontRef>
+        </p:style>
+        <p:txBody>
+          <a:bodyPr rtlCol="0" anchor="ctr"/>
+          <a:lstStyle/>
+          <a:p>
+            <a:pPr algn="ctr"/>
+            <a:r>
+              <a:rPr lang="en-US" dirty="0">
+                <a:latin typeface="Georgia" panose="02040502050405020303" pitchFamily="18" charset="0"/>
+              </a:rPr>
+              <a:t>Product Recommendation</a:t>
+            </a:r>
+          </a:p>
+        </p:txBody>
+      </p:sp>
+      <p:sp>
+        <p:nvSpPr>
+          <p:cNvPr id="19" name="Rectangle 18">
+            <a:extLst>
+              <a:ext uri="{FF2B5EF4-FFF2-40B4-BE49-F238E27FC236}">
+                <a16:creationId xmlns:a16="http://schemas.microsoft.com/office/drawing/2014/main" id="{2721AAE4-79CE-71F8-249A-5839468542B0}"/>
+              </a:ext>
+            </a:extLst>
+          </p:cNvPr>
+          <p:cNvSpPr/>
+          <p:nvPr/>
+        </p:nvSpPr>
+        <p:spPr>
+          <a:xfrm>
+            <a:off x="6095999" y="0"/>
+            <a:ext cx="3044952" cy="353085"/>
+          </a:xfrm>
+          <a:prstGeom prst="rect">
+            <a:avLst/>
+          </a:prstGeom>
+          <a:solidFill>
+            <a:srgbClr val="EAC463"/>
+          </a:solidFill>
+          <a:ln>
+            <a:solidFill>
+              <a:schemeClr val="tx1">
+                <a:lumMod val="75000"/>
+                <a:lumOff val="25000"/>
+              </a:schemeClr>
+            </a:solidFill>
+          </a:ln>
+        </p:spPr>
+        <p:style>
+          <a:lnRef idx="2">
+            <a:schemeClr val="accent1">
+              <a:shade val="15000"/>
+            </a:schemeClr>
+          </a:lnRef>
+          <a:fillRef idx="1">
+            <a:schemeClr val="accent1"/>
+          </a:fillRef>
+          <a:effectRef idx="0">
+            <a:schemeClr val="accent1"/>
+          </a:effectRef>
+          <a:fontRef idx="minor">
+            <a:schemeClr val="lt1"/>
+          </a:fontRef>
+        </p:style>
+        <p:txBody>
+          <a:bodyPr rtlCol="0" anchor="ctr"/>
+          <a:lstStyle/>
+          <a:p>
+            <a:pPr algn="ctr"/>
+            <a:r>
+              <a:rPr lang="en-US" dirty="0">
+                <a:latin typeface="Georgia" panose="02040502050405020303" pitchFamily="18" charset="0"/>
+              </a:rPr>
+              <a:t>Product Search</a:t>
+            </a:r>
+          </a:p>
+        </p:txBody>
+      </p:sp>
+      <p:sp>
+        <p:nvSpPr>
+          <p:cNvPr id="20" name="Rectangle 19">
+            <a:extLst>
+              <a:ext uri="{FF2B5EF4-FFF2-40B4-BE49-F238E27FC236}">
+                <a16:creationId xmlns:a16="http://schemas.microsoft.com/office/drawing/2014/main" id="{32BBAE5D-400C-C73D-4F00-DCDDE12109BC}"/>
+              </a:ext>
+            </a:extLst>
+          </p:cNvPr>
+          <p:cNvSpPr/>
+          <p:nvPr/>
+        </p:nvSpPr>
+        <p:spPr>
+          <a:xfrm>
+            <a:off x="9147048" y="0"/>
+            <a:ext cx="3044952" cy="353085"/>
+          </a:xfrm>
+          <a:prstGeom prst="rect">
+            <a:avLst/>
+          </a:prstGeom>
+          <a:solidFill>
+            <a:schemeClr val="bg1">
+              <a:lumMod val="65000"/>
+            </a:schemeClr>
+          </a:solidFill>
+          <a:ln>
+            <a:solidFill>
+              <a:schemeClr val="tx1">
+                <a:lumMod val="75000"/>
+                <a:lumOff val="25000"/>
+              </a:schemeClr>
+            </a:solidFill>
+          </a:ln>
+        </p:spPr>
+        <p:style>
+          <a:lnRef idx="2">
+            <a:schemeClr val="accent1">
+              <a:shade val="15000"/>
+            </a:schemeClr>
+          </a:lnRef>
+          <a:fillRef idx="1">
+            <a:schemeClr val="accent1"/>
+          </a:fillRef>
+          <a:effectRef idx="0">
+            <a:schemeClr val="accent1"/>
+          </a:effectRef>
+          <a:fontRef idx="minor">
+            <a:schemeClr val="lt1"/>
+          </a:fontRef>
+        </p:style>
+        <p:txBody>
+          <a:bodyPr rtlCol="0" anchor="ctr"/>
+          <a:lstStyle/>
+          <a:p>
+            <a:pPr algn="ctr"/>
+            <a:r>
+              <a:rPr lang="en-US" dirty="0">
+                <a:latin typeface="Georgia" panose="02040502050405020303" pitchFamily="18" charset="0"/>
+              </a:rPr>
+              <a:t>Product Reviews</a:t>
+            </a:r>
+          </a:p>
+        </p:txBody>
+      </p:sp>
+      <p:pic>
+        <p:nvPicPr>
+          <p:cNvPr id="1030" name="Picture 6" descr="Image">
+            <a:extLst>
+              <a:ext uri="{FF2B5EF4-FFF2-40B4-BE49-F238E27FC236}">
+                <a16:creationId xmlns:a16="http://schemas.microsoft.com/office/drawing/2014/main" id="{E9747C33-14F4-2A9B-EB5F-DDCF54DB775E}"/>
+              </a:ext>
+            </a:extLst>
+          </p:cNvPr>
+          <p:cNvPicPr>
+            <a:picLocks noChangeAspect="1" noChangeArrowheads="1"/>
+          </p:cNvPicPr>
+          <p:nvPr/>
+        </p:nvPicPr>
+        <p:blipFill>
+          <a:blip r:embed="rId3">
+            <a:extLst>
+              <a:ext uri="{28A0092B-C50C-407E-A947-70E740481C1C}">
+                <a14:useLocalDpi xmlns:a14="http://schemas.microsoft.com/office/drawing/2010/main" val="0"/>
+              </a:ext>
+            </a:extLst>
+          </a:blip>
+          <a:srcRect/>
+          <a:stretch>
+            <a:fillRect/>
+          </a:stretch>
+        </p:blipFill>
+        <p:spPr bwMode="auto">
+          <a:xfrm>
+            <a:off x="3983421" y="3647089"/>
+            <a:ext cx="4935212" cy="2759349"/>
+          </a:xfrm>
+          <a:prstGeom prst="rect">
+            <a:avLst/>
+          </a:prstGeom>
+          <a:noFill/>
+          <a:extLst>
+            <a:ext uri="{909E8E84-426E-40DD-AFC4-6F175D3DCCD1}">
+              <a14:hiddenFill xmlns:a14="http://schemas.microsoft.com/office/drawing/2010/main">
+                <a:solidFill>
+                  <a:srgbClr val="FFFFFF"/>
+                </a:solidFill>
+              </a14:hiddenFill>
+            </a:ext>
+          </a:extLst>
+        </p:spPr>
+      </p:pic>
+      <p:sp>
+        <p:nvSpPr>
+          <p:cNvPr id="9" name="Frame 8">
+            <a:extLst>
+              <a:ext uri="{FF2B5EF4-FFF2-40B4-BE49-F238E27FC236}">
+                <a16:creationId xmlns:a16="http://schemas.microsoft.com/office/drawing/2014/main" id="{3A8581CF-A97B-D782-BC1B-D3073C29FEE6}"/>
+              </a:ext>
+            </a:extLst>
+          </p:cNvPr>
+          <p:cNvSpPr/>
+          <p:nvPr/>
+        </p:nvSpPr>
+        <p:spPr>
+          <a:xfrm>
+            <a:off x="3909848" y="3647089"/>
+            <a:ext cx="2669628" cy="1376856"/>
+          </a:xfrm>
+          <a:prstGeom prst="frame">
+            <a:avLst>
+              <a:gd name="adj1" fmla="val 3172"/>
+            </a:avLst>
+          </a:prstGeom>
+          <a:solidFill>
+            <a:srgbClr val="C00000"/>
+          </a:solidFill>
+          <a:ln>
+            <a:noFill/>
+          </a:ln>
+        </p:spPr>
+        <p:style>
+          <a:lnRef idx="2">
+            <a:schemeClr val="accent1">
+              <a:shade val="15000"/>
+            </a:schemeClr>
+          </a:lnRef>
+          <a:fillRef idx="1">
+            <a:schemeClr val="accent1"/>
+          </a:fillRef>
+          <a:effectRef idx="0">
+            <a:schemeClr val="accent1"/>
+          </a:effectRef>
+          <a:fontRef idx="minor">
+            <a:schemeClr val="lt1"/>
+          </a:fontRef>
+        </p:style>
+        <p:txBody>
+          <a:bodyPr rtlCol="0" anchor="ctr"/>
+          <a:lstStyle/>
+          <a:p>
+            <a:pPr algn="ctr"/>
+            <a:endParaRPr lang="en-US">
+              <a:solidFill>
+                <a:schemeClr val="tx1"/>
+              </a:solidFill>
+            </a:endParaRPr>
+          </a:p>
+        </p:txBody>
+      </p:sp>
+    </p:spTree>
+    <p:extLst>
+      <p:ext uri="{BB962C8B-B14F-4D97-AF65-F5344CB8AC3E}">
+        <p14:creationId xmlns:p14="http://schemas.microsoft.com/office/powerpoint/2010/main" val="118228873"/>
+      </p:ext>
+    </p:extLst>
+  </p:cSld>
+  <p:clrMapOvr>
+    <a:masterClrMapping/>
+  </p:clrMapOvr>
+</p:sld>
+</file>
+
+<file path=ppt/slides/slide13.xml><?xml version="1.0" encoding="utf-8"?>
+<p:sld xmlns:a="http://schemas.openxmlformats.org/drawingml/2006/main" xmlns:r="http://schemas.openxmlformats.org/officeDocument/2006/relationships" xmlns:p="http://schemas.openxmlformats.org/presentationml/2006/main">
+  <p:cSld>
+    <p:spTree>
+      <p:nvGrpSpPr>
+        <p:cNvPr id="1" name=""/>
+        <p:cNvGrpSpPr/>
+        <p:nvPr/>
+      </p:nvGrpSpPr>
+      <p:grpSpPr>
+        <a:xfrm>
+          <a:off x="0" y="0"/>
+          <a:ext cx="0" cy="0"/>
+          <a:chOff x="0" y="0"/>
+          <a:chExt cx="0" cy="0"/>
+        </a:xfrm>
+      </p:grpSpPr>
+      <p:sp>
+        <p:nvSpPr>
+          <p:cNvPr id="6" name="TextBox 5">
+            <a:extLst>
+              <a:ext uri="{FF2B5EF4-FFF2-40B4-BE49-F238E27FC236}">
+                <a16:creationId xmlns:a16="http://schemas.microsoft.com/office/drawing/2014/main" id="{195CC491-B1EF-461F-93F7-8738A7DAF173}"/>
+              </a:ext>
+            </a:extLst>
+          </p:cNvPr>
+          <p:cNvSpPr txBox="1"/>
+          <p:nvPr/>
+        </p:nvSpPr>
+        <p:spPr>
+          <a:xfrm>
+            <a:off x="152313" y="620459"/>
+            <a:ext cx="12039687" cy="584775"/>
+          </a:xfrm>
+          <a:prstGeom prst="rect">
+            <a:avLst/>
+          </a:prstGeom>
+          <a:noFill/>
+        </p:spPr>
+        <p:txBody>
+          <a:bodyPr wrap="square" rtlCol="0">
+            <a:spAutoFit/>
+          </a:bodyPr>
+          <a:lstStyle/>
+          <a:p>
+            <a:r>
+              <a:rPr lang="en-US" sz="3200" dirty="0">
+                <a:solidFill>
+                  <a:schemeClr val="bg1"/>
+                </a:solidFill>
+                <a:latin typeface="Georgia" panose="02040502050405020303" pitchFamily="18" charset="0"/>
+              </a:rPr>
+              <a:t>Training &amp; Testing</a:t>
+            </a:r>
+          </a:p>
+        </p:txBody>
+      </p:sp>
+      <p:sp>
+        <p:nvSpPr>
+          <p:cNvPr id="2" name="Rectangle 1">
+            <a:extLst>
+              <a:ext uri="{FF2B5EF4-FFF2-40B4-BE49-F238E27FC236}">
+                <a16:creationId xmlns:a16="http://schemas.microsoft.com/office/drawing/2014/main" id="{F3CC61EF-13BE-821A-9EBB-869CC84B0F46}"/>
+              </a:ext>
+            </a:extLst>
+          </p:cNvPr>
+          <p:cNvSpPr/>
+          <p:nvPr/>
+        </p:nvSpPr>
+        <p:spPr>
+          <a:xfrm>
+            <a:off x="0" y="-1"/>
+            <a:ext cx="3044952" cy="353085"/>
+          </a:xfrm>
+          <a:prstGeom prst="rect">
+            <a:avLst/>
+          </a:prstGeom>
+          <a:solidFill>
+            <a:schemeClr val="bg1">
+              <a:lumMod val="65000"/>
+            </a:schemeClr>
+          </a:solidFill>
+          <a:ln>
+            <a:solidFill>
+              <a:schemeClr val="tx1">
+                <a:lumMod val="75000"/>
+                <a:lumOff val="25000"/>
+              </a:schemeClr>
+            </a:solidFill>
+          </a:ln>
+        </p:spPr>
+        <p:style>
+          <a:lnRef idx="2">
+            <a:schemeClr val="accent1">
+              <a:shade val="15000"/>
+            </a:schemeClr>
+          </a:lnRef>
+          <a:fillRef idx="1">
+            <a:schemeClr val="accent1"/>
+          </a:fillRef>
+          <a:effectRef idx="0">
+            <a:schemeClr val="accent1"/>
+          </a:effectRef>
+          <a:fontRef idx="minor">
+            <a:schemeClr val="lt1"/>
+          </a:fontRef>
+        </p:style>
+        <p:txBody>
+          <a:bodyPr rtlCol="0" anchor="ctr"/>
+          <a:lstStyle/>
+          <a:p>
+            <a:pPr algn="ctr"/>
+            <a:r>
+              <a:rPr lang="en-US" dirty="0">
+                <a:latin typeface="Georgia" panose="02040502050405020303" pitchFamily="18" charset="0"/>
+              </a:rPr>
+              <a:t>Overview</a:t>
+            </a:r>
+          </a:p>
+        </p:txBody>
+      </p:sp>
+      <p:sp>
+        <p:nvSpPr>
+          <p:cNvPr id="8" name="Slide Number Placeholder 7">
+            <a:extLst>
+              <a:ext uri="{FF2B5EF4-FFF2-40B4-BE49-F238E27FC236}">
+                <a16:creationId xmlns:a16="http://schemas.microsoft.com/office/drawing/2014/main" id="{D0D4B812-63F5-E7E3-E66B-C490440E64F6}"/>
+              </a:ext>
+            </a:extLst>
+          </p:cNvPr>
+          <p:cNvSpPr>
+            <a:spLocks noGrp="1"/>
+          </p:cNvSpPr>
+          <p:nvPr>
+            <p:ph type="sldNum" sz="quarter" idx="12"/>
+          </p:nvPr>
+        </p:nvSpPr>
+        <p:spPr/>
+        <p:txBody>
+          <a:bodyPr/>
+          <a:lstStyle/>
+          <a:p>
+            <a:fld id="{1841B757-A952-1942-8414-7ABFD6E1806C}" type="slidenum">
+              <a:rPr lang="en-US" smtClean="0"/>
+              <a:pPr/>
+              <a:t>13</a:t>
+            </a:fld>
+            <a:endParaRPr lang="en-US" dirty="0"/>
+          </a:p>
+        </p:txBody>
+      </p:sp>
+      <p:sp>
+        <p:nvSpPr>
+          <p:cNvPr id="10" name="Content Placeholder 2">
+            <a:extLst>
+              <a:ext uri="{FF2B5EF4-FFF2-40B4-BE49-F238E27FC236}">
+                <a16:creationId xmlns:a16="http://schemas.microsoft.com/office/drawing/2014/main" id="{61707D30-0745-E55D-FA57-F1B34839DF88}"/>
+              </a:ext>
+            </a:extLst>
+          </p:cNvPr>
+          <p:cNvSpPr>
+            <a:spLocks noGrp="1"/>
+          </p:cNvSpPr>
+          <p:nvPr>
+            <p:ph idx="1"/>
+          </p:nvPr>
+        </p:nvSpPr>
+        <p:spPr>
+          <a:xfrm>
+            <a:off x="581192" y="1964724"/>
+            <a:ext cx="11029615" cy="4356538"/>
+          </a:xfrm>
+        </p:spPr>
+        <p:txBody>
+          <a:bodyPr anchor="t">
+            <a:normAutofit/>
+          </a:bodyPr>
+          <a:lstStyle/>
+          <a:p>
+            <a:r>
+              <a:rPr lang="en-US" sz="2800" dirty="0">
+                <a:solidFill>
+                  <a:schemeClr val="tx1"/>
+                </a:solidFill>
+              </a:rPr>
+              <a:t>Trained using </a:t>
+            </a:r>
+            <a:r>
+              <a:rPr lang="en-US" sz="2800" b="1" dirty="0">
+                <a:solidFill>
+                  <a:srgbClr val="C00000"/>
+                </a:solidFill>
+              </a:rPr>
+              <a:t>multi-label classification </a:t>
+            </a:r>
+            <a:r>
+              <a:rPr lang="en-US" sz="2800" dirty="0">
+                <a:solidFill>
+                  <a:schemeClr val="tx1"/>
+                </a:solidFill>
+              </a:rPr>
+              <a:t>neural networks (allowed to have more than one target label)</a:t>
+            </a:r>
+          </a:p>
+          <a:p>
+            <a:r>
+              <a:rPr lang="en-US" sz="2800" dirty="0">
+                <a:solidFill>
+                  <a:schemeClr val="tx1"/>
+                </a:solidFill>
+              </a:rPr>
+              <a:t>Accuracy Ratios</a:t>
+            </a:r>
+          </a:p>
+          <a:p>
+            <a:pPr lvl="1"/>
+            <a:r>
+              <a:rPr lang="en-US" sz="2600" dirty="0">
+                <a:solidFill>
+                  <a:schemeClr val="tx1"/>
+                </a:solidFill>
+              </a:rPr>
+              <a:t>Train Data: 0.99</a:t>
+            </a:r>
+          </a:p>
+          <a:p>
+            <a:pPr lvl="1"/>
+            <a:r>
+              <a:rPr lang="en-US" sz="2600" dirty="0">
+                <a:solidFill>
+                  <a:schemeClr val="tx1"/>
+                </a:solidFill>
+              </a:rPr>
+              <a:t>Test Data: 0.96</a:t>
+            </a:r>
+          </a:p>
+        </p:txBody>
+      </p:sp>
+      <p:sp>
+        <p:nvSpPr>
+          <p:cNvPr id="16" name="Rectangle 15">
+            <a:extLst>
+              <a:ext uri="{FF2B5EF4-FFF2-40B4-BE49-F238E27FC236}">
+                <a16:creationId xmlns:a16="http://schemas.microsoft.com/office/drawing/2014/main" id="{D646606F-AEB2-E27E-9039-D93D1D99FE37}"/>
+              </a:ext>
+            </a:extLst>
+          </p:cNvPr>
+          <p:cNvSpPr/>
+          <p:nvPr/>
+        </p:nvSpPr>
+        <p:spPr>
+          <a:xfrm>
+            <a:off x="3044952" y="1309"/>
+            <a:ext cx="3044952" cy="353085"/>
+          </a:xfrm>
+          <a:prstGeom prst="rect">
+            <a:avLst/>
+          </a:prstGeom>
+          <a:solidFill>
+            <a:schemeClr val="bg1">
+              <a:lumMod val="65000"/>
+            </a:schemeClr>
+          </a:solidFill>
+          <a:ln>
+            <a:solidFill>
+              <a:schemeClr val="tx1">
+                <a:lumMod val="75000"/>
+                <a:lumOff val="25000"/>
+              </a:schemeClr>
+            </a:solidFill>
+          </a:ln>
+        </p:spPr>
+        <p:style>
+          <a:lnRef idx="2">
+            <a:schemeClr val="accent1">
+              <a:shade val="15000"/>
+            </a:schemeClr>
+          </a:lnRef>
+          <a:fillRef idx="1">
+            <a:schemeClr val="accent1"/>
+          </a:fillRef>
+          <a:effectRef idx="0">
+            <a:schemeClr val="accent1"/>
+          </a:effectRef>
+          <a:fontRef idx="minor">
+            <a:schemeClr val="lt1"/>
+          </a:fontRef>
+        </p:style>
+        <p:txBody>
+          <a:bodyPr rtlCol="0" anchor="ctr"/>
+          <a:lstStyle/>
+          <a:p>
+            <a:pPr algn="ctr"/>
+            <a:r>
+              <a:rPr lang="en-US" dirty="0">
+                <a:latin typeface="Georgia" panose="02040502050405020303" pitchFamily="18" charset="0"/>
+              </a:rPr>
+              <a:t>Product Recommendation</a:t>
+            </a:r>
+          </a:p>
+        </p:txBody>
+      </p:sp>
+      <p:sp>
+        <p:nvSpPr>
+          <p:cNvPr id="19" name="Rectangle 18">
+            <a:extLst>
+              <a:ext uri="{FF2B5EF4-FFF2-40B4-BE49-F238E27FC236}">
+                <a16:creationId xmlns:a16="http://schemas.microsoft.com/office/drawing/2014/main" id="{2721AAE4-79CE-71F8-249A-5839468542B0}"/>
+              </a:ext>
+            </a:extLst>
+          </p:cNvPr>
+          <p:cNvSpPr/>
+          <p:nvPr/>
+        </p:nvSpPr>
+        <p:spPr>
+          <a:xfrm>
+            <a:off x="6095999" y="0"/>
+            <a:ext cx="3044952" cy="353085"/>
+          </a:xfrm>
+          <a:prstGeom prst="rect">
+            <a:avLst/>
+          </a:prstGeom>
+          <a:solidFill>
+            <a:srgbClr val="EAC463"/>
+          </a:solidFill>
+          <a:ln>
+            <a:solidFill>
+              <a:schemeClr val="tx1">
+                <a:lumMod val="75000"/>
+                <a:lumOff val="25000"/>
+              </a:schemeClr>
+            </a:solidFill>
+          </a:ln>
+        </p:spPr>
+        <p:style>
+          <a:lnRef idx="2">
+            <a:schemeClr val="accent1">
+              <a:shade val="15000"/>
+            </a:schemeClr>
+          </a:lnRef>
+          <a:fillRef idx="1">
+            <a:schemeClr val="accent1"/>
+          </a:fillRef>
+          <a:effectRef idx="0">
+            <a:schemeClr val="accent1"/>
+          </a:effectRef>
+          <a:fontRef idx="minor">
+            <a:schemeClr val="lt1"/>
+          </a:fontRef>
+        </p:style>
+        <p:txBody>
+          <a:bodyPr rtlCol="0" anchor="ctr"/>
+          <a:lstStyle/>
+          <a:p>
+            <a:pPr algn="ctr"/>
+            <a:r>
+              <a:rPr lang="en-US" dirty="0">
+                <a:latin typeface="Georgia" panose="02040502050405020303" pitchFamily="18" charset="0"/>
+              </a:rPr>
+              <a:t>Product Search</a:t>
+            </a:r>
+          </a:p>
+        </p:txBody>
+      </p:sp>
+      <p:sp>
+        <p:nvSpPr>
+          <p:cNvPr id="20" name="Rectangle 19">
+            <a:extLst>
+              <a:ext uri="{FF2B5EF4-FFF2-40B4-BE49-F238E27FC236}">
+                <a16:creationId xmlns:a16="http://schemas.microsoft.com/office/drawing/2014/main" id="{32BBAE5D-400C-C73D-4F00-DCDDE12109BC}"/>
+              </a:ext>
+            </a:extLst>
+          </p:cNvPr>
+          <p:cNvSpPr/>
+          <p:nvPr/>
+        </p:nvSpPr>
+        <p:spPr>
+          <a:xfrm>
+            <a:off x="9147048" y="0"/>
+            <a:ext cx="3044952" cy="353085"/>
+          </a:xfrm>
+          <a:prstGeom prst="rect">
+            <a:avLst/>
+          </a:prstGeom>
+          <a:solidFill>
+            <a:schemeClr val="bg1">
+              <a:lumMod val="65000"/>
+            </a:schemeClr>
+          </a:solidFill>
+          <a:ln>
+            <a:solidFill>
+              <a:schemeClr val="tx1">
+                <a:lumMod val="75000"/>
+                <a:lumOff val="25000"/>
+              </a:schemeClr>
+            </a:solidFill>
+          </a:ln>
+        </p:spPr>
+        <p:style>
+          <a:lnRef idx="2">
+            <a:schemeClr val="accent1">
+              <a:shade val="15000"/>
+            </a:schemeClr>
+          </a:lnRef>
+          <a:fillRef idx="1">
+            <a:schemeClr val="accent1"/>
+          </a:fillRef>
+          <a:effectRef idx="0">
+            <a:schemeClr val="accent1"/>
+          </a:effectRef>
+          <a:fontRef idx="minor">
+            <a:schemeClr val="lt1"/>
+          </a:fontRef>
+        </p:style>
+        <p:txBody>
+          <a:bodyPr rtlCol="0" anchor="ctr"/>
+          <a:lstStyle/>
+          <a:p>
+            <a:pPr algn="ctr"/>
+            <a:r>
+              <a:rPr lang="en-US" dirty="0">
+                <a:latin typeface="Georgia" panose="02040502050405020303" pitchFamily="18" charset="0"/>
+              </a:rPr>
+              <a:t>Product Reviews</a:t>
+            </a:r>
+          </a:p>
+        </p:txBody>
+      </p:sp>
+    </p:spTree>
+    <p:extLst>
+      <p:ext uri="{BB962C8B-B14F-4D97-AF65-F5344CB8AC3E}">
+        <p14:creationId xmlns:p14="http://schemas.microsoft.com/office/powerpoint/2010/main" val="3552026401"/>
+      </p:ext>
+    </p:extLst>
+  </p:cSld>
+  <p:clrMapOvr>
+    <a:masterClrMapping/>
+  </p:clrMapOvr>
+</p:sld>
+</file>
+
+<file path=ppt/slides/slide14.xml><?xml version="1.0" encoding="utf-8"?>
+<p:sld xmlns:a="http://schemas.openxmlformats.org/drawingml/2006/main" xmlns:r="http://schemas.openxmlformats.org/officeDocument/2006/relationships" xmlns:p="http://schemas.openxmlformats.org/presentationml/2006/main">
+  <p:cSld>
+    <p:spTree>
+      <p:nvGrpSpPr>
+        <p:cNvPr id="1" name=""/>
+        <p:cNvGrpSpPr/>
+        <p:nvPr/>
+      </p:nvGrpSpPr>
+      <p:grpSpPr>
+        <a:xfrm>
+          <a:off x="0" y="0"/>
+          <a:ext cx="0" cy="0"/>
+          <a:chOff x="0" y="0"/>
+          <a:chExt cx="0" cy="0"/>
+        </a:xfrm>
+      </p:grpSpPr>
+      <p:sp>
+        <p:nvSpPr>
+          <p:cNvPr id="6" name="TextBox 5">
+            <a:extLst>
+              <a:ext uri="{FF2B5EF4-FFF2-40B4-BE49-F238E27FC236}">
+                <a16:creationId xmlns:a16="http://schemas.microsoft.com/office/drawing/2014/main" id="{195CC491-B1EF-461F-93F7-8738A7DAF173}"/>
+              </a:ext>
+            </a:extLst>
+          </p:cNvPr>
+          <p:cNvSpPr txBox="1"/>
+          <p:nvPr/>
+        </p:nvSpPr>
+        <p:spPr>
+          <a:xfrm>
+            <a:off x="152313" y="620459"/>
+            <a:ext cx="12039687" cy="584775"/>
+          </a:xfrm>
+          <a:prstGeom prst="rect">
+            <a:avLst/>
+          </a:prstGeom>
+          <a:noFill/>
+        </p:spPr>
+        <p:txBody>
+          <a:bodyPr wrap="square" rtlCol="0">
+            <a:spAutoFit/>
+          </a:bodyPr>
+          <a:lstStyle/>
+          <a:p>
+            <a:r>
+              <a:rPr lang="en-US" sz="3200" dirty="0">
+                <a:solidFill>
+                  <a:schemeClr val="bg1"/>
+                </a:solidFill>
+                <a:latin typeface="Georgia" panose="02040502050405020303" pitchFamily="18" charset="0"/>
+              </a:rPr>
+              <a:t>Example: Keyword “Formal Shoes”</a:t>
+            </a:r>
+          </a:p>
+        </p:txBody>
+      </p:sp>
+      <p:sp>
+        <p:nvSpPr>
+          <p:cNvPr id="2" name="Rectangle 1">
+            <a:extLst>
+              <a:ext uri="{FF2B5EF4-FFF2-40B4-BE49-F238E27FC236}">
+                <a16:creationId xmlns:a16="http://schemas.microsoft.com/office/drawing/2014/main" id="{F3CC61EF-13BE-821A-9EBB-869CC84B0F46}"/>
+              </a:ext>
+            </a:extLst>
+          </p:cNvPr>
+          <p:cNvSpPr/>
+          <p:nvPr/>
+        </p:nvSpPr>
+        <p:spPr>
+          <a:xfrm>
+            <a:off x="0" y="-1"/>
+            <a:ext cx="3044952" cy="353085"/>
+          </a:xfrm>
+          <a:prstGeom prst="rect">
+            <a:avLst/>
+          </a:prstGeom>
+          <a:solidFill>
+            <a:schemeClr val="bg1">
+              <a:lumMod val="65000"/>
+            </a:schemeClr>
+          </a:solidFill>
+          <a:ln>
+            <a:solidFill>
+              <a:schemeClr val="tx1">
+                <a:lumMod val="75000"/>
+                <a:lumOff val="25000"/>
+              </a:schemeClr>
+            </a:solidFill>
+          </a:ln>
+        </p:spPr>
+        <p:style>
+          <a:lnRef idx="2">
+            <a:schemeClr val="accent1">
+              <a:shade val="15000"/>
+            </a:schemeClr>
+          </a:lnRef>
+          <a:fillRef idx="1">
+            <a:schemeClr val="accent1"/>
+          </a:fillRef>
+          <a:effectRef idx="0">
+            <a:schemeClr val="accent1"/>
+          </a:effectRef>
+          <a:fontRef idx="minor">
+            <a:schemeClr val="lt1"/>
+          </a:fontRef>
+        </p:style>
+        <p:txBody>
+          <a:bodyPr rtlCol="0" anchor="ctr"/>
+          <a:lstStyle/>
+          <a:p>
+            <a:pPr algn="ctr"/>
+            <a:r>
+              <a:rPr lang="en-US" dirty="0">
+                <a:latin typeface="Georgia" panose="02040502050405020303" pitchFamily="18" charset="0"/>
+              </a:rPr>
+              <a:t>Overview</a:t>
+            </a:r>
+          </a:p>
+        </p:txBody>
+      </p:sp>
+      <p:sp>
+        <p:nvSpPr>
+          <p:cNvPr id="8" name="Slide Number Placeholder 7">
+            <a:extLst>
+              <a:ext uri="{FF2B5EF4-FFF2-40B4-BE49-F238E27FC236}">
+                <a16:creationId xmlns:a16="http://schemas.microsoft.com/office/drawing/2014/main" id="{D0D4B812-63F5-E7E3-E66B-C490440E64F6}"/>
+              </a:ext>
+            </a:extLst>
+          </p:cNvPr>
+          <p:cNvSpPr>
+            <a:spLocks noGrp="1"/>
+          </p:cNvSpPr>
+          <p:nvPr>
+            <p:ph type="sldNum" sz="quarter" idx="12"/>
+          </p:nvPr>
+        </p:nvSpPr>
+        <p:spPr/>
+        <p:txBody>
+          <a:bodyPr/>
+          <a:lstStyle/>
+          <a:p>
+            <a:fld id="{1841B757-A952-1942-8414-7ABFD6E1806C}" type="slidenum">
+              <a:rPr lang="en-US" smtClean="0"/>
+              <a:pPr/>
+              <a:t>14</a:t>
             </a:fld>
             <a:endParaRPr lang="en-US" dirty="0"/>
           </a:p>
@@ -7429,543 +8518,6 @@
 </p:sld>
 </file>
 
-<file path=ppt/slides/slide13.xml><?xml version="1.0" encoding="utf-8"?>
-<p:sld xmlns:a="http://schemas.openxmlformats.org/drawingml/2006/main" xmlns:r="http://schemas.openxmlformats.org/officeDocument/2006/relationships" xmlns:p="http://schemas.openxmlformats.org/presentationml/2006/main">
-  <p:cSld>
-    <p:spTree>
-      <p:nvGrpSpPr>
-        <p:cNvPr id="1" name=""/>
-        <p:cNvGrpSpPr/>
-        <p:nvPr/>
-      </p:nvGrpSpPr>
-      <p:grpSpPr>
-        <a:xfrm>
-          <a:off x="0" y="0"/>
-          <a:ext cx="0" cy="0"/>
-          <a:chOff x="0" y="0"/>
-          <a:chExt cx="0" cy="0"/>
-        </a:xfrm>
-      </p:grpSpPr>
-      <p:sp>
-        <p:nvSpPr>
-          <p:cNvPr id="2" name="Title 1">
-            <a:extLst>
-              <a:ext uri="{FF2B5EF4-FFF2-40B4-BE49-F238E27FC236}">
-                <a16:creationId xmlns:a16="http://schemas.microsoft.com/office/drawing/2014/main" id="{C1610E78-E67A-D59D-07E0-E1037D49A263}"/>
-              </a:ext>
-            </a:extLst>
-          </p:cNvPr>
-          <p:cNvSpPr>
-            <a:spLocks noGrp="1"/>
-          </p:cNvSpPr>
-          <p:nvPr>
-            <p:ph type="title"/>
-          </p:nvPr>
-        </p:nvSpPr>
-        <p:spPr/>
-        <p:txBody>
-          <a:bodyPr/>
-          <a:lstStyle/>
-          <a:p>
-            <a:r>
-              <a:rPr lang="en-US" dirty="0">
-                <a:latin typeface="Georgia" panose="02040502050405020303" pitchFamily="18" charset="0"/>
-              </a:rPr>
-              <a:t>IV. Product reviews</a:t>
-            </a:r>
-          </a:p>
-        </p:txBody>
-      </p:sp>
-      <p:sp>
-        <p:nvSpPr>
-          <p:cNvPr id="3" name="Slide Number Placeholder 2">
-            <a:extLst>
-              <a:ext uri="{FF2B5EF4-FFF2-40B4-BE49-F238E27FC236}">
-                <a16:creationId xmlns:a16="http://schemas.microsoft.com/office/drawing/2014/main" id="{382C1AF7-C071-1D77-A0F4-E9AC11792569}"/>
-              </a:ext>
-            </a:extLst>
-          </p:cNvPr>
-          <p:cNvSpPr>
-            <a:spLocks noGrp="1"/>
-          </p:cNvSpPr>
-          <p:nvPr>
-            <p:ph type="sldNum" sz="quarter" idx="12"/>
-          </p:nvPr>
-        </p:nvSpPr>
-        <p:spPr/>
-        <p:txBody>
-          <a:bodyPr/>
-          <a:lstStyle/>
-          <a:p>
-            <a:fld id="{34B7E4EF-A1BD-40F4-AB7B-04F084DD991D}" type="slidenum">
-              <a:rPr lang="en-US" smtClean="0"/>
-              <a:t>13</a:t>
-            </a:fld>
-            <a:endParaRPr lang="en-US" dirty="0"/>
-          </a:p>
-        </p:txBody>
-      </p:sp>
-    </p:spTree>
-    <p:extLst>
-      <p:ext uri="{BB962C8B-B14F-4D97-AF65-F5344CB8AC3E}">
-        <p14:creationId xmlns:p14="http://schemas.microsoft.com/office/powerpoint/2010/main" val="4162759835"/>
-      </p:ext>
-    </p:extLst>
-  </p:cSld>
-  <p:clrMapOvr>
-    <a:masterClrMapping/>
-  </p:clrMapOvr>
-</p:sld>
-</file>
-
-<file path=ppt/slides/slide14.xml><?xml version="1.0" encoding="utf-8"?>
-<p:sld xmlns:a="http://schemas.openxmlformats.org/drawingml/2006/main" xmlns:r="http://schemas.openxmlformats.org/officeDocument/2006/relationships" xmlns:p="http://schemas.openxmlformats.org/presentationml/2006/main">
-  <p:cSld>
-    <p:spTree>
-      <p:nvGrpSpPr>
-        <p:cNvPr id="1" name=""/>
-        <p:cNvGrpSpPr/>
-        <p:nvPr/>
-      </p:nvGrpSpPr>
-      <p:grpSpPr>
-        <a:xfrm>
-          <a:off x="0" y="0"/>
-          <a:ext cx="0" cy="0"/>
-          <a:chOff x="0" y="0"/>
-          <a:chExt cx="0" cy="0"/>
-        </a:xfrm>
-      </p:grpSpPr>
-      <p:sp>
-        <p:nvSpPr>
-          <p:cNvPr id="6" name="TextBox 5">
-            <a:extLst>
-              <a:ext uri="{FF2B5EF4-FFF2-40B4-BE49-F238E27FC236}">
-                <a16:creationId xmlns:a16="http://schemas.microsoft.com/office/drawing/2014/main" id="{195CC491-B1EF-461F-93F7-8738A7DAF173}"/>
-              </a:ext>
-            </a:extLst>
-          </p:cNvPr>
-          <p:cNvSpPr txBox="1"/>
-          <p:nvPr/>
-        </p:nvSpPr>
-        <p:spPr>
-          <a:xfrm>
-            <a:off x="152313" y="620459"/>
-            <a:ext cx="12039687" cy="584775"/>
-          </a:xfrm>
-          <a:prstGeom prst="rect">
-            <a:avLst/>
-          </a:prstGeom>
-          <a:noFill/>
-        </p:spPr>
-        <p:txBody>
-          <a:bodyPr wrap="square" rtlCol="0">
-            <a:spAutoFit/>
-          </a:bodyPr>
-          <a:lstStyle/>
-          <a:p>
-            <a:r>
-              <a:rPr lang="en-US" sz="3200" dirty="0">
-                <a:solidFill>
-                  <a:schemeClr val="bg1"/>
-                </a:solidFill>
-                <a:latin typeface="Georgia" panose="02040502050405020303" pitchFamily="18" charset="0"/>
-              </a:rPr>
-              <a:t>Product Reviews</a:t>
-            </a:r>
-          </a:p>
-        </p:txBody>
-      </p:sp>
-      <p:sp>
-        <p:nvSpPr>
-          <p:cNvPr id="2" name="Rectangle 1">
-            <a:extLst>
-              <a:ext uri="{FF2B5EF4-FFF2-40B4-BE49-F238E27FC236}">
-                <a16:creationId xmlns:a16="http://schemas.microsoft.com/office/drawing/2014/main" id="{F3CC61EF-13BE-821A-9EBB-869CC84B0F46}"/>
-              </a:ext>
-            </a:extLst>
-          </p:cNvPr>
-          <p:cNvSpPr/>
-          <p:nvPr/>
-        </p:nvSpPr>
-        <p:spPr>
-          <a:xfrm>
-            <a:off x="0" y="-1"/>
-            <a:ext cx="3044952" cy="353085"/>
-          </a:xfrm>
-          <a:prstGeom prst="rect">
-            <a:avLst/>
-          </a:prstGeom>
-          <a:solidFill>
-            <a:schemeClr val="bg1">
-              <a:lumMod val="65000"/>
-            </a:schemeClr>
-          </a:solidFill>
-          <a:ln>
-            <a:solidFill>
-              <a:schemeClr val="tx1">
-                <a:lumMod val="75000"/>
-                <a:lumOff val="25000"/>
-              </a:schemeClr>
-            </a:solidFill>
-          </a:ln>
-        </p:spPr>
-        <p:style>
-          <a:lnRef idx="2">
-            <a:schemeClr val="accent1">
-              <a:shade val="15000"/>
-            </a:schemeClr>
-          </a:lnRef>
-          <a:fillRef idx="1">
-            <a:schemeClr val="accent1"/>
-          </a:fillRef>
-          <a:effectRef idx="0">
-            <a:schemeClr val="accent1"/>
-          </a:effectRef>
-          <a:fontRef idx="minor">
-            <a:schemeClr val="lt1"/>
-          </a:fontRef>
-        </p:style>
-        <p:txBody>
-          <a:bodyPr rtlCol="0" anchor="ctr"/>
-          <a:lstStyle/>
-          <a:p>
-            <a:pPr algn="ctr"/>
-            <a:r>
-              <a:rPr lang="en-US" dirty="0">
-                <a:latin typeface="Georgia" panose="02040502050405020303" pitchFamily="18" charset="0"/>
-              </a:rPr>
-              <a:t>Overview</a:t>
-            </a:r>
-          </a:p>
-        </p:txBody>
-      </p:sp>
-      <p:sp>
-        <p:nvSpPr>
-          <p:cNvPr id="8" name="Slide Number Placeholder 7">
-            <a:extLst>
-              <a:ext uri="{FF2B5EF4-FFF2-40B4-BE49-F238E27FC236}">
-                <a16:creationId xmlns:a16="http://schemas.microsoft.com/office/drawing/2014/main" id="{D0D4B812-63F5-E7E3-E66B-C490440E64F6}"/>
-              </a:ext>
-            </a:extLst>
-          </p:cNvPr>
-          <p:cNvSpPr>
-            <a:spLocks noGrp="1"/>
-          </p:cNvSpPr>
-          <p:nvPr>
-            <p:ph type="sldNum" sz="quarter" idx="12"/>
-          </p:nvPr>
-        </p:nvSpPr>
-        <p:spPr/>
-        <p:txBody>
-          <a:bodyPr/>
-          <a:lstStyle/>
-          <a:p>
-            <a:fld id="{1841B757-A952-1942-8414-7ABFD6E1806C}" type="slidenum">
-              <a:rPr lang="en-US" smtClean="0"/>
-              <a:pPr/>
-              <a:t>14</a:t>
-            </a:fld>
-            <a:endParaRPr lang="en-US" dirty="0"/>
-          </a:p>
-        </p:txBody>
-      </p:sp>
-      <p:sp>
-        <p:nvSpPr>
-          <p:cNvPr id="10" name="Content Placeholder 2">
-            <a:extLst>
-              <a:ext uri="{FF2B5EF4-FFF2-40B4-BE49-F238E27FC236}">
-                <a16:creationId xmlns:a16="http://schemas.microsoft.com/office/drawing/2014/main" id="{61707D30-0745-E55D-FA57-F1B34839DF88}"/>
-              </a:ext>
-            </a:extLst>
-          </p:cNvPr>
-          <p:cNvSpPr>
-            <a:spLocks noGrp="1"/>
-          </p:cNvSpPr>
-          <p:nvPr>
-            <p:ph idx="1"/>
-          </p:nvPr>
-        </p:nvSpPr>
-        <p:spPr>
-          <a:xfrm>
-            <a:off x="581192" y="1964724"/>
-            <a:ext cx="11029615" cy="4356538"/>
-          </a:xfrm>
-        </p:spPr>
-        <p:txBody>
-          <a:bodyPr anchor="t">
-            <a:normAutofit/>
-          </a:bodyPr>
-          <a:lstStyle/>
-          <a:p>
-            <a:r>
-              <a:rPr lang="en-US" sz="2800" dirty="0">
-                <a:solidFill>
-                  <a:schemeClr val="tx1"/>
-                </a:solidFill>
-              </a:rPr>
-              <a:t>Identify keywords from </a:t>
-            </a:r>
-            <a:r>
-              <a:rPr lang="en-US" sz="2800" b="1" dirty="0">
-                <a:solidFill>
-                  <a:srgbClr val="C00000"/>
-                </a:solidFill>
-              </a:rPr>
-              <a:t>positive/negative reviews</a:t>
-            </a:r>
-          </a:p>
-          <a:p>
-            <a:endParaRPr lang="en-US" sz="2800" dirty="0">
-              <a:solidFill>
-                <a:schemeClr val="tx1"/>
-              </a:solidFill>
-            </a:endParaRPr>
-          </a:p>
-          <a:p>
-            <a:r>
-              <a:rPr lang="en-US" sz="2800" b="1" dirty="0">
-                <a:solidFill>
-                  <a:srgbClr val="C00000"/>
-                </a:solidFill>
-              </a:rPr>
-              <a:t>Extract sentences </a:t>
-            </a:r>
-            <a:r>
-              <a:rPr lang="en-US" sz="2800" dirty="0">
-                <a:solidFill>
-                  <a:schemeClr val="tx1"/>
-                </a:solidFill>
-              </a:rPr>
-              <a:t>containing the identified keywords from most </a:t>
-            </a:r>
-            <a:r>
-              <a:rPr lang="en-US" sz="2800" b="1" dirty="0">
-                <a:solidFill>
-                  <a:srgbClr val="C00000"/>
-                </a:solidFill>
-              </a:rPr>
-              <a:t>popular reviews</a:t>
-            </a:r>
-          </a:p>
-          <a:p>
-            <a:endParaRPr lang="en-US" sz="2800" dirty="0">
-              <a:solidFill>
-                <a:schemeClr val="tx1"/>
-              </a:solidFill>
-            </a:endParaRPr>
-          </a:p>
-          <a:p>
-            <a:endParaRPr lang="en-US" sz="2400" dirty="0">
-              <a:solidFill>
-                <a:schemeClr val="tx1"/>
-              </a:solidFill>
-            </a:endParaRPr>
-          </a:p>
-        </p:txBody>
-      </p:sp>
-      <p:sp>
-        <p:nvSpPr>
-          <p:cNvPr id="16" name="Rectangle 15">
-            <a:extLst>
-              <a:ext uri="{FF2B5EF4-FFF2-40B4-BE49-F238E27FC236}">
-                <a16:creationId xmlns:a16="http://schemas.microsoft.com/office/drawing/2014/main" id="{D646606F-AEB2-E27E-9039-D93D1D99FE37}"/>
-              </a:ext>
-            </a:extLst>
-          </p:cNvPr>
-          <p:cNvSpPr/>
-          <p:nvPr/>
-        </p:nvSpPr>
-        <p:spPr>
-          <a:xfrm>
-            <a:off x="3044952" y="1309"/>
-            <a:ext cx="3044952" cy="353085"/>
-          </a:xfrm>
-          <a:prstGeom prst="rect">
-            <a:avLst/>
-          </a:prstGeom>
-          <a:solidFill>
-            <a:schemeClr val="bg1">
-              <a:lumMod val="65000"/>
-            </a:schemeClr>
-          </a:solidFill>
-          <a:ln>
-            <a:solidFill>
-              <a:schemeClr val="tx1">
-                <a:lumMod val="75000"/>
-                <a:lumOff val="25000"/>
-              </a:schemeClr>
-            </a:solidFill>
-          </a:ln>
-        </p:spPr>
-        <p:style>
-          <a:lnRef idx="2">
-            <a:schemeClr val="accent1">
-              <a:shade val="15000"/>
-            </a:schemeClr>
-          </a:lnRef>
-          <a:fillRef idx="1">
-            <a:schemeClr val="accent1"/>
-          </a:fillRef>
-          <a:effectRef idx="0">
-            <a:schemeClr val="accent1"/>
-          </a:effectRef>
-          <a:fontRef idx="minor">
-            <a:schemeClr val="lt1"/>
-          </a:fontRef>
-        </p:style>
-        <p:txBody>
-          <a:bodyPr rtlCol="0" anchor="ctr"/>
-          <a:lstStyle/>
-          <a:p>
-            <a:pPr algn="ctr"/>
-            <a:r>
-              <a:rPr lang="en-US" dirty="0">
-                <a:latin typeface="Georgia" panose="02040502050405020303" pitchFamily="18" charset="0"/>
-              </a:rPr>
-              <a:t>Product Recommendation</a:t>
-            </a:r>
-          </a:p>
-        </p:txBody>
-      </p:sp>
-      <p:sp>
-        <p:nvSpPr>
-          <p:cNvPr id="19" name="Rectangle 18">
-            <a:extLst>
-              <a:ext uri="{FF2B5EF4-FFF2-40B4-BE49-F238E27FC236}">
-                <a16:creationId xmlns:a16="http://schemas.microsoft.com/office/drawing/2014/main" id="{2721AAE4-79CE-71F8-249A-5839468542B0}"/>
-              </a:ext>
-            </a:extLst>
-          </p:cNvPr>
-          <p:cNvSpPr/>
-          <p:nvPr/>
-        </p:nvSpPr>
-        <p:spPr>
-          <a:xfrm>
-            <a:off x="6095999" y="0"/>
-            <a:ext cx="3044952" cy="353085"/>
-          </a:xfrm>
-          <a:prstGeom prst="rect">
-            <a:avLst/>
-          </a:prstGeom>
-          <a:solidFill>
-            <a:schemeClr val="bg1">
-              <a:lumMod val="65000"/>
-            </a:schemeClr>
-          </a:solidFill>
-          <a:ln>
-            <a:solidFill>
-              <a:schemeClr val="tx1">
-                <a:lumMod val="75000"/>
-                <a:lumOff val="25000"/>
-              </a:schemeClr>
-            </a:solidFill>
-          </a:ln>
-        </p:spPr>
-        <p:style>
-          <a:lnRef idx="2">
-            <a:schemeClr val="accent1">
-              <a:shade val="15000"/>
-            </a:schemeClr>
-          </a:lnRef>
-          <a:fillRef idx="1">
-            <a:schemeClr val="accent1"/>
-          </a:fillRef>
-          <a:effectRef idx="0">
-            <a:schemeClr val="accent1"/>
-          </a:effectRef>
-          <a:fontRef idx="minor">
-            <a:schemeClr val="lt1"/>
-          </a:fontRef>
-        </p:style>
-        <p:txBody>
-          <a:bodyPr rtlCol="0" anchor="ctr"/>
-          <a:lstStyle/>
-          <a:p>
-            <a:pPr algn="ctr"/>
-            <a:r>
-              <a:rPr lang="en-US" dirty="0">
-                <a:latin typeface="Georgia" panose="02040502050405020303" pitchFamily="18" charset="0"/>
-              </a:rPr>
-              <a:t>Product Search</a:t>
-            </a:r>
-          </a:p>
-        </p:txBody>
-      </p:sp>
-      <p:sp>
-        <p:nvSpPr>
-          <p:cNvPr id="20" name="Rectangle 19">
-            <a:extLst>
-              <a:ext uri="{FF2B5EF4-FFF2-40B4-BE49-F238E27FC236}">
-                <a16:creationId xmlns:a16="http://schemas.microsoft.com/office/drawing/2014/main" id="{32BBAE5D-400C-C73D-4F00-DCDDE12109BC}"/>
-              </a:ext>
-            </a:extLst>
-          </p:cNvPr>
-          <p:cNvSpPr/>
-          <p:nvPr/>
-        </p:nvSpPr>
-        <p:spPr>
-          <a:xfrm>
-            <a:off x="9147048" y="0"/>
-            <a:ext cx="3044952" cy="353085"/>
-          </a:xfrm>
-          <a:prstGeom prst="rect">
-            <a:avLst/>
-          </a:prstGeom>
-          <a:solidFill>
-            <a:srgbClr val="EAC463"/>
-          </a:solidFill>
-          <a:ln>
-            <a:solidFill>
-              <a:schemeClr val="tx1">
-                <a:lumMod val="75000"/>
-                <a:lumOff val="25000"/>
-              </a:schemeClr>
-            </a:solidFill>
-          </a:ln>
-        </p:spPr>
-        <p:style>
-          <a:lnRef idx="2">
-            <a:schemeClr val="accent1">
-              <a:shade val="15000"/>
-            </a:schemeClr>
-          </a:lnRef>
-          <a:fillRef idx="1">
-            <a:schemeClr val="accent1"/>
-          </a:fillRef>
-          <a:effectRef idx="0">
-            <a:schemeClr val="accent1"/>
-          </a:effectRef>
-          <a:fontRef idx="minor">
-            <a:schemeClr val="lt1"/>
-          </a:fontRef>
-        </p:style>
-        <p:txBody>
-          <a:bodyPr rtlCol="0" anchor="ctr"/>
-          <a:lstStyle/>
-          <a:p>
-            <a:pPr algn="ctr"/>
-            <a:r>
-              <a:rPr lang="en-US" dirty="0">
-                <a:latin typeface="Georgia" panose="02040502050405020303" pitchFamily="18" charset="0"/>
-              </a:rPr>
-              <a:t>Product Reviews</a:t>
-            </a:r>
-          </a:p>
-        </p:txBody>
-      </p:sp>
-    </p:spTree>
-    <p:extLst>
-      <p:ext uri="{BB962C8B-B14F-4D97-AF65-F5344CB8AC3E}">
-        <p14:creationId xmlns:p14="http://schemas.microsoft.com/office/powerpoint/2010/main" val="1871498928"/>
-      </p:ext>
-    </p:extLst>
-  </p:cSld>
-  <p:clrMapOvr>
-    <a:masterClrMapping/>
-  </p:clrMapOvr>
-</p:sld>
-</file>
-
 <file path=ppt/slides/slide15.xml><?xml version="1.0" encoding="utf-8"?>
 <p:sld xmlns:a="http://schemas.openxmlformats.org/drawingml/2006/main" xmlns:r="http://schemas.openxmlformats.org/officeDocument/2006/relationships" xmlns:p="http://schemas.openxmlformats.org/presentationml/2006/main">
   <p:cSld>
@@ -7985,117 +8537,43 @@
       </p:grpSpPr>
       <p:sp>
         <p:nvSpPr>
-          <p:cNvPr id="6" name="TextBox 5">
+          <p:cNvPr id="2" name="Title 1">
             <a:extLst>
               <a:ext uri="{FF2B5EF4-FFF2-40B4-BE49-F238E27FC236}">
-                <a16:creationId xmlns:a16="http://schemas.microsoft.com/office/drawing/2014/main" id="{195CC491-B1EF-461F-93F7-8738A7DAF173}"/>
+                <a16:creationId xmlns:a16="http://schemas.microsoft.com/office/drawing/2014/main" id="{C1610E78-E67A-D59D-07E0-E1037D49A263}"/>
               </a:ext>
             </a:extLst>
           </p:cNvPr>
-          <p:cNvSpPr txBox="1"/>
-          <p:nvPr/>
-        </p:nvSpPr>
-        <p:spPr>
-          <a:xfrm>
-            <a:off x="152313" y="620459"/>
-            <a:ext cx="12039687" cy="584775"/>
-          </a:xfrm>
-          <a:prstGeom prst="rect">
-            <a:avLst/>
-          </a:prstGeom>
-          <a:noFill/>
-        </p:spPr>
-        <p:txBody>
-          <a:bodyPr wrap="square" rtlCol="0">
-            <a:spAutoFit/>
-          </a:bodyPr>
-          <a:lstStyle/>
-          <a:p>
-            <a:r>
-              <a:rPr lang="en-US" sz="3200" dirty="0">
-                <a:solidFill>
-                  <a:schemeClr val="bg1"/>
-                </a:solidFill>
+          <p:cNvSpPr>
+            <a:spLocks noGrp="1"/>
+          </p:cNvSpPr>
+          <p:nvPr>
+            <p:ph type="title"/>
+          </p:nvPr>
+        </p:nvSpPr>
+        <p:spPr/>
+        <p:txBody>
+          <a:bodyPr/>
+          <a:lstStyle/>
+          <a:p>
+            <a:r>
+              <a:rPr lang="en-US" dirty="0">
                 <a:latin typeface="Georgia" panose="02040502050405020303" pitchFamily="18" charset="0"/>
               </a:rPr>
-              <a:t>Data: Amazon Product Reviews from UCSD</a:t>
-            </a:r>
-          </a:p>
-        </p:txBody>
-      </p:sp>
-      <p:sp>
-        <p:nvSpPr>
-          <p:cNvPr id="2" name="Rectangle 1">
+              <a:t>IV. Product reviews</a:t>
+            </a:r>
+          </a:p>
+        </p:txBody>
+      </p:sp>
+      <p:sp>
+        <p:nvSpPr>
+          <p:cNvPr id="3" name="Slide Number Placeholder 2">
             <a:extLst>
               <a:ext uri="{FF2B5EF4-FFF2-40B4-BE49-F238E27FC236}">
-                <a16:creationId xmlns:a16="http://schemas.microsoft.com/office/drawing/2014/main" id="{F3CC61EF-13BE-821A-9EBB-869CC84B0F46}"/>
+                <a16:creationId xmlns:a16="http://schemas.microsoft.com/office/drawing/2014/main" id="{382C1AF7-C071-1D77-A0F4-E9AC11792569}"/>
               </a:ext>
             </a:extLst>
           </p:cNvPr>
-          <p:cNvSpPr/>
-          <p:nvPr/>
-        </p:nvSpPr>
-        <p:spPr>
-          <a:xfrm>
-            <a:off x="0" y="-1"/>
-            <a:ext cx="3044952" cy="353085"/>
-          </a:xfrm>
-          <a:prstGeom prst="rect">
-            <a:avLst/>
-          </a:prstGeom>
-          <a:solidFill>
-            <a:schemeClr val="bg1">
-              <a:lumMod val="65000"/>
-            </a:schemeClr>
-          </a:solidFill>
-          <a:ln>
-            <a:solidFill>
-              <a:schemeClr val="tx1">
-                <a:lumMod val="75000"/>
-                <a:lumOff val="25000"/>
-              </a:schemeClr>
-            </a:solidFill>
-          </a:ln>
-        </p:spPr>
-        <p:style>
-          <a:lnRef idx="2">
-            <a:schemeClr val="accent1">
-              <a:shade val="15000"/>
-            </a:schemeClr>
-          </a:lnRef>
-          <a:fillRef idx="1">
-            <a:schemeClr val="accent1"/>
-          </a:fillRef>
-          <a:effectRef idx="0">
-            <a:schemeClr val="accent1"/>
-          </a:effectRef>
-          <a:fontRef idx="minor">
-            <a:schemeClr val="lt1"/>
-          </a:fontRef>
-        </p:style>
-        <p:txBody>
-          <a:bodyPr rtlCol="0" anchor="ctr"/>
-          <a:lstStyle/>
-          <a:p>
-            <a:pPr algn="ctr"/>
-            <a:r>
-              <a:rPr lang="en-US" dirty="0">
-                <a:latin typeface="Georgia" panose="02040502050405020303" pitchFamily="18" charset="0"/>
-              </a:rPr>
-              <a:t>Overview</a:t>
-            </a:r>
-          </a:p>
-        </p:txBody>
-      </p:sp>
-      <p:sp>
-        <p:nvSpPr>
-          <p:cNvPr id="8" name="Slide Number Placeholder 7">
-            <a:extLst>
-              <a:ext uri="{FF2B5EF4-FFF2-40B4-BE49-F238E27FC236}">
-                <a16:creationId xmlns:a16="http://schemas.microsoft.com/office/drawing/2014/main" id="{D0D4B812-63F5-E7E3-E66B-C490440E64F6}"/>
-              </a:ext>
-            </a:extLst>
-          </p:cNvPr>
           <p:cNvSpPr>
             <a:spLocks noGrp="1"/>
           </p:cNvSpPr>
@@ -8108,322 +8586,18 @@
           <a:bodyPr/>
           <a:lstStyle/>
           <a:p>
-            <a:fld id="{1841B757-A952-1942-8414-7ABFD6E1806C}" type="slidenum">
+            <a:fld id="{34B7E4EF-A1BD-40F4-AB7B-04F084DD991D}" type="slidenum">
               <a:rPr lang="en-US" smtClean="0"/>
-              <a:pPr/>
               <a:t>15</a:t>
             </a:fld>
             <a:endParaRPr lang="en-US" dirty="0"/>
           </a:p>
         </p:txBody>
       </p:sp>
-      <p:sp>
-        <p:nvSpPr>
-          <p:cNvPr id="10" name="Content Placeholder 2">
-            <a:extLst>
-              <a:ext uri="{FF2B5EF4-FFF2-40B4-BE49-F238E27FC236}">
-                <a16:creationId xmlns:a16="http://schemas.microsoft.com/office/drawing/2014/main" id="{61707D30-0745-E55D-FA57-F1B34839DF88}"/>
-              </a:ext>
-            </a:extLst>
-          </p:cNvPr>
-          <p:cNvSpPr>
-            <a:spLocks noGrp="1"/>
-          </p:cNvSpPr>
-          <p:nvPr>
-            <p:ph idx="1"/>
-          </p:nvPr>
-        </p:nvSpPr>
-        <p:spPr>
-          <a:xfrm>
-            <a:off x="581192" y="1964724"/>
-            <a:ext cx="11029615" cy="4356538"/>
-          </a:xfrm>
-        </p:spPr>
-        <p:txBody>
-          <a:bodyPr anchor="t">
-            <a:normAutofit/>
-          </a:bodyPr>
-          <a:lstStyle/>
-          <a:p>
-            <a:r>
-              <a:rPr lang="en-US" sz="2800" dirty="0">
-                <a:solidFill>
-                  <a:schemeClr val="tx1"/>
-                </a:solidFill>
-              </a:rPr>
-              <a:t>Reviews for pet supplies</a:t>
-            </a:r>
-          </a:p>
-          <a:p>
-            <a:endParaRPr lang="en-US" sz="2800" dirty="0">
-              <a:solidFill>
-                <a:schemeClr val="tx1"/>
-              </a:solidFill>
-            </a:endParaRPr>
-          </a:p>
-          <a:p>
-            <a:r>
-              <a:rPr lang="en-US" sz="2800" dirty="0">
-                <a:solidFill>
-                  <a:schemeClr val="tx1"/>
-                </a:solidFill>
-              </a:rPr>
-              <a:t>Years 2013 – 2018</a:t>
-            </a:r>
-          </a:p>
-          <a:p>
-            <a:endParaRPr lang="en-US" sz="2800" dirty="0">
-              <a:solidFill>
-                <a:schemeClr val="tx1"/>
-              </a:solidFill>
-            </a:endParaRPr>
-          </a:p>
-          <a:p>
-            <a:r>
-              <a:rPr lang="en-US" sz="2800" dirty="0">
-                <a:solidFill>
-                  <a:schemeClr val="tx1"/>
-                </a:solidFill>
-              </a:rPr>
-              <a:t>Average rating is 4 stars</a:t>
-            </a:r>
-          </a:p>
-        </p:txBody>
-      </p:sp>
-      <p:sp>
-        <p:nvSpPr>
-          <p:cNvPr id="16" name="Rectangle 15">
-            <a:extLst>
-              <a:ext uri="{FF2B5EF4-FFF2-40B4-BE49-F238E27FC236}">
-                <a16:creationId xmlns:a16="http://schemas.microsoft.com/office/drawing/2014/main" id="{D646606F-AEB2-E27E-9039-D93D1D99FE37}"/>
-              </a:ext>
-            </a:extLst>
-          </p:cNvPr>
-          <p:cNvSpPr/>
-          <p:nvPr/>
-        </p:nvSpPr>
-        <p:spPr>
-          <a:xfrm>
-            <a:off x="3044952" y="1309"/>
-            <a:ext cx="3044952" cy="353085"/>
-          </a:xfrm>
-          <a:prstGeom prst="rect">
-            <a:avLst/>
-          </a:prstGeom>
-          <a:solidFill>
-            <a:schemeClr val="bg1">
-              <a:lumMod val="65000"/>
-            </a:schemeClr>
-          </a:solidFill>
-          <a:ln>
-            <a:solidFill>
-              <a:schemeClr val="tx1">
-                <a:lumMod val="75000"/>
-                <a:lumOff val="25000"/>
-              </a:schemeClr>
-            </a:solidFill>
-          </a:ln>
-        </p:spPr>
-        <p:style>
-          <a:lnRef idx="2">
-            <a:schemeClr val="accent1">
-              <a:shade val="15000"/>
-            </a:schemeClr>
-          </a:lnRef>
-          <a:fillRef idx="1">
-            <a:schemeClr val="accent1"/>
-          </a:fillRef>
-          <a:effectRef idx="0">
-            <a:schemeClr val="accent1"/>
-          </a:effectRef>
-          <a:fontRef idx="minor">
-            <a:schemeClr val="lt1"/>
-          </a:fontRef>
-        </p:style>
-        <p:txBody>
-          <a:bodyPr rtlCol="0" anchor="ctr"/>
-          <a:lstStyle/>
-          <a:p>
-            <a:pPr algn="ctr"/>
-            <a:r>
-              <a:rPr lang="en-US" dirty="0">
-                <a:latin typeface="Georgia" panose="02040502050405020303" pitchFamily="18" charset="0"/>
-              </a:rPr>
-              <a:t>Product Recommendation</a:t>
-            </a:r>
-          </a:p>
-        </p:txBody>
-      </p:sp>
-      <p:sp>
-        <p:nvSpPr>
-          <p:cNvPr id="19" name="Rectangle 18">
-            <a:extLst>
-              <a:ext uri="{FF2B5EF4-FFF2-40B4-BE49-F238E27FC236}">
-                <a16:creationId xmlns:a16="http://schemas.microsoft.com/office/drawing/2014/main" id="{2721AAE4-79CE-71F8-249A-5839468542B0}"/>
-              </a:ext>
-            </a:extLst>
-          </p:cNvPr>
-          <p:cNvSpPr/>
-          <p:nvPr/>
-        </p:nvSpPr>
-        <p:spPr>
-          <a:xfrm>
-            <a:off x="6095999" y="0"/>
-            <a:ext cx="3044952" cy="353085"/>
-          </a:xfrm>
-          <a:prstGeom prst="rect">
-            <a:avLst/>
-          </a:prstGeom>
-          <a:solidFill>
-            <a:schemeClr val="bg1">
-              <a:lumMod val="65000"/>
-            </a:schemeClr>
-          </a:solidFill>
-          <a:ln>
-            <a:solidFill>
-              <a:schemeClr val="tx1">
-                <a:lumMod val="75000"/>
-                <a:lumOff val="25000"/>
-              </a:schemeClr>
-            </a:solidFill>
-          </a:ln>
-        </p:spPr>
-        <p:style>
-          <a:lnRef idx="2">
-            <a:schemeClr val="accent1">
-              <a:shade val="15000"/>
-            </a:schemeClr>
-          </a:lnRef>
-          <a:fillRef idx="1">
-            <a:schemeClr val="accent1"/>
-          </a:fillRef>
-          <a:effectRef idx="0">
-            <a:schemeClr val="accent1"/>
-          </a:effectRef>
-          <a:fontRef idx="minor">
-            <a:schemeClr val="lt1"/>
-          </a:fontRef>
-        </p:style>
-        <p:txBody>
-          <a:bodyPr rtlCol="0" anchor="ctr"/>
-          <a:lstStyle/>
-          <a:p>
-            <a:pPr algn="ctr"/>
-            <a:r>
-              <a:rPr lang="en-US" dirty="0">
-                <a:latin typeface="Georgia" panose="02040502050405020303" pitchFamily="18" charset="0"/>
-              </a:rPr>
-              <a:t>Product Search</a:t>
-            </a:r>
-          </a:p>
-        </p:txBody>
-      </p:sp>
-      <p:sp>
-        <p:nvSpPr>
-          <p:cNvPr id="20" name="Rectangle 19">
-            <a:extLst>
-              <a:ext uri="{FF2B5EF4-FFF2-40B4-BE49-F238E27FC236}">
-                <a16:creationId xmlns:a16="http://schemas.microsoft.com/office/drawing/2014/main" id="{32BBAE5D-400C-C73D-4F00-DCDDE12109BC}"/>
-              </a:ext>
-            </a:extLst>
-          </p:cNvPr>
-          <p:cNvSpPr/>
-          <p:nvPr/>
-        </p:nvSpPr>
-        <p:spPr>
-          <a:xfrm>
-            <a:off x="9147048" y="0"/>
-            <a:ext cx="3044952" cy="353085"/>
-          </a:xfrm>
-          <a:prstGeom prst="rect">
-            <a:avLst/>
-          </a:prstGeom>
-          <a:solidFill>
-            <a:srgbClr val="EAC463"/>
-          </a:solidFill>
-          <a:ln>
-            <a:solidFill>
-              <a:schemeClr val="tx1">
-                <a:lumMod val="75000"/>
-                <a:lumOff val="25000"/>
-              </a:schemeClr>
-            </a:solidFill>
-          </a:ln>
-        </p:spPr>
-        <p:style>
-          <a:lnRef idx="2">
-            <a:schemeClr val="accent1">
-              <a:shade val="15000"/>
-            </a:schemeClr>
-          </a:lnRef>
-          <a:fillRef idx="1">
-            <a:schemeClr val="accent1"/>
-          </a:fillRef>
-          <a:effectRef idx="0">
-            <a:schemeClr val="accent1"/>
-          </a:effectRef>
-          <a:fontRef idx="minor">
-            <a:schemeClr val="lt1"/>
-          </a:fontRef>
-        </p:style>
-        <p:txBody>
-          <a:bodyPr rtlCol="0" anchor="ctr"/>
-          <a:lstStyle/>
-          <a:p>
-            <a:pPr algn="ctr"/>
-            <a:r>
-              <a:rPr lang="en-US" dirty="0">
-                <a:latin typeface="Georgia" panose="02040502050405020303" pitchFamily="18" charset="0"/>
-              </a:rPr>
-              <a:t>Product Reviews</a:t>
-            </a:r>
-          </a:p>
-        </p:txBody>
-      </p:sp>
-      <p:pic>
-        <p:nvPicPr>
-          <p:cNvPr id="7" name="Picture 6">
-            <a:extLst>
-              <a:ext uri="{FF2B5EF4-FFF2-40B4-BE49-F238E27FC236}">
-                <a16:creationId xmlns:a16="http://schemas.microsoft.com/office/drawing/2014/main" id="{3AA22960-0B0F-56B7-74DF-E204F77F64E0}"/>
-              </a:ext>
-            </a:extLst>
-          </p:cNvPr>
-          <p:cNvPicPr>
-            <a:picLocks noChangeAspect="1"/>
-          </p:cNvPicPr>
-          <p:nvPr/>
-        </p:nvPicPr>
-        <p:blipFill>
-          <a:blip r:embed="rId3"/>
-          <a:stretch>
-            <a:fillRect/>
-          </a:stretch>
-        </p:blipFill>
-        <p:spPr>
-          <a:xfrm>
-            <a:off x="5431003" y="1602705"/>
-            <a:ext cx="5345773" cy="5184594"/>
-          </a:xfrm>
-          <a:prstGeom prst="rect">
-            <a:avLst/>
-          </a:prstGeom>
-          <a:ln>
-            <a:noFill/>
-          </a:ln>
-          <a:effectLst>
-            <a:outerShdw blurRad="292100" dist="139700" dir="2700000" algn="tl" rotWithShape="0">
-              <a:srgbClr val="333333">
-                <a:alpha val="65000"/>
-              </a:srgbClr>
-            </a:outerShdw>
-          </a:effectLst>
-        </p:spPr>
-      </p:pic>
     </p:spTree>
     <p:extLst>
       <p:ext uri="{BB962C8B-B14F-4D97-AF65-F5344CB8AC3E}">
-        <p14:creationId xmlns:p14="http://schemas.microsoft.com/office/powerpoint/2010/main" val="332615860"/>
+        <p14:creationId xmlns:p14="http://schemas.microsoft.com/office/powerpoint/2010/main" val="4162759835"/>
       </p:ext>
     </p:extLst>
   </p:cSld>
@@ -8465,7 +8639,7 @@
         <p:spPr>
           <a:xfrm>
             <a:off x="152313" y="620459"/>
-            <a:ext cx="12039687" cy="954107"/>
+            <a:ext cx="12039687" cy="584775"/>
           </a:xfrm>
           <a:prstGeom prst="rect">
             <a:avLst/>
@@ -8479,60 +8653,13 @@
           <a:lstStyle/>
           <a:p>
             <a:r>
-              <a:rPr lang="en-US" sz="2800" dirty="0">
+              <a:rPr lang="en-US" sz="3200" dirty="0">
                 <a:solidFill>
                   <a:schemeClr val="bg1"/>
                 </a:solidFill>
                 <a:latin typeface="Georgia" panose="02040502050405020303" pitchFamily="18" charset="0"/>
               </a:rPr>
-              <a:t>Example: </a:t>
-            </a:r>
-            <a:r>
-              <a:rPr lang="en-US" sz="2800" i="1" dirty="0">
-                <a:solidFill>
-                  <a:schemeClr val="bg1"/>
-                </a:solidFill>
-                <a:latin typeface="Georgia" panose="02040502050405020303" pitchFamily="18" charset="0"/>
-              </a:rPr>
-              <a:t>Positive</a:t>
-            </a:r>
-            <a:r>
-              <a:rPr lang="en-US" sz="2800" dirty="0">
-                <a:solidFill>
-                  <a:schemeClr val="bg1"/>
-                </a:solidFill>
-                <a:latin typeface="Georgia" panose="02040502050405020303" pitchFamily="18" charset="0"/>
-              </a:rPr>
-              <a:t> Reviews for “</a:t>
-            </a:r>
-            <a:r>
-              <a:rPr lang="en-US" sz="2800" b="0" i="0" dirty="0" err="1">
-                <a:solidFill>
-                  <a:schemeClr val="bg1"/>
-                </a:solidFill>
-                <a:effectLst/>
-                <a:latin typeface="Georgia" panose="02040502050405020303" pitchFamily="18" charset="0"/>
-              </a:rPr>
-              <a:t>Nylabone</a:t>
-            </a:r>
-            <a:r>
-              <a:rPr lang="en-US" sz="2800" b="0" i="0" dirty="0">
-                <a:solidFill>
-                  <a:schemeClr val="bg1"/>
-                </a:solidFill>
-                <a:effectLst/>
-                <a:latin typeface="Georgia" panose="02040502050405020303" pitchFamily="18" charset="0"/>
-              </a:rPr>
-              <a:t> Dura Chew Textured Dog Chew, X-Large</a:t>
-            </a:r>
-            <a:r>
-              <a:rPr lang="en-US" sz="2800" dirty="0">
-                <a:solidFill>
-                  <a:schemeClr val="bg1"/>
-                </a:solidFill>
-                <a:latin typeface="Georgia" panose="02040502050405020303" pitchFamily="18" charset="0"/>
-              </a:rPr>
-              <a:t>”</a:t>
+              <a:t>Product Reviews</a:t>
             </a:r>
           </a:p>
         </p:txBody>
@@ -8633,6 +8760,147 @@
       </p:sp>
       <p:sp>
         <p:nvSpPr>
+          <p:cNvPr id="10" name="Content Placeholder 2">
+            <a:extLst>
+              <a:ext uri="{FF2B5EF4-FFF2-40B4-BE49-F238E27FC236}">
+                <a16:creationId xmlns:a16="http://schemas.microsoft.com/office/drawing/2014/main" id="{61707D30-0745-E55D-FA57-F1B34839DF88}"/>
+              </a:ext>
+            </a:extLst>
+          </p:cNvPr>
+          <p:cNvSpPr>
+            <a:spLocks noGrp="1"/>
+          </p:cNvSpPr>
+          <p:nvPr>
+            <p:ph idx="1"/>
+          </p:nvPr>
+        </p:nvSpPr>
+        <p:spPr>
+          <a:xfrm>
+            <a:off x="581192" y="1964724"/>
+            <a:ext cx="11029615" cy="4356538"/>
+          </a:xfrm>
+        </p:spPr>
+        <p:txBody>
+          <a:bodyPr anchor="t">
+            <a:normAutofit/>
+          </a:bodyPr>
+          <a:lstStyle/>
+          <a:p>
+            <a:r>
+              <a:rPr lang="en-US" sz="2800" dirty="0">
+                <a:solidFill>
+                  <a:schemeClr val="tx1"/>
+                </a:solidFill>
+              </a:rPr>
+              <a:t>Identify </a:t>
+            </a:r>
+            <a:r>
+              <a:rPr lang="en-US" sz="2800" b="1" dirty="0">
+                <a:solidFill>
+                  <a:srgbClr val="C00000"/>
+                </a:solidFill>
+              </a:rPr>
+              <a:t>key sentences </a:t>
+            </a:r>
+            <a:r>
+              <a:rPr lang="en-US" sz="2800" dirty="0">
+                <a:solidFill>
+                  <a:schemeClr val="tx1"/>
+                </a:solidFill>
+              </a:rPr>
+              <a:t>from </a:t>
+            </a:r>
+            <a:r>
+              <a:rPr lang="en-US" sz="2800" b="1" dirty="0">
+                <a:solidFill>
+                  <a:srgbClr val="C00000"/>
+                </a:solidFill>
+              </a:rPr>
+              <a:t>most popular reviews</a:t>
+            </a:r>
+          </a:p>
+          <a:p>
+            <a:endParaRPr lang="en-US" sz="2800" dirty="0">
+              <a:solidFill>
+                <a:schemeClr val="tx1"/>
+              </a:solidFill>
+            </a:endParaRPr>
+          </a:p>
+          <a:p>
+            <a:r>
+              <a:rPr lang="en-US" sz="2800" dirty="0">
+                <a:solidFill>
+                  <a:schemeClr val="tx1"/>
+                </a:solidFill>
+              </a:rPr>
+              <a:t>Method: Term Frequency-Inverse Document Frequency (TF-IDF)</a:t>
+            </a:r>
+          </a:p>
+          <a:p>
+            <a:pPr lvl="1"/>
+            <a:r>
+              <a:rPr lang="en-US" sz="2600" dirty="0">
+                <a:solidFill>
+                  <a:schemeClr val="tx1"/>
+                </a:solidFill>
+              </a:rPr>
+              <a:t>Step 1) Identify keywords from </a:t>
+            </a:r>
+            <a:r>
+              <a:rPr lang="en-US" sz="2600" b="1" dirty="0">
+                <a:solidFill>
+                  <a:srgbClr val="C00000"/>
+                </a:solidFill>
+              </a:rPr>
+              <a:t>positive/negative </a:t>
+            </a:r>
+            <a:r>
+              <a:rPr lang="en-US" sz="2600" dirty="0">
+                <a:solidFill>
+                  <a:schemeClr val="tx1"/>
+                </a:solidFill>
+              </a:rPr>
+              <a:t>reviews</a:t>
+            </a:r>
+          </a:p>
+          <a:p>
+            <a:pPr lvl="1"/>
+            <a:r>
+              <a:rPr lang="en-US" sz="2600" dirty="0">
+                <a:solidFill>
+                  <a:schemeClr val="tx1"/>
+                </a:solidFill>
+              </a:rPr>
+              <a:t>Step 2) </a:t>
+            </a:r>
+            <a:r>
+              <a:rPr lang="en-US" sz="2600" b="1" dirty="0">
+                <a:solidFill>
+                  <a:srgbClr val="C00000"/>
+                </a:solidFill>
+              </a:rPr>
+              <a:t>Extract sentences </a:t>
+            </a:r>
+            <a:r>
+              <a:rPr lang="en-US" sz="2600" dirty="0">
+                <a:solidFill>
+                  <a:schemeClr val="tx1"/>
+                </a:solidFill>
+              </a:rPr>
+              <a:t>containing such keywords from most popular reviews</a:t>
+            </a:r>
+          </a:p>
+          <a:p>
+            <a:endParaRPr lang="en-US" sz="2400" dirty="0">
+              <a:solidFill>
+                <a:schemeClr val="tx1"/>
+              </a:solidFill>
+            </a:endParaRPr>
+          </a:p>
+        </p:txBody>
+      </p:sp>
+      <p:sp>
+        <p:nvSpPr>
           <p:cNvPr id="16" name="Rectangle 15">
             <a:extLst>
               <a:ext uri="{FF2B5EF4-FFF2-40B4-BE49-F238E27FC236}">
@@ -8821,243 +9089,10 @@
           </a:p>
         </p:txBody>
       </p:sp>
-      <p:sp>
-        <p:nvSpPr>
-          <p:cNvPr id="3" name="Content Placeholder 2">
-            <a:extLst>
-              <a:ext uri="{FF2B5EF4-FFF2-40B4-BE49-F238E27FC236}">
-                <a16:creationId xmlns:a16="http://schemas.microsoft.com/office/drawing/2014/main" id="{E0769BC6-EA17-C1E3-E049-37755AD1BCBF}"/>
-              </a:ext>
-            </a:extLst>
-          </p:cNvPr>
-          <p:cNvSpPr>
-            <a:spLocks noGrp="1"/>
-          </p:cNvSpPr>
-          <p:nvPr>
-            <p:ph idx="1"/>
-          </p:nvPr>
-        </p:nvSpPr>
-        <p:spPr>
-          <a:xfrm>
-            <a:off x="581192" y="1839433"/>
-            <a:ext cx="11029615" cy="4582631"/>
-          </a:xfrm>
-        </p:spPr>
-        <p:txBody>
-          <a:bodyPr>
-            <a:normAutofit fontScale="92500" lnSpcReduction="10000"/>
-          </a:bodyPr>
-          <a:lstStyle/>
-          <a:p>
-            <a:r>
-              <a:rPr lang="en-US" sz="2400" dirty="0">
-                <a:solidFill>
-                  <a:schemeClr val="tx1"/>
-                </a:solidFill>
-                <a:effectLst/>
-              </a:rPr>
-              <a:t>“</a:t>
-            </a:r>
-            <a:r>
-              <a:rPr lang="en-US" sz="2400" dirty="0">
-                <a:solidFill>
-                  <a:schemeClr val="tx1"/>
-                </a:solidFill>
-              </a:rPr>
-              <a:t>( 2560+ </a:t>
-            </a:r>
-            <a:r>
-              <a:rPr lang="en-US" sz="2400" dirty="0" err="1">
-                <a:solidFill>
-                  <a:schemeClr val="tx1"/>
-                </a:solidFill>
-              </a:rPr>
-              <a:t>lbs</a:t>
-            </a:r>
-            <a:r>
-              <a:rPr lang="en-US" sz="2400" dirty="0">
-                <a:solidFill>
-                  <a:schemeClr val="tx1"/>
-                </a:solidFill>
-              </a:rPr>
-              <a:t>)\</a:t>
-            </a:r>
-            <a:r>
-              <a:rPr lang="en-US" sz="2400" dirty="0" err="1">
-                <a:solidFill>
-                  <a:schemeClr val="tx1"/>
-                </a:solidFill>
-              </a:rPr>
-              <a:t>nIt's</a:t>
-            </a:r>
-            <a:r>
-              <a:rPr lang="en-US" sz="2400" dirty="0">
-                <a:solidFill>
-                  <a:schemeClr val="tx1"/>
-                </a:solidFill>
-              </a:rPr>
-              <a:t> really cute to walk along the aisle and see contented dogs happily holding their chew bones in their paws and gnawing away.</a:t>
-            </a:r>
-            <a:r>
-              <a:rPr lang="en-US" sz="2400" dirty="0">
-                <a:solidFill>
-                  <a:schemeClr val="tx1"/>
-                </a:solidFill>
-                <a:effectLst/>
-              </a:rPr>
-              <a:t>”</a:t>
-            </a:r>
-          </a:p>
-          <a:p>
-            <a:endParaRPr lang="en-US" sz="2400" dirty="0">
-              <a:solidFill>
-                <a:schemeClr val="tx1"/>
-              </a:solidFill>
-              <a:effectLst/>
-            </a:endParaRPr>
-          </a:p>
-          <a:p>
-            <a:r>
-              <a:rPr lang="en-US" sz="2400" dirty="0">
-                <a:solidFill>
-                  <a:schemeClr val="tx1"/>
-                </a:solidFill>
-                <a:effectLst/>
-              </a:rPr>
-              <a:t>“</a:t>
-            </a:r>
-            <a:r>
-              <a:rPr lang="en-US" sz="2400" dirty="0">
-                <a:solidFill>
-                  <a:schemeClr val="tx1"/>
-                </a:solidFill>
-              </a:rPr>
-              <a:t>I am so glad I got it and I suspect they are even happier!</a:t>
-            </a:r>
-            <a:r>
-              <a:rPr lang="en-US" sz="2400" dirty="0">
-                <a:solidFill>
-                  <a:schemeClr val="tx1"/>
-                </a:solidFill>
-                <a:effectLst/>
-              </a:rPr>
-              <a:t>”</a:t>
-            </a:r>
-          </a:p>
-          <a:p>
-            <a:endParaRPr lang="en-US" sz="2400" dirty="0">
-              <a:solidFill>
-                <a:schemeClr val="tx1"/>
-              </a:solidFill>
-              <a:effectLst/>
-            </a:endParaRPr>
-          </a:p>
-          <a:p>
-            <a:r>
-              <a:rPr lang="en-US" sz="2400" dirty="0">
-                <a:solidFill>
-                  <a:schemeClr val="tx1"/>
-                </a:solidFill>
-                <a:effectLst/>
-              </a:rPr>
-              <a:t>“</a:t>
-            </a:r>
-            <a:r>
-              <a:rPr lang="en-US" sz="2400" dirty="0">
-                <a:solidFill>
-                  <a:schemeClr val="tx1"/>
-                </a:solidFill>
-              </a:rPr>
-              <a:t>My 60 pound boxer pit mix is a fan.</a:t>
-            </a:r>
-            <a:r>
-              <a:rPr lang="en-US" sz="2400" dirty="0">
-                <a:solidFill>
-                  <a:schemeClr val="tx1"/>
-                </a:solidFill>
-                <a:effectLst/>
-              </a:rPr>
-              <a:t>”</a:t>
-            </a:r>
-          </a:p>
-          <a:p>
-            <a:endParaRPr lang="en-US" sz="2400" dirty="0">
-              <a:solidFill>
-                <a:schemeClr val="tx1"/>
-              </a:solidFill>
-              <a:effectLst/>
-            </a:endParaRPr>
-          </a:p>
-          <a:p>
-            <a:r>
-              <a:rPr lang="en-US" sz="2400" dirty="0">
-                <a:solidFill>
-                  <a:schemeClr val="tx1"/>
-                </a:solidFill>
-                <a:effectLst/>
-              </a:rPr>
-              <a:t>“</a:t>
-            </a:r>
-            <a:r>
-              <a:rPr lang="en-US" sz="2400" dirty="0">
-                <a:solidFill>
-                  <a:schemeClr val="tx1"/>
-                </a:solidFill>
-              </a:rPr>
-              <a:t>Yummy &amp; Healthy &amp; Fun ...</a:t>
-            </a:r>
-            <a:r>
-              <a:rPr lang="en-US" sz="2400" dirty="0">
-                <a:solidFill>
-                  <a:schemeClr val="tx1"/>
-                </a:solidFill>
-                <a:effectLst/>
-              </a:rPr>
-              <a:t>”</a:t>
-            </a:r>
-          </a:p>
-          <a:p>
-            <a:endParaRPr lang="en-US" sz="2400" dirty="0">
-              <a:solidFill>
-                <a:schemeClr val="tx1"/>
-              </a:solidFill>
-              <a:effectLst/>
-            </a:endParaRPr>
-          </a:p>
-          <a:p>
-            <a:r>
-              <a:rPr lang="en-US" sz="2400" dirty="0">
-                <a:solidFill>
-                  <a:schemeClr val="tx1"/>
-                </a:solidFill>
-                <a:effectLst/>
-              </a:rPr>
-              <a:t>“</a:t>
-            </a:r>
-            <a:r>
-              <a:rPr lang="en-US" sz="2400" dirty="0">
-                <a:solidFill>
-                  <a:schemeClr val="tx1"/>
-                </a:solidFill>
-              </a:rPr>
-              <a:t>Wears slowly.</a:t>
-            </a:r>
-            <a:r>
-              <a:rPr lang="en-US" sz="2400" dirty="0">
-                <a:solidFill>
-                  <a:schemeClr val="tx1"/>
-                </a:solidFill>
-                <a:effectLst/>
-              </a:rPr>
-              <a:t>”</a:t>
-            </a:r>
-          </a:p>
-        </p:txBody>
-      </p:sp>
     </p:spTree>
     <p:extLst>
       <p:ext uri="{BB962C8B-B14F-4D97-AF65-F5344CB8AC3E}">
-        <p14:creationId xmlns:p14="http://schemas.microsoft.com/office/powerpoint/2010/main" val="4071590729"/>
+        <p14:creationId xmlns:p14="http://schemas.microsoft.com/office/powerpoint/2010/main" val="1871498928"/>
       </p:ext>
     </p:extLst>
   </p:cSld>
@@ -9099,7 +9134,7 @@
         <p:spPr>
           <a:xfrm>
             <a:off x="152313" y="620459"/>
-            <a:ext cx="12039687" cy="954107"/>
+            <a:ext cx="12039687" cy="584775"/>
           </a:xfrm>
           <a:prstGeom prst="rect">
             <a:avLst/>
@@ -9113,60 +9148,13 @@
           <a:lstStyle/>
           <a:p>
             <a:r>
-              <a:rPr lang="en-US" sz="2800" dirty="0">
+              <a:rPr lang="en-US" sz="3200" dirty="0">
                 <a:solidFill>
                   <a:schemeClr val="bg1"/>
                 </a:solidFill>
                 <a:latin typeface="Georgia" panose="02040502050405020303" pitchFamily="18" charset="0"/>
               </a:rPr>
-              <a:t>Example: </a:t>
-            </a:r>
-            <a:r>
-              <a:rPr lang="en-US" sz="2800" i="1" dirty="0">
-                <a:solidFill>
-                  <a:schemeClr val="bg1"/>
-                </a:solidFill>
-                <a:latin typeface="Georgia" panose="02040502050405020303" pitchFamily="18" charset="0"/>
-              </a:rPr>
-              <a:t>Negative</a:t>
-            </a:r>
-            <a:r>
-              <a:rPr lang="en-US" sz="2800" dirty="0">
-                <a:solidFill>
-                  <a:schemeClr val="bg1"/>
-                </a:solidFill>
-                <a:latin typeface="Georgia" panose="02040502050405020303" pitchFamily="18" charset="0"/>
-              </a:rPr>
-              <a:t> Reviews for “</a:t>
-            </a:r>
-            <a:r>
-              <a:rPr lang="en-US" sz="2800" b="0" i="0" dirty="0" err="1">
-                <a:solidFill>
-                  <a:schemeClr val="bg1"/>
-                </a:solidFill>
-                <a:effectLst/>
-                <a:latin typeface="Georgia" panose="02040502050405020303" pitchFamily="18" charset="0"/>
-              </a:rPr>
-              <a:t>Nylabone</a:t>
-            </a:r>
-            <a:r>
-              <a:rPr lang="en-US" sz="2800" b="0" i="0" dirty="0">
-                <a:solidFill>
-                  <a:schemeClr val="bg1"/>
-                </a:solidFill>
-                <a:effectLst/>
-                <a:latin typeface="Georgia" panose="02040502050405020303" pitchFamily="18" charset="0"/>
-              </a:rPr>
-              <a:t> Dura Chew Textured Dog Chew, X-Large</a:t>
-            </a:r>
-            <a:r>
-              <a:rPr lang="en-US" sz="2800" dirty="0">
-                <a:solidFill>
-                  <a:schemeClr val="bg1"/>
-                </a:solidFill>
-                <a:latin typeface="Georgia" panose="02040502050405020303" pitchFamily="18" charset="0"/>
-              </a:rPr>
-              <a:t>”</a:t>
+              <a:t>Data: Amazon Product Reviews from UCSD</a:t>
             </a:r>
           </a:p>
         </p:txBody>
@@ -9267,6 +9255,75 @@
       </p:sp>
       <p:sp>
         <p:nvSpPr>
+          <p:cNvPr id="10" name="Content Placeholder 2">
+            <a:extLst>
+              <a:ext uri="{FF2B5EF4-FFF2-40B4-BE49-F238E27FC236}">
+                <a16:creationId xmlns:a16="http://schemas.microsoft.com/office/drawing/2014/main" id="{61707D30-0745-E55D-FA57-F1B34839DF88}"/>
+              </a:ext>
+            </a:extLst>
+          </p:cNvPr>
+          <p:cNvSpPr>
+            <a:spLocks noGrp="1"/>
+          </p:cNvSpPr>
+          <p:nvPr>
+            <p:ph idx="1"/>
+          </p:nvPr>
+        </p:nvSpPr>
+        <p:spPr>
+          <a:xfrm>
+            <a:off x="581192" y="1964724"/>
+            <a:ext cx="11029615" cy="4356538"/>
+          </a:xfrm>
+        </p:spPr>
+        <p:txBody>
+          <a:bodyPr anchor="t">
+            <a:normAutofit/>
+          </a:bodyPr>
+          <a:lstStyle/>
+          <a:p>
+            <a:r>
+              <a:rPr lang="en-US" sz="2800" dirty="0">
+                <a:solidFill>
+                  <a:schemeClr val="tx1"/>
+                </a:solidFill>
+              </a:rPr>
+              <a:t>Reviews for pet supplies</a:t>
+            </a:r>
+          </a:p>
+          <a:p>
+            <a:pPr marL="0" indent="0">
+              <a:buNone/>
+            </a:pPr>
+            <a:r>
+              <a:rPr lang="en-US" sz="2800" dirty="0">
+                <a:solidFill>
+                  <a:schemeClr val="tx1"/>
+                </a:solidFill>
+              </a:rPr>
+              <a:t>in years 2013 – 2018</a:t>
+            </a:r>
+          </a:p>
+          <a:p>
+            <a:endParaRPr lang="en-US" sz="2800" dirty="0">
+              <a:solidFill>
+                <a:schemeClr val="tx1"/>
+              </a:solidFill>
+            </a:endParaRPr>
+          </a:p>
+          <a:p>
+            <a:r>
+              <a:rPr lang="en-US" sz="2800" dirty="0">
+                <a:solidFill>
+                  <a:schemeClr val="tx1"/>
+                </a:solidFill>
+              </a:rPr>
+              <a:t>Average rating is 4 stars</a:t>
+            </a:r>
+          </a:p>
+        </p:txBody>
+      </p:sp>
+      <p:sp>
+        <p:nvSpPr>
           <p:cNvPr id="16" name="Rectangle 15">
             <a:extLst>
               <a:ext uri="{FF2B5EF4-FFF2-40B4-BE49-F238E27FC236}">
@@ -9455,6 +9512,832 @@
           </a:p>
         </p:txBody>
       </p:sp>
+      <p:pic>
+        <p:nvPicPr>
+          <p:cNvPr id="7" name="Picture 6">
+            <a:extLst>
+              <a:ext uri="{FF2B5EF4-FFF2-40B4-BE49-F238E27FC236}">
+                <a16:creationId xmlns:a16="http://schemas.microsoft.com/office/drawing/2014/main" id="{3AA22960-0B0F-56B7-74DF-E204F77F64E0}"/>
+              </a:ext>
+            </a:extLst>
+          </p:cNvPr>
+          <p:cNvPicPr>
+            <a:picLocks noChangeAspect="1"/>
+          </p:cNvPicPr>
+          <p:nvPr/>
+        </p:nvPicPr>
+        <p:blipFill>
+          <a:blip r:embed="rId3"/>
+          <a:stretch>
+            <a:fillRect/>
+          </a:stretch>
+        </p:blipFill>
+        <p:spPr>
+          <a:xfrm>
+            <a:off x="5431003" y="1602705"/>
+            <a:ext cx="5345773" cy="5184594"/>
+          </a:xfrm>
+          <a:prstGeom prst="rect">
+            <a:avLst/>
+          </a:prstGeom>
+          <a:ln>
+            <a:noFill/>
+          </a:ln>
+          <a:effectLst>
+            <a:outerShdw blurRad="292100" dist="139700" dir="2700000" algn="tl" rotWithShape="0">
+              <a:srgbClr val="333333">
+                <a:alpha val="65000"/>
+              </a:srgbClr>
+            </a:outerShdw>
+          </a:effectLst>
+        </p:spPr>
+      </p:pic>
+    </p:spTree>
+    <p:extLst>
+      <p:ext uri="{BB962C8B-B14F-4D97-AF65-F5344CB8AC3E}">
+        <p14:creationId xmlns:p14="http://schemas.microsoft.com/office/powerpoint/2010/main" val="332615860"/>
+      </p:ext>
+    </p:extLst>
+  </p:cSld>
+  <p:clrMapOvr>
+    <a:masterClrMapping/>
+  </p:clrMapOvr>
+</p:sld>
+</file>
+
+<file path=ppt/slides/slide18.xml><?xml version="1.0" encoding="utf-8"?>
+<p:sld xmlns:a="http://schemas.openxmlformats.org/drawingml/2006/main" xmlns:r="http://schemas.openxmlformats.org/officeDocument/2006/relationships" xmlns:p="http://schemas.openxmlformats.org/presentationml/2006/main">
+  <p:cSld>
+    <p:spTree>
+      <p:nvGrpSpPr>
+        <p:cNvPr id="1" name=""/>
+        <p:cNvGrpSpPr/>
+        <p:nvPr/>
+      </p:nvGrpSpPr>
+      <p:grpSpPr>
+        <a:xfrm>
+          <a:off x="0" y="0"/>
+          <a:ext cx="0" cy="0"/>
+          <a:chOff x="0" y="0"/>
+          <a:chExt cx="0" cy="0"/>
+        </a:xfrm>
+      </p:grpSpPr>
+      <p:sp>
+        <p:nvSpPr>
+          <p:cNvPr id="6" name="TextBox 5">
+            <a:extLst>
+              <a:ext uri="{FF2B5EF4-FFF2-40B4-BE49-F238E27FC236}">
+                <a16:creationId xmlns:a16="http://schemas.microsoft.com/office/drawing/2014/main" id="{195CC491-B1EF-461F-93F7-8738A7DAF173}"/>
+              </a:ext>
+            </a:extLst>
+          </p:cNvPr>
+          <p:cNvSpPr txBox="1"/>
+          <p:nvPr/>
+        </p:nvSpPr>
+        <p:spPr>
+          <a:xfrm>
+            <a:off x="152313" y="620459"/>
+            <a:ext cx="12039687" cy="523220"/>
+          </a:xfrm>
+          <a:prstGeom prst="rect">
+            <a:avLst/>
+          </a:prstGeom>
+          <a:noFill/>
+        </p:spPr>
+        <p:txBody>
+          <a:bodyPr wrap="square" rtlCol="0">
+            <a:spAutoFit/>
+          </a:bodyPr>
+          <a:lstStyle/>
+          <a:p>
+            <a:r>
+              <a:rPr lang="en-US" sz="2800" dirty="0">
+                <a:solidFill>
+                  <a:schemeClr val="bg1"/>
+                </a:solidFill>
+                <a:latin typeface="Georgia" panose="02040502050405020303" pitchFamily="18" charset="0"/>
+              </a:rPr>
+              <a:t>Example: “</a:t>
+            </a:r>
+            <a:r>
+              <a:rPr lang="en-US" sz="2800" b="0" i="0" dirty="0" err="1">
+                <a:solidFill>
+                  <a:schemeClr val="bg1"/>
+                </a:solidFill>
+                <a:effectLst/>
+                <a:latin typeface="Georgia" panose="02040502050405020303" pitchFamily="18" charset="0"/>
+              </a:rPr>
+              <a:t>Nylabone</a:t>
+            </a:r>
+            <a:r>
+              <a:rPr lang="en-US" sz="2800" b="0" i="0" dirty="0">
+                <a:solidFill>
+                  <a:schemeClr val="bg1"/>
+                </a:solidFill>
+                <a:effectLst/>
+                <a:latin typeface="Georgia" panose="02040502050405020303" pitchFamily="18" charset="0"/>
+              </a:rPr>
+              <a:t> Dura Chew Textured Dog Chew, X-Large</a:t>
+            </a:r>
+            <a:r>
+              <a:rPr lang="en-US" sz="2800" dirty="0">
+                <a:solidFill>
+                  <a:schemeClr val="bg1"/>
+                </a:solidFill>
+                <a:latin typeface="Georgia" panose="02040502050405020303" pitchFamily="18" charset="0"/>
+              </a:rPr>
+              <a:t>”</a:t>
+            </a:r>
+          </a:p>
+        </p:txBody>
+      </p:sp>
+      <p:sp>
+        <p:nvSpPr>
+          <p:cNvPr id="2" name="Rectangle 1">
+            <a:extLst>
+              <a:ext uri="{FF2B5EF4-FFF2-40B4-BE49-F238E27FC236}">
+                <a16:creationId xmlns:a16="http://schemas.microsoft.com/office/drawing/2014/main" id="{F3CC61EF-13BE-821A-9EBB-869CC84B0F46}"/>
+              </a:ext>
+            </a:extLst>
+          </p:cNvPr>
+          <p:cNvSpPr/>
+          <p:nvPr/>
+        </p:nvSpPr>
+        <p:spPr>
+          <a:xfrm>
+            <a:off x="0" y="-1"/>
+            <a:ext cx="3044952" cy="353085"/>
+          </a:xfrm>
+          <a:prstGeom prst="rect">
+            <a:avLst/>
+          </a:prstGeom>
+          <a:solidFill>
+            <a:schemeClr val="bg1">
+              <a:lumMod val="65000"/>
+            </a:schemeClr>
+          </a:solidFill>
+          <a:ln>
+            <a:solidFill>
+              <a:schemeClr val="tx1">
+                <a:lumMod val="75000"/>
+                <a:lumOff val="25000"/>
+              </a:schemeClr>
+            </a:solidFill>
+          </a:ln>
+        </p:spPr>
+        <p:style>
+          <a:lnRef idx="2">
+            <a:schemeClr val="accent1">
+              <a:shade val="15000"/>
+            </a:schemeClr>
+          </a:lnRef>
+          <a:fillRef idx="1">
+            <a:schemeClr val="accent1"/>
+          </a:fillRef>
+          <a:effectRef idx="0">
+            <a:schemeClr val="accent1"/>
+          </a:effectRef>
+          <a:fontRef idx="minor">
+            <a:schemeClr val="lt1"/>
+          </a:fontRef>
+        </p:style>
+        <p:txBody>
+          <a:bodyPr rtlCol="0" anchor="ctr"/>
+          <a:lstStyle/>
+          <a:p>
+            <a:pPr algn="ctr"/>
+            <a:r>
+              <a:rPr lang="en-US" dirty="0">
+                <a:latin typeface="Georgia" panose="02040502050405020303" pitchFamily="18" charset="0"/>
+              </a:rPr>
+              <a:t>Overview</a:t>
+            </a:r>
+          </a:p>
+        </p:txBody>
+      </p:sp>
+      <p:sp>
+        <p:nvSpPr>
+          <p:cNvPr id="8" name="Slide Number Placeholder 7">
+            <a:extLst>
+              <a:ext uri="{FF2B5EF4-FFF2-40B4-BE49-F238E27FC236}">
+                <a16:creationId xmlns:a16="http://schemas.microsoft.com/office/drawing/2014/main" id="{D0D4B812-63F5-E7E3-E66B-C490440E64F6}"/>
+              </a:ext>
+            </a:extLst>
+          </p:cNvPr>
+          <p:cNvSpPr>
+            <a:spLocks noGrp="1"/>
+          </p:cNvSpPr>
+          <p:nvPr>
+            <p:ph type="sldNum" sz="quarter" idx="12"/>
+          </p:nvPr>
+        </p:nvSpPr>
+        <p:spPr/>
+        <p:txBody>
+          <a:bodyPr/>
+          <a:lstStyle/>
+          <a:p>
+            <a:fld id="{1841B757-A952-1942-8414-7ABFD6E1806C}" type="slidenum">
+              <a:rPr lang="en-US" smtClean="0"/>
+              <a:pPr/>
+              <a:t>18</a:t>
+            </a:fld>
+            <a:endParaRPr lang="en-US" dirty="0"/>
+          </a:p>
+        </p:txBody>
+      </p:sp>
+      <p:sp>
+        <p:nvSpPr>
+          <p:cNvPr id="16" name="Rectangle 15">
+            <a:extLst>
+              <a:ext uri="{FF2B5EF4-FFF2-40B4-BE49-F238E27FC236}">
+                <a16:creationId xmlns:a16="http://schemas.microsoft.com/office/drawing/2014/main" id="{D646606F-AEB2-E27E-9039-D93D1D99FE37}"/>
+              </a:ext>
+            </a:extLst>
+          </p:cNvPr>
+          <p:cNvSpPr/>
+          <p:nvPr/>
+        </p:nvSpPr>
+        <p:spPr>
+          <a:xfrm>
+            <a:off x="3044952" y="1309"/>
+            <a:ext cx="3044952" cy="353085"/>
+          </a:xfrm>
+          <a:prstGeom prst="rect">
+            <a:avLst/>
+          </a:prstGeom>
+          <a:solidFill>
+            <a:schemeClr val="bg1">
+              <a:lumMod val="65000"/>
+            </a:schemeClr>
+          </a:solidFill>
+          <a:ln>
+            <a:solidFill>
+              <a:schemeClr val="tx1">
+                <a:lumMod val="75000"/>
+                <a:lumOff val="25000"/>
+              </a:schemeClr>
+            </a:solidFill>
+          </a:ln>
+        </p:spPr>
+        <p:style>
+          <a:lnRef idx="2">
+            <a:schemeClr val="accent1">
+              <a:shade val="15000"/>
+            </a:schemeClr>
+          </a:lnRef>
+          <a:fillRef idx="1">
+            <a:schemeClr val="accent1"/>
+          </a:fillRef>
+          <a:effectRef idx="0">
+            <a:schemeClr val="accent1"/>
+          </a:effectRef>
+          <a:fontRef idx="minor">
+            <a:schemeClr val="lt1"/>
+          </a:fontRef>
+        </p:style>
+        <p:txBody>
+          <a:bodyPr rtlCol="0" anchor="ctr"/>
+          <a:lstStyle/>
+          <a:p>
+            <a:pPr algn="ctr"/>
+            <a:r>
+              <a:rPr lang="en-US" dirty="0">
+                <a:latin typeface="Georgia" panose="02040502050405020303" pitchFamily="18" charset="0"/>
+              </a:rPr>
+              <a:t>Product Recommendation</a:t>
+            </a:r>
+          </a:p>
+        </p:txBody>
+      </p:sp>
+      <p:sp>
+        <p:nvSpPr>
+          <p:cNvPr id="19" name="Rectangle 18">
+            <a:extLst>
+              <a:ext uri="{FF2B5EF4-FFF2-40B4-BE49-F238E27FC236}">
+                <a16:creationId xmlns:a16="http://schemas.microsoft.com/office/drawing/2014/main" id="{2721AAE4-79CE-71F8-249A-5839468542B0}"/>
+              </a:ext>
+            </a:extLst>
+          </p:cNvPr>
+          <p:cNvSpPr/>
+          <p:nvPr/>
+        </p:nvSpPr>
+        <p:spPr>
+          <a:xfrm>
+            <a:off x="6095999" y="0"/>
+            <a:ext cx="3044952" cy="353085"/>
+          </a:xfrm>
+          <a:prstGeom prst="rect">
+            <a:avLst/>
+          </a:prstGeom>
+          <a:solidFill>
+            <a:schemeClr val="bg1">
+              <a:lumMod val="65000"/>
+            </a:schemeClr>
+          </a:solidFill>
+          <a:ln>
+            <a:solidFill>
+              <a:schemeClr val="tx1">
+                <a:lumMod val="75000"/>
+                <a:lumOff val="25000"/>
+              </a:schemeClr>
+            </a:solidFill>
+          </a:ln>
+        </p:spPr>
+        <p:style>
+          <a:lnRef idx="2">
+            <a:schemeClr val="accent1">
+              <a:shade val="15000"/>
+            </a:schemeClr>
+          </a:lnRef>
+          <a:fillRef idx="1">
+            <a:schemeClr val="accent1"/>
+          </a:fillRef>
+          <a:effectRef idx="0">
+            <a:schemeClr val="accent1"/>
+          </a:effectRef>
+          <a:fontRef idx="minor">
+            <a:schemeClr val="lt1"/>
+          </a:fontRef>
+        </p:style>
+        <p:txBody>
+          <a:bodyPr rtlCol="0" anchor="ctr"/>
+          <a:lstStyle/>
+          <a:p>
+            <a:pPr algn="ctr"/>
+            <a:r>
+              <a:rPr lang="en-US" dirty="0">
+                <a:latin typeface="Georgia" panose="02040502050405020303" pitchFamily="18" charset="0"/>
+              </a:rPr>
+              <a:t>Product Search</a:t>
+            </a:r>
+          </a:p>
+        </p:txBody>
+      </p:sp>
+      <p:sp>
+        <p:nvSpPr>
+          <p:cNvPr id="20" name="Rectangle 19">
+            <a:extLst>
+              <a:ext uri="{FF2B5EF4-FFF2-40B4-BE49-F238E27FC236}">
+                <a16:creationId xmlns:a16="http://schemas.microsoft.com/office/drawing/2014/main" id="{32BBAE5D-400C-C73D-4F00-DCDDE12109BC}"/>
+              </a:ext>
+            </a:extLst>
+          </p:cNvPr>
+          <p:cNvSpPr/>
+          <p:nvPr/>
+        </p:nvSpPr>
+        <p:spPr>
+          <a:xfrm>
+            <a:off x="9147048" y="0"/>
+            <a:ext cx="3044952" cy="353085"/>
+          </a:xfrm>
+          <a:prstGeom prst="rect">
+            <a:avLst/>
+          </a:prstGeom>
+          <a:solidFill>
+            <a:srgbClr val="EAC463"/>
+          </a:solidFill>
+          <a:ln>
+            <a:solidFill>
+              <a:schemeClr val="tx1">
+                <a:lumMod val="75000"/>
+                <a:lumOff val="25000"/>
+              </a:schemeClr>
+            </a:solidFill>
+          </a:ln>
+        </p:spPr>
+        <p:style>
+          <a:lnRef idx="2">
+            <a:schemeClr val="accent1">
+              <a:shade val="15000"/>
+            </a:schemeClr>
+          </a:lnRef>
+          <a:fillRef idx="1">
+            <a:schemeClr val="accent1"/>
+          </a:fillRef>
+          <a:effectRef idx="0">
+            <a:schemeClr val="accent1"/>
+          </a:effectRef>
+          <a:fontRef idx="minor">
+            <a:schemeClr val="lt1"/>
+          </a:fontRef>
+        </p:style>
+        <p:txBody>
+          <a:bodyPr rtlCol="0" anchor="ctr"/>
+          <a:lstStyle/>
+          <a:p>
+            <a:pPr algn="ctr"/>
+            <a:r>
+              <a:rPr lang="en-US" dirty="0">
+                <a:latin typeface="Georgia" panose="02040502050405020303" pitchFamily="18" charset="0"/>
+              </a:rPr>
+              <a:t>Product Reviews</a:t>
+            </a:r>
+          </a:p>
+        </p:txBody>
+      </p:sp>
+      <p:pic>
+        <p:nvPicPr>
+          <p:cNvPr id="4100" name="Picture 4" descr="Nylabone Dura Chew Textured Dog Chew, X-Large   - Picture 1 of 64">
+            <a:extLst>
+              <a:ext uri="{FF2B5EF4-FFF2-40B4-BE49-F238E27FC236}">
+                <a16:creationId xmlns:a16="http://schemas.microsoft.com/office/drawing/2014/main" id="{7A44E7E8-7226-762A-B16D-6F5EF1EAA173}"/>
+              </a:ext>
+            </a:extLst>
+          </p:cNvPr>
+          <p:cNvPicPr>
+            <a:picLocks noGrp="1" noChangeAspect="1" noChangeArrowheads="1"/>
+          </p:cNvPicPr>
+          <p:nvPr>
+            <p:ph idx="1"/>
+          </p:nvPr>
+        </p:nvPicPr>
+        <p:blipFill>
+          <a:blip r:embed="rId3">
+            <a:extLst>
+              <a:ext uri="{28A0092B-C50C-407E-A947-70E740481C1C}">
+                <a14:useLocalDpi xmlns:a14="http://schemas.microsoft.com/office/drawing/2010/main" val="0"/>
+              </a:ext>
+            </a:extLst>
+          </a:blip>
+          <a:srcRect/>
+          <a:stretch>
+            <a:fillRect/>
+          </a:stretch>
+        </p:blipFill>
+        <p:spPr bwMode="auto">
+          <a:xfrm>
+            <a:off x="1872343" y="2614956"/>
+            <a:ext cx="7872548" cy="2619526"/>
+          </a:xfrm>
+          <a:prstGeom prst="rect">
+            <a:avLst/>
+          </a:prstGeom>
+          <a:noFill/>
+          <a:extLst>
+            <a:ext uri="{909E8E84-426E-40DD-AFC4-6F175D3DCCD1}">
+              <a14:hiddenFill xmlns:a14="http://schemas.microsoft.com/office/drawing/2010/main">
+                <a:solidFill>
+                  <a:srgbClr val="FFFFFF"/>
+                </a:solidFill>
+              </a14:hiddenFill>
+            </a:ext>
+          </a:extLst>
+        </p:spPr>
+      </p:pic>
+    </p:spTree>
+    <p:extLst>
+      <p:ext uri="{BB962C8B-B14F-4D97-AF65-F5344CB8AC3E}">
+        <p14:creationId xmlns:p14="http://schemas.microsoft.com/office/powerpoint/2010/main" val="4071590729"/>
+      </p:ext>
+    </p:extLst>
+  </p:cSld>
+  <p:clrMapOvr>
+    <a:masterClrMapping/>
+  </p:clrMapOvr>
+</p:sld>
+</file>
+
+<file path=ppt/slides/slide19.xml><?xml version="1.0" encoding="utf-8"?>
+<p:sld xmlns:a="http://schemas.openxmlformats.org/drawingml/2006/main" xmlns:r="http://schemas.openxmlformats.org/officeDocument/2006/relationships" xmlns:p="http://schemas.openxmlformats.org/presentationml/2006/main">
+  <p:cSld>
+    <p:spTree>
+      <p:nvGrpSpPr>
+        <p:cNvPr id="1" name=""/>
+        <p:cNvGrpSpPr/>
+        <p:nvPr/>
+      </p:nvGrpSpPr>
+      <p:grpSpPr>
+        <a:xfrm>
+          <a:off x="0" y="0"/>
+          <a:ext cx="0" cy="0"/>
+          <a:chOff x="0" y="0"/>
+          <a:chExt cx="0" cy="0"/>
+        </a:xfrm>
+      </p:grpSpPr>
+      <p:sp>
+        <p:nvSpPr>
+          <p:cNvPr id="6" name="TextBox 5">
+            <a:extLst>
+              <a:ext uri="{FF2B5EF4-FFF2-40B4-BE49-F238E27FC236}">
+                <a16:creationId xmlns:a16="http://schemas.microsoft.com/office/drawing/2014/main" id="{195CC491-B1EF-461F-93F7-8738A7DAF173}"/>
+              </a:ext>
+            </a:extLst>
+          </p:cNvPr>
+          <p:cNvSpPr txBox="1"/>
+          <p:nvPr/>
+        </p:nvSpPr>
+        <p:spPr>
+          <a:xfrm>
+            <a:off x="152313" y="620459"/>
+            <a:ext cx="12039687" cy="523220"/>
+          </a:xfrm>
+          <a:prstGeom prst="rect">
+            <a:avLst/>
+          </a:prstGeom>
+          <a:noFill/>
+        </p:spPr>
+        <p:txBody>
+          <a:bodyPr wrap="square" rtlCol="0">
+            <a:spAutoFit/>
+          </a:bodyPr>
+          <a:lstStyle/>
+          <a:p>
+            <a:r>
+              <a:rPr lang="en-US" sz="2800" dirty="0">
+                <a:solidFill>
+                  <a:schemeClr val="bg1"/>
+                </a:solidFill>
+                <a:latin typeface="Georgia" panose="02040502050405020303" pitchFamily="18" charset="0"/>
+              </a:rPr>
+              <a:t>Example: Top 5 Positive Reviews</a:t>
+            </a:r>
+          </a:p>
+        </p:txBody>
+      </p:sp>
+      <p:sp>
+        <p:nvSpPr>
+          <p:cNvPr id="2" name="Rectangle 1">
+            <a:extLst>
+              <a:ext uri="{FF2B5EF4-FFF2-40B4-BE49-F238E27FC236}">
+                <a16:creationId xmlns:a16="http://schemas.microsoft.com/office/drawing/2014/main" id="{F3CC61EF-13BE-821A-9EBB-869CC84B0F46}"/>
+              </a:ext>
+            </a:extLst>
+          </p:cNvPr>
+          <p:cNvSpPr/>
+          <p:nvPr/>
+        </p:nvSpPr>
+        <p:spPr>
+          <a:xfrm>
+            <a:off x="0" y="-1"/>
+            <a:ext cx="3044952" cy="353085"/>
+          </a:xfrm>
+          <a:prstGeom prst="rect">
+            <a:avLst/>
+          </a:prstGeom>
+          <a:solidFill>
+            <a:schemeClr val="bg1">
+              <a:lumMod val="65000"/>
+            </a:schemeClr>
+          </a:solidFill>
+          <a:ln>
+            <a:solidFill>
+              <a:schemeClr val="tx1">
+                <a:lumMod val="75000"/>
+                <a:lumOff val="25000"/>
+              </a:schemeClr>
+            </a:solidFill>
+          </a:ln>
+        </p:spPr>
+        <p:style>
+          <a:lnRef idx="2">
+            <a:schemeClr val="accent1">
+              <a:shade val="15000"/>
+            </a:schemeClr>
+          </a:lnRef>
+          <a:fillRef idx="1">
+            <a:schemeClr val="accent1"/>
+          </a:fillRef>
+          <a:effectRef idx="0">
+            <a:schemeClr val="accent1"/>
+          </a:effectRef>
+          <a:fontRef idx="minor">
+            <a:schemeClr val="lt1"/>
+          </a:fontRef>
+        </p:style>
+        <p:txBody>
+          <a:bodyPr rtlCol="0" anchor="ctr"/>
+          <a:lstStyle/>
+          <a:p>
+            <a:pPr algn="ctr"/>
+            <a:r>
+              <a:rPr lang="en-US" dirty="0">
+                <a:latin typeface="Georgia" panose="02040502050405020303" pitchFamily="18" charset="0"/>
+              </a:rPr>
+              <a:t>Overview</a:t>
+            </a:r>
+          </a:p>
+        </p:txBody>
+      </p:sp>
+      <p:sp>
+        <p:nvSpPr>
+          <p:cNvPr id="8" name="Slide Number Placeholder 7">
+            <a:extLst>
+              <a:ext uri="{FF2B5EF4-FFF2-40B4-BE49-F238E27FC236}">
+                <a16:creationId xmlns:a16="http://schemas.microsoft.com/office/drawing/2014/main" id="{D0D4B812-63F5-E7E3-E66B-C490440E64F6}"/>
+              </a:ext>
+            </a:extLst>
+          </p:cNvPr>
+          <p:cNvSpPr>
+            <a:spLocks noGrp="1"/>
+          </p:cNvSpPr>
+          <p:nvPr>
+            <p:ph type="sldNum" sz="quarter" idx="12"/>
+          </p:nvPr>
+        </p:nvSpPr>
+        <p:spPr/>
+        <p:txBody>
+          <a:bodyPr/>
+          <a:lstStyle/>
+          <a:p>
+            <a:fld id="{1841B757-A952-1942-8414-7ABFD6E1806C}" type="slidenum">
+              <a:rPr lang="en-US" smtClean="0"/>
+              <a:pPr/>
+              <a:t>19</a:t>
+            </a:fld>
+            <a:endParaRPr lang="en-US" dirty="0"/>
+          </a:p>
+        </p:txBody>
+      </p:sp>
+      <p:sp>
+        <p:nvSpPr>
+          <p:cNvPr id="16" name="Rectangle 15">
+            <a:extLst>
+              <a:ext uri="{FF2B5EF4-FFF2-40B4-BE49-F238E27FC236}">
+                <a16:creationId xmlns:a16="http://schemas.microsoft.com/office/drawing/2014/main" id="{D646606F-AEB2-E27E-9039-D93D1D99FE37}"/>
+              </a:ext>
+            </a:extLst>
+          </p:cNvPr>
+          <p:cNvSpPr/>
+          <p:nvPr/>
+        </p:nvSpPr>
+        <p:spPr>
+          <a:xfrm>
+            <a:off x="3044952" y="1309"/>
+            <a:ext cx="3044952" cy="353085"/>
+          </a:xfrm>
+          <a:prstGeom prst="rect">
+            <a:avLst/>
+          </a:prstGeom>
+          <a:solidFill>
+            <a:schemeClr val="bg1">
+              <a:lumMod val="65000"/>
+            </a:schemeClr>
+          </a:solidFill>
+          <a:ln>
+            <a:solidFill>
+              <a:schemeClr val="tx1">
+                <a:lumMod val="75000"/>
+                <a:lumOff val="25000"/>
+              </a:schemeClr>
+            </a:solidFill>
+          </a:ln>
+        </p:spPr>
+        <p:style>
+          <a:lnRef idx="2">
+            <a:schemeClr val="accent1">
+              <a:shade val="15000"/>
+            </a:schemeClr>
+          </a:lnRef>
+          <a:fillRef idx="1">
+            <a:schemeClr val="accent1"/>
+          </a:fillRef>
+          <a:effectRef idx="0">
+            <a:schemeClr val="accent1"/>
+          </a:effectRef>
+          <a:fontRef idx="minor">
+            <a:schemeClr val="lt1"/>
+          </a:fontRef>
+        </p:style>
+        <p:txBody>
+          <a:bodyPr rtlCol="0" anchor="ctr"/>
+          <a:lstStyle/>
+          <a:p>
+            <a:pPr algn="ctr"/>
+            <a:r>
+              <a:rPr lang="en-US" dirty="0">
+                <a:latin typeface="Georgia" panose="02040502050405020303" pitchFamily="18" charset="0"/>
+              </a:rPr>
+              <a:t>Product Recommendation</a:t>
+            </a:r>
+          </a:p>
+        </p:txBody>
+      </p:sp>
+      <p:sp>
+        <p:nvSpPr>
+          <p:cNvPr id="19" name="Rectangle 18">
+            <a:extLst>
+              <a:ext uri="{FF2B5EF4-FFF2-40B4-BE49-F238E27FC236}">
+                <a16:creationId xmlns:a16="http://schemas.microsoft.com/office/drawing/2014/main" id="{2721AAE4-79CE-71F8-249A-5839468542B0}"/>
+              </a:ext>
+            </a:extLst>
+          </p:cNvPr>
+          <p:cNvSpPr/>
+          <p:nvPr/>
+        </p:nvSpPr>
+        <p:spPr>
+          <a:xfrm>
+            <a:off x="6095999" y="0"/>
+            <a:ext cx="3044952" cy="353085"/>
+          </a:xfrm>
+          <a:prstGeom prst="rect">
+            <a:avLst/>
+          </a:prstGeom>
+          <a:solidFill>
+            <a:schemeClr val="bg1">
+              <a:lumMod val="65000"/>
+            </a:schemeClr>
+          </a:solidFill>
+          <a:ln>
+            <a:solidFill>
+              <a:schemeClr val="tx1">
+                <a:lumMod val="75000"/>
+                <a:lumOff val="25000"/>
+              </a:schemeClr>
+            </a:solidFill>
+          </a:ln>
+        </p:spPr>
+        <p:style>
+          <a:lnRef idx="2">
+            <a:schemeClr val="accent1">
+              <a:shade val="15000"/>
+            </a:schemeClr>
+          </a:lnRef>
+          <a:fillRef idx="1">
+            <a:schemeClr val="accent1"/>
+          </a:fillRef>
+          <a:effectRef idx="0">
+            <a:schemeClr val="accent1"/>
+          </a:effectRef>
+          <a:fontRef idx="minor">
+            <a:schemeClr val="lt1"/>
+          </a:fontRef>
+        </p:style>
+        <p:txBody>
+          <a:bodyPr rtlCol="0" anchor="ctr"/>
+          <a:lstStyle/>
+          <a:p>
+            <a:pPr algn="ctr"/>
+            <a:r>
+              <a:rPr lang="en-US" dirty="0">
+                <a:latin typeface="Georgia" panose="02040502050405020303" pitchFamily="18" charset="0"/>
+              </a:rPr>
+              <a:t>Product Search</a:t>
+            </a:r>
+          </a:p>
+        </p:txBody>
+      </p:sp>
+      <p:sp>
+        <p:nvSpPr>
+          <p:cNvPr id="20" name="Rectangle 19">
+            <a:extLst>
+              <a:ext uri="{FF2B5EF4-FFF2-40B4-BE49-F238E27FC236}">
+                <a16:creationId xmlns:a16="http://schemas.microsoft.com/office/drawing/2014/main" id="{32BBAE5D-400C-C73D-4F00-DCDDE12109BC}"/>
+              </a:ext>
+            </a:extLst>
+          </p:cNvPr>
+          <p:cNvSpPr/>
+          <p:nvPr/>
+        </p:nvSpPr>
+        <p:spPr>
+          <a:xfrm>
+            <a:off x="9147048" y="0"/>
+            <a:ext cx="3044952" cy="353085"/>
+          </a:xfrm>
+          <a:prstGeom prst="rect">
+            <a:avLst/>
+          </a:prstGeom>
+          <a:solidFill>
+            <a:srgbClr val="EAC463"/>
+          </a:solidFill>
+          <a:ln>
+            <a:solidFill>
+              <a:schemeClr val="tx1">
+                <a:lumMod val="75000"/>
+                <a:lumOff val="25000"/>
+              </a:schemeClr>
+            </a:solidFill>
+          </a:ln>
+        </p:spPr>
+        <p:style>
+          <a:lnRef idx="2">
+            <a:schemeClr val="accent1">
+              <a:shade val="15000"/>
+            </a:schemeClr>
+          </a:lnRef>
+          <a:fillRef idx="1">
+            <a:schemeClr val="accent1"/>
+          </a:fillRef>
+          <a:effectRef idx="0">
+            <a:schemeClr val="accent1"/>
+          </a:effectRef>
+          <a:fontRef idx="minor">
+            <a:schemeClr val="lt1"/>
+          </a:fontRef>
+        </p:style>
+        <p:txBody>
+          <a:bodyPr rtlCol="0" anchor="ctr"/>
+          <a:lstStyle/>
+          <a:p>
+            <a:pPr algn="ctr"/>
+            <a:r>
+              <a:rPr lang="en-US" dirty="0">
+                <a:latin typeface="Georgia" panose="02040502050405020303" pitchFamily="18" charset="0"/>
+              </a:rPr>
+              <a:t>Product Reviews</a:t>
+            </a:r>
+          </a:p>
+        </p:txBody>
+      </p:sp>
       <p:sp>
         <p:nvSpPr>
           <p:cNvPr id="3" name="Content Placeholder 2">
@@ -9473,13 +10356,13 @@
         </p:nvSpPr>
         <p:spPr>
           <a:xfrm>
-            <a:off x="581192" y="1754372"/>
-            <a:ext cx="11029615" cy="4869711"/>
+            <a:off x="581192" y="1839433"/>
+            <a:ext cx="11029615" cy="4582631"/>
           </a:xfrm>
         </p:spPr>
         <p:txBody>
           <a:bodyPr>
-            <a:normAutofit fontScale="92500" lnSpcReduction="20000"/>
+            <a:normAutofit fontScale="92500" lnSpcReduction="10000"/>
           </a:bodyPr>
           <a:lstStyle/>
           <a:p>
@@ -9498,7 +10381,39 @@
                   <a:schemeClr val="tx1"/>
                 </a:solidFill>
               </a:rPr>
-              <a:t>Like I handed her a brick.</a:t>
+              <a:t>( 2560+ </a:t>
+            </a:r>
+            <a:r>
+              <a:rPr lang="en-US" sz="2400" dirty="0" err="1">
+                <a:solidFill>
+                  <a:schemeClr val="tx1"/>
+                </a:solidFill>
+              </a:rPr>
+              <a:t>lbs</a:t>
+            </a:r>
+            <a:r>
+              <a:rPr lang="en-US" sz="2400" dirty="0">
+                <a:solidFill>
+                  <a:schemeClr val="tx1"/>
+                </a:solidFill>
+              </a:rPr>
+              <a:t>)\</a:t>
+            </a:r>
+            <a:r>
+              <a:rPr lang="en-US" sz="2400" dirty="0" err="1">
+                <a:solidFill>
+                  <a:schemeClr val="tx1"/>
+                </a:solidFill>
+              </a:rPr>
+              <a:t>nIt's</a:t>
+            </a:r>
+            <a:r>
+              <a:rPr lang="en-US" sz="2400" dirty="0">
+                <a:solidFill>
+                  <a:schemeClr val="tx1"/>
+                </a:solidFill>
+              </a:rPr>
+              <a:t> really cute to walk along the aisle and see contented dogs happily holding their chew bones in their paws and gnawing away.</a:t>
             </a:r>
             <a:r>
               <a:rPr lang="en-US" sz="2400" dirty="0">
@@ -9534,7 +10449,7 @@
                   <a:schemeClr val="tx1"/>
                 </a:solidFill>
               </a:rPr>
-              <a:t>I was told that if we got her something like this, she would not tear up anything, like my Bible, anymore.</a:t>
+              <a:t>I am so glad I got it and I suspect they are even happier!</a:t>
             </a:r>
             <a:r>
               <a:rPr lang="en-US" sz="2400" dirty="0">
@@ -9565,12 +10480,12 @@
               <a:t>“</a:t>
             </a:r>
             <a:r>
-              <a:rPr lang="en-US" sz="2400" dirty="0">
-                <a:solidFill>
-                  <a:schemeClr val="tx1"/>
-                </a:solidFill>
-              </a:rPr>
-              <a:t>Price is very high than local store, you may able to buy it from Marshall or other local store with better price, and my dog evening blooding after play a while with this product, after one time use, I just through it away.</a:t>
+              <a:rPr lang="en-US" sz="2400" b="1" dirty="0">
+                <a:solidFill>
+                  <a:srgbClr val="C00000"/>
+                </a:solidFill>
+              </a:rPr>
+              <a:t>My 60 pound boxer pit mix is a fan.</a:t>
             </a:r>
             <a:r>
               <a:rPr lang="en-US" sz="2400" dirty="0">
@@ -9601,12 +10516,12 @@
               <a:t>“</a:t>
             </a:r>
             <a:r>
-              <a:rPr lang="en-US" sz="2400" dirty="0">
-                <a:solidFill>
-                  <a:schemeClr val="tx1"/>
-                </a:solidFill>
-              </a:rPr>
-              <a:t>so this is a big fat nope is our book of chew toys.</a:t>
+              <a:rPr lang="en-US" sz="2400" b="1" dirty="0">
+                <a:solidFill>
+                  <a:srgbClr val="C00000"/>
+                </a:solidFill>
+              </a:rPr>
+              <a:t>Yummy &amp; Healthy &amp; Fun ...</a:t>
             </a:r>
             <a:r>
               <a:rPr lang="en-US" sz="2400" dirty="0">
@@ -9637,12 +10552,12 @@
               <a:t>“</a:t>
             </a:r>
             <a:r>
-              <a:rPr lang="en-US" sz="2400" dirty="0">
-                <a:solidFill>
-                  <a:schemeClr val="tx1"/>
-                </a:solidFill>
-              </a:rPr>
-              <a:t>I bought this when I had 4 dogs in the house (our two, and two puppies we were fostering), out of 4 dogs NONE of them wanted this!</a:t>
+              <a:rPr lang="en-US" sz="2400" b="1" dirty="0">
+                <a:solidFill>
+                  <a:srgbClr val="C00000"/>
+                </a:solidFill>
+              </a:rPr>
+              <a:t>Wears slowly.</a:t>
             </a:r>
             <a:r>
               <a:rPr lang="en-US" sz="2400" dirty="0">
@@ -9659,7 +10574,7 @@
     </p:spTree>
     <p:extLst>
       <p:ext uri="{BB962C8B-B14F-4D97-AF65-F5344CB8AC3E}">
-        <p14:creationId xmlns:p14="http://schemas.microsoft.com/office/powerpoint/2010/main" val="1981393834"/>
+        <p14:creationId xmlns:p14="http://schemas.microsoft.com/office/powerpoint/2010/main" val="3289489033"/>
       </p:ext>
     </p:extLst>
   </p:cSld>
@@ -9758,6 +10673,569 @@
 </p:sld>
 </file>
 
+<file path=ppt/slides/slide20.xml><?xml version="1.0" encoding="utf-8"?>
+<p:sld xmlns:a="http://schemas.openxmlformats.org/drawingml/2006/main" xmlns:r="http://schemas.openxmlformats.org/officeDocument/2006/relationships" xmlns:p="http://schemas.openxmlformats.org/presentationml/2006/main">
+  <p:cSld>
+    <p:spTree>
+      <p:nvGrpSpPr>
+        <p:cNvPr id="1" name=""/>
+        <p:cNvGrpSpPr/>
+        <p:nvPr/>
+      </p:nvGrpSpPr>
+      <p:grpSpPr>
+        <a:xfrm>
+          <a:off x="0" y="0"/>
+          <a:ext cx="0" cy="0"/>
+          <a:chOff x="0" y="0"/>
+          <a:chExt cx="0" cy="0"/>
+        </a:xfrm>
+      </p:grpSpPr>
+      <p:sp>
+        <p:nvSpPr>
+          <p:cNvPr id="6" name="TextBox 5">
+            <a:extLst>
+              <a:ext uri="{FF2B5EF4-FFF2-40B4-BE49-F238E27FC236}">
+                <a16:creationId xmlns:a16="http://schemas.microsoft.com/office/drawing/2014/main" id="{195CC491-B1EF-461F-93F7-8738A7DAF173}"/>
+              </a:ext>
+            </a:extLst>
+          </p:cNvPr>
+          <p:cNvSpPr txBox="1"/>
+          <p:nvPr/>
+        </p:nvSpPr>
+        <p:spPr>
+          <a:xfrm>
+            <a:off x="152313" y="620459"/>
+            <a:ext cx="12039687" cy="523220"/>
+          </a:xfrm>
+          <a:prstGeom prst="rect">
+            <a:avLst/>
+          </a:prstGeom>
+          <a:noFill/>
+        </p:spPr>
+        <p:txBody>
+          <a:bodyPr wrap="square" rtlCol="0">
+            <a:spAutoFit/>
+          </a:bodyPr>
+          <a:lstStyle/>
+          <a:p>
+            <a:r>
+              <a:rPr lang="en-US" sz="2800" dirty="0">
+                <a:solidFill>
+                  <a:schemeClr val="bg1"/>
+                </a:solidFill>
+                <a:latin typeface="Georgia" panose="02040502050405020303" pitchFamily="18" charset="0"/>
+              </a:rPr>
+              <a:t>Example: Top 5 Negative Reviews</a:t>
+            </a:r>
+          </a:p>
+        </p:txBody>
+      </p:sp>
+      <p:sp>
+        <p:nvSpPr>
+          <p:cNvPr id="2" name="Rectangle 1">
+            <a:extLst>
+              <a:ext uri="{FF2B5EF4-FFF2-40B4-BE49-F238E27FC236}">
+                <a16:creationId xmlns:a16="http://schemas.microsoft.com/office/drawing/2014/main" id="{F3CC61EF-13BE-821A-9EBB-869CC84B0F46}"/>
+              </a:ext>
+            </a:extLst>
+          </p:cNvPr>
+          <p:cNvSpPr/>
+          <p:nvPr/>
+        </p:nvSpPr>
+        <p:spPr>
+          <a:xfrm>
+            <a:off x="0" y="-1"/>
+            <a:ext cx="3044952" cy="353085"/>
+          </a:xfrm>
+          <a:prstGeom prst="rect">
+            <a:avLst/>
+          </a:prstGeom>
+          <a:solidFill>
+            <a:schemeClr val="bg1">
+              <a:lumMod val="65000"/>
+            </a:schemeClr>
+          </a:solidFill>
+          <a:ln>
+            <a:solidFill>
+              <a:schemeClr val="tx1">
+                <a:lumMod val="75000"/>
+                <a:lumOff val="25000"/>
+              </a:schemeClr>
+            </a:solidFill>
+          </a:ln>
+        </p:spPr>
+        <p:style>
+          <a:lnRef idx="2">
+            <a:schemeClr val="accent1">
+              <a:shade val="15000"/>
+            </a:schemeClr>
+          </a:lnRef>
+          <a:fillRef idx="1">
+            <a:schemeClr val="accent1"/>
+          </a:fillRef>
+          <a:effectRef idx="0">
+            <a:schemeClr val="accent1"/>
+          </a:effectRef>
+          <a:fontRef idx="minor">
+            <a:schemeClr val="lt1"/>
+          </a:fontRef>
+        </p:style>
+        <p:txBody>
+          <a:bodyPr rtlCol="0" anchor="ctr"/>
+          <a:lstStyle/>
+          <a:p>
+            <a:pPr algn="ctr"/>
+            <a:r>
+              <a:rPr lang="en-US" dirty="0">
+                <a:latin typeface="Georgia" panose="02040502050405020303" pitchFamily="18" charset="0"/>
+              </a:rPr>
+              <a:t>Overview</a:t>
+            </a:r>
+          </a:p>
+        </p:txBody>
+      </p:sp>
+      <p:sp>
+        <p:nvSpPr>
+          <p:cNvPr id="8" name="Slide Number Placeholder 7">
+            <a:extLst>
+              <a:ext uri="{FF2B5EF4-FFF2-40B4-BE49-F238E27FC236}">
+                <a16:creationId xmlns:a16="http://schemas.microsoft.com/office/drawing/2014/main" id="{D0D4B812-63F5-E7E3-E66B-C490440E64F6}"/>
+              </a:ext>
+            </a:extLst>
+          </p:cNvPr>
+          <p:cNvSpPr>
+            <a:spLocks noGrp="1"/>
+          </p:cNvSpPr>
+          <p:nvPr>
+            <p:ph type="sldNum" sz="quarter" idx="12"/>
+          </p:nvPr>
+        </p:nvSpPr>
+        <p:spPr/>
+        <p:txBody>
+          <a:bodyPr/>
+          <a:lstStyle/>
+          <a:p>
+            <a:fld id="{1841B757-A952-1942-8414-7ABFD6E1806C}" type="slidenum">
+              <a:rPr lang="en-US" smtClean="0"/>
+              <a:pPr/>
+              <a:t>20</a:t>
+            </a:fld>
+            <a:endParaRPr lang="en-US" dirty="0"/>
+          </a:p>
+        </p:txBody>
+      </p:sp>
+      <p:sp>
+        <p:nvSpPr>
+          <p:cNvPr id="16" name="Rectangle 15">
+            <a:extLst>
+              <a:ext uri="{FF2B5EF4-FFF2-40B4-BE49-F238E27FC236}">
+                <a16:creationId xmlns:a16="http://schemas.microsoft.com/office/drawing/2014/main" id="{D646606F-AEB2-E27E-9039-D93D1D99FE37}"/>
+              </a:ext>
+            </a:extLst>
+          </p:cNvPr>
+          <p:cNvSpPr/>
+          <p:nvPr/>
+        </p:nvSpPr>
+        <p:spPr>
+          <a:xfrm>
+            <a:off x="3044952" y="1309"/>
+            <a:ext cx="3044952" cy="353085"/>
+          </a:xfrm>
+          <a:prstGeom prst="rect">
+            <a:avLst/>
+          </a:prstGeom>
+          <a:solidFill>
+            <a:schemeClr val="bg1">
+              <a:lumMod val="65000"/>
+            </a:schemeClr>
+          </a:solidFill>
+          <a:ln>
+            <a:solidFill>
+              <a:schemeClr val="tx1">
+                <a:lumMod val="75000"/>
+                <a:lumOff val="25000"/>
+              </a:schemeClr>
+            </a:solidFill>
+          </a:ln>
+        </p:spPr>
+        <p:style>
+          <a:lnRef idx="2">
+            <a:schemeClr val="accent1">
+              <a:shade val="15000"/>
+            </a:schemeClr>
+          </a:lnRef>
+          <a:fillRef idx="1">
+            <a:schemeClr val="accent1"/>
+          </a:fillRef>
+          <a:effectRef idx="0">
+            <a:schemeClr val="accent1"/>
+          </a:effectRef>
+          <a:fontRef idx="minor">
+            <a:schemeClr val="lt1"/>
+          </a:fontRef>
+        </p:style>
+        <p:txBody>
+          <a:bodyPr rtlCol="0" anchor="ctr"/>
+          <a:lstStyle/>
+          <a:p>
+            <a:pPr algn="ctr"/>
+            <a:r>
+              <a:rPr lang="en-US" dirty="0">
+                <a:latin typeface="Georgia" panose="02040502050405020303" pitchFamily="18" charset="0"/>
+              </a:rPr>
+              <a:t>Product Recommendation</a:t>
+            </a:r>
+          </a:p>
+        </p:txBody>
+      </p:sp>
+      <p:sp>
+        <p:nvSpPr>
+          <p:cNvPr id="19" name="Rectangle 18">
+            <a:extLst>
+              <a:ext uri="{FF2B5EF4-FFF2-40B4-BE49-F238E27FC236}">
+                <a16:creationId xmlns:a16="http://schemas.microsoft.com/office/drawing/2014/main" id="{2721AAE4-79CE-71F8-249A-5839468542B0}"/>
+              </a:ext>
+            </a:extLst>
+          </p:cNvPr>
+          <p:cNvSpPr/>
+          <p:nvPr/>
+        </p:nvSpPr>
+        <p:spPr>
+          <a:xfrm>
+            <a:off x="6095999" y="0"/>
+            <a:ext cx="3044952" cy="353085"/>
+          </a:xfrm>
+          <a:prstGeom prst="rect">
+            <a:avLst/>
+          </a:prstGeom>
+          <a:solidFill>
+            <a:schemeClr val="bg1">
+              <a:lumMod val="65000"/>
+            </a:schemeClr>
+          </a:solidFill>
+          <a:ln>
+            <a:solidFill>
+              <a:schemeClr val="tx1">
+                <a:lumMod val="75000"/>
+                <a:lumOff val="25000"/>
+              </a:schemeClr>
+            </a:solidFill>
+          </a:ln>
+        </p:spPr>
+        <p:style>
+          <a:lnRef idx="2">
+            <a:schemeClr val="accent1">
+              <a:shade val="15000"/>
+            </a:schemeClr>
+          </a:lnRef>
+          <a:fillRef idx="1">
+            <a:schemeClr val="accent1"/>
+          </a:fillRef>
+          <a:effectRef idx="0">
+            <a:schemeClr val="accent1"/>
+          </a:effectRef>
+          <a:fontRef idx="minor">
+            <a:schemeClr val="lt1"/>
+          </a:fontRef>
+        </p:style>
+        <p:txBody>
+          <a:bodyPr rtlCol="0" anchor="ctr"/>
+          <a:lstStyle/>
+          <a:p>
+            <a:pPr algn="ctr"/>
+            <a:r>
+              <a:rPr lang="en-US" dirty="0">
+                <a:latin typeface="Georgia" panose="02040502050405020303" pitchFamily="18" charset="0"/>
+              </a:rPr>
+              <a:t>Product Search</a:t>
+            </a:r>
+          </a:p>
+        </p:txBody>
+      </p:sp>
+      <p:sp>
+        <p:nvSpPr>
+          <p:cNvPr id="20" name="Rectangle 19">
+            <a:extLst>
+              <a:ext uri="{FF2B5EF4-FFF2-40B4-BE49-F238E27FC236}">
+                <a16:creationId xmlns:a16="http://schemas.microsoft.com/office/drawing/2014/main" id="{32BBAE5D-400C-C73D-4F00-DCDDE12109BC}"/>
+              </a:ext>
+            </a:extLst>
+          </p:cNvPr>
+          <p:cNvSpPr/>
+          <p:nvPr/>
+        </p:nvSpPr>
+        <p:spPr>
+          <a:xfrm>
+            <a:off x="9147048" y="0"/>
+            <a:ext cx="3044952" cy="353085"/>
+          </a:xfrm>
+          <a:prstGeom prst="rect">
+            <a:avLst/>
+          </a:prstGeom>
+          <a:solidFill>
+            <a:srgbClr val="EAC463"/>
+          </a:solidFill>
+          <a:ln>
+            <a:solidFill>
+              <a:schemeClr val="tx1">
+                <a:lumMod val="75000"/>
+                <a:lumOff val="25000"/>
+              </a:schemeClr>
+            </a:solidFill>
+          </a:ln>
+        </p:spPr>
+        <p:style>
+          <a:lnRef idx="2">
+            <a:schemeClr val="accent1">
+              <a:shade val="15000"/>
+            </a:schemeClr>
+          </a:lnRef>
+          <a:fillRef idx="1">
+            <a:schemeClr val="accent1"/>
+          </a:fillRef>
+          <a:effectRef idx="0">
+            <a:schemeClr val="accent1"/>
+          </a:effectRef>
+          <a:fontRef idx="minor">
+            <a:schemeClr val="lt1"/>
+          </a:fontRef>
+        </p:style>
+        <p:txBody>
+          <a:bodyPr rtlCol="0" anchor="ctr"/>
+          <a:lstStyle/>
+          <a:p>
+            <a:pPr algn="ctr"/>
+            <a:r>
+              <a:rPr lang="en-US" dirty="0">
+                <a:latin typeface="Georgia" panose="02040502050405020303" pitchFamily="18" charset="0"/>
+              </a:rPr>
+              <a:t>Product Reviews</a:t>
+            </a:r>
+          </a:p>
+        </p:txBody>
+      </p:sp>
+      <p:sp>
+        <p:nvSpPr>
+          <p:cNvPr id="3" name="Content Placeholder 2">
+            <a:extLst>
+              <a:ext uri="{FF2B5EF4-FFF2-40B4-BE49-F238E27FC236}">
+                <a16:creationId xmlns:a16="http://schemas.microsoft.com/office/drawing/2014/main" id="{E0769BC6-EA17-C1E3-E049-37755AD1BCBF}"/>
+              </a:ext>
+            </a:extLst>
+          </p:cNvPr>
+          <p:cNvSpPr>
+            <a:spLocks noGrp="1"/>
+          </p:cNvSpPr>
+          <p:nvPr>
+            <p:ph idx="1"/>
+          </p:nvPr>
+        </p:nvSpPr>
+        <p:spPr>
+          <a:xfrm>
+            <a:off x="581192" y="1754372"/>
+            <a:ext cx="11029615" cy="4869711"/>
+          </a:xfrm>
+        </p:spPr>
+        <p:txBody>
+          <a:bodyPr>
+            <a:normAutofit fontScale="92500" lnSpcReduction="20000"/>
+          </a:bodyPr>
+          <a:lstStyle/>
+          <a:p>
+            <a:r>
+              <a:rPr lang="en-US" sz="2400" dirty="0">
+                <a:solidFill>
+                  <a:schemeClr val="tx1"/>
+                </a:solidFill>
+                <a:effectLst/>
+              </a:rPr>
+              <a:t>“</a:t>
+            </a:r>
+            <a:r>
+              <a:rPr lang="en-US" sz="2400" b="1" dirty="0">
+                <a:solidFill>
+                  <a:srgbClr val="C00000"/>
+                </a:solidFill>
+              </a:rPr>
+              <a:t>Like I handed her a brick.</a:t>
+            </a:r>
+            <a:r>
+              <a:rPr lang="en-US" sz="2400" dirty="0">
+                <a:solidFill>
+                  <a:schemeClr val="tx1"/>
+                </a:solidFill>
+                <a:effectLst/>
+              </a:rPr>
+              <a:t>”</a:t>
+            </a:r>
+          </a:p>
+          <a:p>
+            <a:endParaRPr lang="en-US" sz="2400" dirty="0">
+              <a:solidFill>
+                <a:schemeClr val="tx1"/>
+              </a:solidFill>
+              <a:effectLst/>
+            </a:endParaRPr>
+          </a:p>
+          <a:p>
+            <a:r>
+              <a:rPr lang="en-US" sz="2400" dirty="0">
+                <a:solidFill>
+                  <a:schemeClr val="tx1"/>
+                </a:solidFill>
+                <a:effectLst/>
+              </a:rPr>
+              <a:t>“</a:t>
+            </a:r>
+            <a:r>
+              <a:rPr lang="en-US" sz="2400" dirty="0">
+                <a:solidFill>
+                  <a:schemeClr val="tx1"/>
+                </a:solidFill>
+              </a:rPr>
+              <a:t>I was told that if we got her something like this, she would not tear up anything, like my Bible, anymore.</a:t>
+            </a:r>
+            <a:r>
+              <a:rPr lang="en-US" sz="2400" dirty="0">
+                <a:solidFill>
+                  <a:schemeClr val="tx1"/>
+                </a:solidFill>
+                <a:effectLst/>
+              </a:rPr>
+              <a:t>”</a:t>
+            </a:r>
+          </a:p>
+          <a:p>
+            <a:endParaRPr lang="en-US" sz="2400" dirty="0">
+              <a:solidFill>
+                <a:schemeClr val="tx1"/>
+              </a:solidFill>
+              <a:effectLst/>
+            </a:endParaRPr>
+          </a:p>
+          <a:p>
+            <a:r>
+              <a:rPr lang="en-US" sz="2400" dirty="0">
+                <a:solidFill>
+                  <a:schemeClr val="tx1"/>
+                </a:solidFill>
+                <a:effectLst/>
+              </a:rPr>
+              <a:t>“</a:t>
+            </a:r>
+            <a:r>
+              <a:rPr lang="en-US" sz="2400" b="1" dirty="0">
+                <a:solidFill>
+                  <a:srgbClr val="C00000"/>
+                </a:solidFill>
+              </a:rPr>
+              <a:t>Price is very high than local store</a:t>
+            </a:r>
+            <a:r>
+              <a:rPr lang="en-US" sz="2400" dirty="0">
+                <a:solidFill>
+                  <a:schemeClr val="tx1"/>
+                </a:solidFill>
+              </a:rPr>
+              <a:t>, you may able to buy it from Marshall or other local store with better price, and my dog evening blooding after play a while with this product, after one time use, I just through it away.</a:t>
+            </a:r>
+            <a:r>
+              <a:rPr lang="en-US" sz="2400" dirty="0">
+                <a:solidFill>
+                  <a:schemeClr val="tx1"/>
+                </a:solidFill>
+                <a:effectLst/>
+              </a:rPr>
+              <a:t>”</a:t>
+            </a:r>
+          </a:p>
+          <a:p>
+            <a:endParaRPr lang="en-US" sz="2400" dirty="0">
+              <a:solidFill>
+                <a:schemeClr val="tx1"/>
+              </a:solidFill>
+              <a:effectLst/>
+            </a:endParaRPr>
+          </a:p>
+          <a:p>
+            <a:r>
+              <a:rPr lang="en-US" sz="2400" dirty="0">
+                <a:solidFill>
+                  <a:schemeClr val="tx1"/>
+                </a:solidFill>
+                <a:effectLst/>
+              </a:rPr>
+              <a:t>“</a:t>
+            </a:r>
+            <a:r>
+              <a:rPr lang="en-US" sz="2400" dirty="0">
+                <a:solidFill>
+                  <a:schemeClr val="tx1"/>
+                </a:solidFill>
+              </a:rPr>
+              <a:t>so this is a big fat nope is our book of chew toys.</a:t>
+            </a:r>
+            <a:r>
+              <a:rPr lang="en-US" sz="2400" dirty="0">
+                <a:solidFill>
+                  <a:schemeClr val="tx1"/>
+                </a:solidFill>
+                <a:effectLst/>
+              </a:rPr>
+              <a:t>”</a:t>
+            </a:r>
+          </a:p>
+          <a:p>
+            <a:endParaRPr lang="en-US" sz="2400" dirty="0">
+              <a:solidFill>
+                <a:schemeClr val="tx1"/>
+              </a:solidFill>
+              <a:effectLst/>
+            </a:endParaRPr>
+          </a:p>
+          <a:p>
+            <a:r>
+              <a:rPr lang="en-US" sz="2400" dirty="0">
+                <a:solidFill>
+                  <a:schemeClr val="tx1"/>
+                </a:solidFill>
+                <a:effectLst/>
+              </a:rPr>
+              <a:t>“</a:t>
+            </a:r>
+            <a:r>
+              <a:rPr lang="en-US" sz="2400" dirty="0">
+                <a:solidFill>
+                  <a:schemeClr val="tx1"/>
+                </a:solidFill>
+              </a:rPr>
+              <a:t>I bought this when I had 4 dogs in the house (our two, and two puppies we were fostering), out of 4 dogs NONE of them wanted this!</a:t>
+            </a:r>
+            <a:r>
+              <a:rPr lang="en-US" sz="2400" dirty="0">
+                <a:solidFill>
+                  <a:schemeClr val="tx1"/>
+                </a:solidFill>
+                <a:effectLst/>
+              </a:rPr>
+              <a:t>”</a:t>
+            </a:r>
+          </a:p>
+        </p:txBody>
+      </p:sp>
+    </p:spTree>
+    <p:extLst>
+      <p:ext uri="{BB962C8B-B14F-4D97-AF65-F5344CB8AC3E}">
+        <p14:creationId xmlns:p14="http://schemas.microsoft.com/office/powerpoint/2010/main" val="1981393834"/>
+      </p:ext>
+    </p:extLst>
+  </p:cSld>
+  <p:clrMapOvr>
+    <a:masterClrMapping/>
+  </p:clrMapOvr>
+</p:sld>
+</file>
+
 <file path=ppt/slides/slide3.xml><?xml version="1.0" encoding="utf-8"?>
 <p:sld xmlns:a="http://schemas.openxmlformats.org/drawingml/2006/main" xmlns:r="http://schemas.openxmlformats.org/officeDocument/2006/relationships" xmlns:p="http://schemas.openxmlformats.org/presentationml/2006/main">
   <p:cSld>
@@ -9931,7 +11409,7 @@
         </p:spPr>
         <p:txBody>
           <a:bodyPr anchor="t">
-            <a:normAutofit fontScale="92500" lnSpcReduction="10000"/>
+            <a:normAutofit fontScale="92500" lnSpcReduction="20000"/>
           </a:bodyPr>
           <a:lstStyle/>
           <a:p>
@@ -9950,11 +11428,25 @@
             </a:r>
           </a:p>
           <a:p>
-            <a:pPr algn="l">
+            <a:pPr lvl="1">
               <a:buFont typeface="Arial" panose="020B0604020202020204" pitchFamily="34" charset="0"/>
               <a:buChar char="•"/>
             </a:pPr>
-            <a:endParaRPr lang="en-US" sz="2800" b="0" i="0" dirty="0">
+            <a:r>
+              <a:rPr lang="en-US" sz="2600" dirty="0">
+                <a:solidFill>
+                  <a:srgbClr val="0E1116"/>
+                </a:solidFill>
+              </a:rPr>
+              <a:t>Model-based algorithms</a:t>
+            </a:r>
+          </a:p>
+          <a:p>
+            <a:pPr lvl="1">
+              <a:buFont typeface="Arial" panose="020B0604020202020204" pitchFamily="34" charset="0"/>
+              <a:buChar char="•"/>
+            </a:pPr>
+            <a:endParaRPr lang="en-US" sz="2600" b="0" i="0" dirty="0">
               <a:solidFill>
                 <a:srgbClr val="0E1116"/>
               </a:solidFill>
@@ -10582,6 +12074,14 @@
           </a:p>
           <a:p>
             <a:r>
+              <a:rPr lang="en-US" sz="2800" dirty="0">
+                <a:solidFill>
+                  <a:schemeClr val="tx1"/>
+                </a:solidFill>
+              </a:rPr>
+              <a:t>Method: </a:t>
+            </a:r>
+            <a:r>
               <a:rPr lang="en-US" sz="2800" b="1" dirty="0">
                 <a:solidFill>
                   <a:srgbClr val="C00000"/>
@@ -11020,24 +12520,20 @@
                   <a:schemeClr val="tx1"/>
                 </a:solidFill>
               </a:rPr>
-              <a:t>Reviews for pet supplies</a:t>
-            </a:r>
-          </a:p>
-          <a:p>
-            <a:endParaRPr lang="en-US" sz="2800" dirty="0">
-              <a:solidFill>
-                <a:schemeClr val="tx1"/>
-              </a:solidFill>
-            </a:endParaRPr>
-          </a:p>
-          <a:p>
+              <a:t>Reviews for pet supplies </a:t>
+            </a:r>
+          </a:p>
+          <a:p>
+            <a:pPr marL="0" indent="0">
+              <a:buNone/>
+            </a:pPr>
             <a:r>
               <a:rPr lang="en-US" sz="2800" dirty="0">
                 <a:solidFill>
                   <a:schemeClr val="tx1"/>
                 </a:solidFill>
               </a:rPr>
-              <a:t>Years 2013 – 2018</a:t>
+              <a:t>in years 2013 - 2018 </a:t>
             </a:r>
           </a:p>
           <a:p>
@@ -11354,7 +12850,7 @@
                 </a:solidFill>
                 <a:latin typeface="Georgia" panose="02040502050405020303" pitchFamily="18" charset="0"/>
               </a:rPr>
-              <a:t>Example: User Ratings for Training</a:t>
+              <a:t>Training &amp; Testing</a:t>
             </a:r>
           </a:p>
         </p:txBody>
@@ -11455,6 +12951,55 @@
       </p:sp>
       <p:sp>
         <p:nvSpPr>
+          <p:cNvPr id="10" name="Content Placeholder 2">
+            <a:extLst>
+              <a:ext uri="{FF2B5EF4-FFF2-40B4-BE49-F238E27FC236}">
+                <a16:creationId xmlns:a16="http://schemas.microsoft.com/office/drawing/2014/main" id="{61707D30-0745-E55D-FA57-F1B34839DF88}"/>
+              </a:ext>
+            </a:extLst>
+          </p:cNvPr>
+          <p:cNvSpPr>
+            <a:spLocks noGrp="1"/>
+          </p:cNvSpPr>
+          <p:nvPr>
+            <p:ph idx="1"/>
+          </p:nvPr>
+        </p:nvSpPr>
+        <p:spPr>
+          <a:xfrm>
+            <a:off x="581192" y="1964724"/>
+            <a:ext cx="11029615" cy="4356538"/>
+          </a:xfrm>
+        </p:spPr>
+        <p:txBody>
+          <a:bodyPr anchor="t">
+            <a:normAutofit/>
+          </a:bodyPr>
+          <a:lstStyle/>
+          <a:p>
+            <a:r>
+              <a:rPr lang="en-US" sz="2800" dirty="0">
+                <a:solidFill>
+                  <a:schemeClr val="tx1"/>
+                </a:solidFill>
+              </a:rPr>
+              <a:t>Trained using SVD, ALS, and Neural Networks</a:t>
+            </a:r>
+          </a:p>
+          <a:p>
+            <a:r>
+              <a:rPr lang="en-US" sz="2800" dirty="0">
+                <a:solidFill>
+                  <a:schemeClr val="tx1"/>
+                </a:solidFill>
+              </a:rPr>
+              <a:t>Metrics Using ALS</a:t>
+            </a:r>
+          </a:p>
+        </p:txBody>
+      </p:sp>
+      <p:sp>
+        <p:nvSpPr>
           <p:cNvPr id="16" name="Rectangle 15">
             <a:extLst>
               <a:ext uri="{FF2B5EF4-FFF2-40B4-BE49-F238E27FC236}">
@@ -11643,6 +13188,640 @@
           </a:p>
         </p:txBody>
       </p:sp>
+      <p:graphicFrame>
+        <p:nvGraphicFramePr>
+          <p:cNvPr id="3" name="Table 2">
+            <a:extLst>
+              <a:ext uri="{FF2B5EF4-FFF2-40B4-BE49-F238E27FC236}">
+                <a16:creationId xmlns:a16="http://schemas.microsoft.com/office/drawing/2014/main" id="{FDC91DC5-B4F6-3C2C-D646-08F6DB61C111}"/>
+              </a:ext>
+            </a:extLst>
+          </p:cNvPr>
+          <p:cNvGraphicFramePr>
+            <a:graphicFrameLocks noGrp="1"/>
+          </p:cNvGraphicFramePr>
+          <p:nvPr>
+            <p:extLst>
+              <p:ext uri="{D42A27DB-BD31-4B8C-83A1-F6EECF244321}">
+                <p14:modId xmlns:p14="http://schemas.microsoft.com/office/powerpoint/2010/main" val="3257410157"/>
+              </p:ext>
+            </p:extLst>
+          </p:nvPr>
+        </p:nvGraphicFramePr>
+        <p:xfrm>
+          <a:off x="2782798" y="3544614"/>
+          <a:ext cx="6778716" cy="1611468"/>
+        </p:xfrm>
+        <a:graphic>
+          <a:graphicData uri="http://schemas.openxmlformats.org/drawingml/2006/table">
+            <a:tbl>
+              <a:tblPr firstRow="1" firstCol="1" bandRow="1">
+                <a:tableStyleId>{5C22544A-7EE6-4342-B048-85BDC9FD1C3A}</a:tableStyleId>
+              </a:tblPr>
+              <a:tblGrid>
+                <a:gridCol w="2259572">
+                  <a:extLst>
+                    <a:ext uri="{9D8B030D-6E8A-4147-A177-3AD203B41FA5}">
+                      <a16:colId xmlns:a16="http://schemas.microsoft.com/office/drawing/2014/main" val="382191264"/>
+                    </a:ext>
+                  </a:extLst>
+                </a:gridCol>
+                <a:gridCol w="2259572">
+                  <a:extLst>
+                    <a:ext uri="{9D8B030D-6E8A-4147-A177-3AD203B41FA5}">
+                      <a16:colId xmlns:a16="http://schemas.microsoft.com/office/drawing/2014/main" val="1631844478"/>
+                    </a:ext>
+                  </a:extLst>
+                </a:gridCol>
+                <a:gridCol w="2259572">
+                  <a:extLst>
+                    <a:ext uri="{9D8B030D-6E8A-4147-A177-3AD203B41FA5}">
+                      <a16:colId xmlns:a16="http://schemas.microsoft.com/office/drawing/2014/main" val="124359490"/>
+                    </a:ext>
+                  </a:extLst>
+                </a:gridCol>
+              </a:tblGrid>
+              <a:tr h="537156">
+                <a:tc>
+                  <a:txBody>
+                    <a:bodyPr/>
+                    <a:lstStyle/>
+                    <a:p>
+                      <a:pPr algn="ctr"/>
+                      <a:endParaRPr lang="en-US" dirty="0">
+                        <a:latin typeface="Georgia" panose="02040502050405020303" pitchFamily="18" charset="0"/>
+                      </a:endParaRPr>
+                    </a:p>
+                  </a:txBody>
+                  <a:tcPr anchor="ctr"/>
+                </a:tc>
+                <a:tc>
+                  <a:txBody>
+                    <a:bodyPr/>
+                    <a:lstStyle/>
+                    <a:p>
+                      <a:pPr algn="ctr"/>
+                      <a:r>
+                        <a:rPr lang="en-US" dirty="0">
+                          <a:latin typeface="Georgia" panose="02040502050405020303" pitchFamily="18" charset="0"/>
+                        </a:rPr>
+                        <a:t>RMSE</a:t>
+                      </a:r>
+                    </a:p>
+                  </a:txBody>
+                  <a:tcPr anchor="ctr"/>
+                </a:tc>
+                <a:tc>
+                  <a:txBody>
+                    <a:bodyPr/>
+                    <a:lstStyle/>
+                    <a:p>
+                      <a:pPr algn="ctr"/>
+                      <a:r>
+                        <a:rPr lang="en-US" dirty="0">
+                          <a:latin typeface="Georgia" panose="02040502050405020303" pitchFamily="18" charset="0"/>
+                        </a:rPr>
+                        <a:t>MAE</a:t>
+                      </a:r>
+                    </a:p>
+                  </a:txBody>
+                  <a:tcPr anchor="ctr"/>
+                </a:tc>
+                <a:extLst>
+                  <a:ext uri="{0D108BD9-81ED-4DB2-BD59-A6C34878D82A}">
+                    <a16:rowId xmlns:a16="http://schemas.microsoft.com/office/drawing/2014/main" val="3078996539"/>
+                  </a:ext>
+                </a:extLst>
+              </a:tr>
+              <a:tr h="537156">
+                <a:tc>
+                  <a:txBody>
+                    <a:bodyPr/>
+                    <a:lstStyle/>
+                    <a:p>
+                      <a:pPr algn="ctr"/>
+                      <a:r>
+                        <a:rPr lang="en-US" dirty="0">
+                          <a:latin typeface="Georgia" panose="02040502050405020303" pitchFamily="18" charset="0"/>
+                        </a:rPr>
+                        <a:t>Train Data</a:t>
+                      </a:r>
+                    </a:p>
+                  </a:txBody>
+                  <a:tcPr anchor="ctr"/>
+                </a:tc>
+                <a:tc>
+                  <a:txBody>
+                    <a:bodyPr/>
+                    <a:lstStyle/>
+                    <a:p>
+                      <a:pPr algn="ctr"/>
+                      <a:r>
+                        <a:rPr lang="en-US" dirty="0">
+                          <a:latin typeface="Georgia" panose="02040502050405020303" pitchFamily="18" charset="0"/>
+                        </a:rPr>
+                        <a:t>0.29</a:t>
+                      </a:r>
+                    </a:p>
+                  </a:txBody>
+                  <a:tcPr anchor="ctr"/>
+                </a:tc>
+                <a:tc>
+                  <a:txBody>
+                    <a:bodyPr/>
+                    <a:lstStyle/>
+                    <a:p>
+                      <a:pPr algn="ctr"/>
+                      <a:r>
+                        <a:rPr lang="en-US" dirty="0">
+                          <a:latin typeface="Georgia" panose="02040502050405020303" pitchFamily="18" charset="0"/>
+                        </a:rPr>
+                        <a:t>0.08</a:t>
+                      </a:r>
+                    </a:p>
+                  </a:txBody>
+                  <a:tcPr anchor="ctr"/>
+                </a:tc>
+                <a:extLst>
+                  <a:ext uri="{0D108BD9-81ED-4DB2-BD59-A6C34878D82A}">
+                    <a16:rowId xmlns:a16="http://schemas.microsoft.com/office/drawing/2014/main" val="4190903850"/>
+                  </a:ext>
+                </a:extLst>
+              </a:tr>
+              <a:tr h="537156">
+                <a:tc>
+                  <a:txBody>
+                    <a:bodyPr/>
+                    <a:lstStyle/>
+                    <a:p>
+                      <a:pPr algn="ctr"/>
+                      <a:r>
+                        <a:rPr lang="en-US" dirty="0">
+                          <a:latin typeface="Georgia" panose="02040502050405020303" pitchFamily="18" charset="0"/>
+                        </a:rPr>
+                        <a:t>Test Data</a:t>
+                      </a:r>
+                    </a:p>
+                  </a:txBody>
+                  <a:tcPr anchor="ctr"/>
+                </a:tc>
+                <a:tc>
+                  <a:txBody>
+                    <a:bodyPr/>
+                    <a:lstStyle/>
+                    <a:p>
+                      <a:pPr algn="ctr"/>
+                      <a:r>
+                        <a:rPr lang="en-US" dirty="0">
+                          <a:latin typeface="Georgia" panose="02040502050405020303" pitchFamily="18" charset="0"/>
+                        </a:rPr>
+                        <a:t>1.20</a:t>
+                      </a:r>
+                    </a:p>
+                  </a:txBody>
+                  <a:tcPr anchor="ctr"/>
+                </a:tc>
+                <a:tc>
+                  <a:txBody>
+                    <a:bodyPr/>
+                    <a:lstStyle/>
+                    <a:p>
+                      <a:pPr algn="ctr"/>
+                      <a:r>
+                        <a:rPr lang="en-US" dirty="0">
+                          <a:latin typeface="Georgia" panose="02040502050405020303" pitchFamily="18" charset="0"/>
+                        </a:rPr>
+                        <a:t>0.79</a:t>
+                      </a:r>
+                    </a:p>
+                  </a:txBody>
+                  <a:tcPr anchor="ctr"/>
+                </a:tc>
+                <a:extLst>
+                  <a:ext uri="{0D108BD9-81ED-4DB2-BD59-A6C34878D82A}">
+                    <a16:rowId xmlns:a16="http://schemas.microsoft.com/office/drawing/2014/main" val="2884719427"/>
+                  </a:ext>
+                </a:extLst>
+              </a:tr>
+            </a:tbl>
+          </a:graphicData>
+        </a:graphic>
+      </p:graphicFrame>
+      <p:sp>
+        <p:nvSpPr>
+          <p:cNvPr id="4" name="TextBox 3">
+            <a:extLst>
+              <a:ext uri="{FF2B5EF4-FFF2-40B4-BE49-F238E27FC236}">
+                <a16:creationId xmlns:a16="http://schemas.microsoft.com/office/drawing/2014/main" id="{3B1AC3C2-1161-7CE7-6B7D-1C65EF15DB85}"/>
+              </a:ext>
+            </a:extLst>
+          </p:cNvPr>
+          <p:cNvSpPr txBox="1"/>
+          <p:nvPr/>
+        </p:nvSpPr>
+        <p:spPr>
+          <a:xfrm>
+            <a:off x="399393" y="5402317"/>
+            <a:ext cx="6663559" cy="1077218"/>
+          </a:xfrm>
+          <a:prstGeom prst="rect">
+            <a:avLst/>
+          </a:prstGeom>
+          <a:noFill/>
+        </p:spPr>
+        <p:txBody>
+          <a:bodyPr wrap="square" rtlCol="0">
+            <a:spAutoFit/>
+          </a:bodyPr>
+          <a:lstStyle/>
+          <a:p>
+            <a:r>
+              <a:rPr lang="en-US" sz="1600" dirty="0">
+                <a:latin typeface="Georgia" panose="02040502050405020303" pitchFamily="18" charset="0"/>
+              </a:rPr>
+              <a:t>* SVD: Singular Value Decomposition</a:t>
+            </a:r>
+          </a:p>
+          <a:p>
+            <a:r>
+              <a:rPr lang="en-US" sz="1600" dirty="0">
+                <a:latin typeface="Georgia" panose="02040502050405020303" pitchFamily="18" charset="0"/>
+              </a:rPr>
+              <a:t>* ALS: Alternating Least Squares</a:t>
+            </a:r>
+          </a:p>
+          <a:p>
+            <a:r>
+              <a:rPr lang="en-US" sz="1600" dirty="0">
+                <a:latin typeface="Georgia" panose="02040502050405020303" pitchFamily="18" charset="0"/>
+              </a:rPr>
+              <a:t>* RMSE: Root Mean Squared Error</a:t>
+            </a:r>
+          </a:p>
+          <a:p>
+            <a:r>
+              <a:rPr lang="en-US" sz="1600" dirty="0">
+                <a:latin typeface="Georgia" panose="02040502050405020303" pitchFamily="18" charset="0"/>
+              </a:rPr>
+              <a:t>* MAE: Mean Average Error</a:t>
+            </a:r>
+          </a:p>
+        </p:txBody>
+      </p:sp>
+    </p:spTree>
+    <p:extLst>
+      <p:ext uri="{BB962C8B-B14F-4D97-AF65-F5344CB8AC3E}">
+        <p14:creationId xmlns:p14="http://schemas.microsoft.com/office/powerpoint/2010/main" val="1108924247"/>
+      </p:ext>
+    </p:extLst>
+  </p:cSld>
+  <p:clrMapOvr>
+    <a:masterClrMapping/>
+  </p:clrMapOvr>
+</p:sld>
+</file>
+
+<file path=ppt/slides/slide8.xml><?xml version="1.0" encoding="utf-8"?>
+<p:sld xmlns:a="http://schemas.openxmlformats.org/drawingml/2006/main" xmlns:r="http://schemas.openxmlformats.org/officeDocument/2006/relationships" xmlns:p="http://schemas.openxmlformats.org/presentationml/2006/main">
+  <p:cSld>
+    <p:spTree>
+      <p:nvGrpSpPr>
+        <p:cNvPr id="1" name=""/>
+        <p:cNvGrpSpPr/>
+        <p:nvPr/>
+      </p:nvGrpSpPr>
+      <p:grpSpPr>
+        <a:xfrm>
+          <a:off x="0" y="0"/>
+          <a:ext cx="0" cy="0"/>
+          <a:chOff x="0" y="0"/>
+          <a:chExt cx="0" cy="0"/>
+        </a:xfrm>
+      </p:grpSpPr>
+      <p:sp>
+        <p:nvSpPr>
+          <p:cNvPr id="6" name="TextBox 5">
+            <a:extLst>
+              <a:ext uri="{FF2B5EF4-FFF2-40B4-BE49-F238E27FC236}">
+                <a16:creationId xmlns:a16="http://schemas.microsoft.com/office/drawing/2014/main" id="{195CC491-B1EF-461F-93F7-8738A7DAF173}"/>
+              </a:ext>
+            </a:extLst>
+          </p:cNvPr>
+          <p:cNvSpPr txBox="1"/>
+          <p:nvPr/>
+        </p:nvSpPr>
+        <p:spPr>
+          <a:xfrm>
+            <a:off x="152313" y="620459"/>
+            <a:ext cx="12039687" cy="584775"/>
+          </a:xfrm>
+          <a:prstGeom prst="rect">
+            <a:avLst/>
+          </a:prstGeom>
+          <a:noFill/>
+        </p:spPr>
+        <p:txBody>
+          <a:bodyPr wrap="square" rtlCol="0">
+            <a:spAutoFit/>
+          </a:bodyPr>
+          <a:lstStyle/>
+          <a:p>
+            <a:r>
+              <a:rPr lang="en-US" sz="3200" dirty="0">
+                <a:solidFill>
+                  <a:schemeClr val="bg1"/>
+                </a:solidFill>
+                <a:latin typeface="Georgia" panose="02040502050405020303" pitchFamily="18" charset="0"/>
+              </a:rPr>
+              <a:t>Example: User Ratings for Training</a:t>
+            </a:r>
+          </a:p>
+        </p:txBody>
+      </p:sp>
+      <p:sp>
+        <p:nvSpPr>
+          <p:cNvPr id="2" name="Rectangle 1">
+            <a:extLst>
+              <a:ext uri="{FF2B5EF4-FFF2-40B4-BE49-F238E27FC236}">
+                <a16:creationId xmlns:a16="http://schemas.microsoft.com/office/drawing/2014/main" id="{F3CC61EF-13BE-821A-9EBB-869CC84B0F46}"/>
+              </a:ext>
+            </a:extLst>
+          </p:cNvPr>
+          <p:cNvSpPr/>
+          <p:nvPr/>
+        </p:nvSpPr>
+        <p:spPr>
+          <a:xfrm>
+            <a:off x="0" y="-1"/>
+            <a:ext cx="3044952" cy="353085"/>
+          </a:xfrm>
+          <a:prstGeom prst="rect">
+            <a:avLst/>
+          </a:prstGeom>
+          <a:solidFill>
+            <a:schemeClr val="bg1">
+              <a:lumMod val="65000"/>
+            </a:schemeClr>
+          </a:solidFill>
+          <a:ln>
+            <a:solidFill>
+              <a:schemeClr val="tx1">
+                <a:lumMod val="75000"/>
+                <a:lumOff val="25000"/>
+              </a:schemeClr>
+            </a:solidFill>
+          </a:ln>
+        </p:spPr>
+        <p:style>
+          <a:lnRef idx="2">
+            <a:schemeClr val="accent1">
+              <a:shade val="15000"/>
+            </a:schemeClr>
+          </a:lnRef>
+          <a:fillRef idx="1">
+            <a:schemeClr val="accent1"/>
+          </a:fillRef>
+          <a:effectRef idx="0">
+            <a:schemeClr val="accent1"/>
+          </a:effectRef>
+          <a:fontRef idx="minor">
+            <a:schemeClr val="lt1"/>
+          </a:fontRef>
+        </p:style>
+        <p:txBody>
+          <a:bodyPr rtlCol="0" anchor="ctr"/>
+          <a:lstStyle/>
+          <a:p>
+            <a:pPr algn="ctr"/>
+            <a:r>
+              <a:rPr lang="en-US" dirty="0">
+                <a:latin typeface="Georgia" panose="02040502050405020303" pitchFamily="18" charset="0"/>
+              </a:rPr>
+              <a:t>Overview</a:t>
+            </a:r>
+          </a:p>
+        </p:txBody>
+      </p:sp>
+      <p:sp>
+        <p:nvSpPr>
+          <p:cNvPr id="8" name="Slide Number Placeholder 7">
+            <a:extLst>
+              <a:ext uri="{FF2B5EF4-FFF2-40B4-BE49-F238E27FC236}">
+                <a16:creationId xmlns:a16="http://schemas.microsoft.com/office/drawing/2014/main" id="{D0D4B812-63F5-E7E3-E66B-C490440E64F6}"/>
+              </a:ext>
+            </a:extLst>
+          </p:cNvPr>
+          <p:cNvSpPr>
+            <a:spLocks noGrp="1"/>
+          </p:cNvSpPr>
+          <p:nvPr>
+            <p:ph type="sldNum" sz="quarter" idx="12"/>
+          </p:nvPr>
+        </p:nvSpPr>
+        <p:spPr/>
+        <p:txBody>
+          <a:bodyPr/>
+          <a:lstStyle/>
+          <a:p>
+            <a:fld id="{1841B757-A952-1942-8414-7ABFD6E1806C}" type="slidenum">
+              <a:rPr lang="en-US" smtClean="0"/>
+              <a:pPr/>
+              <a:t>8</a:t>
+            </a:fld>
+            <a:endParaRPr lang="en-US" dirty="0"/>
+          </a:p>
+        </p:txBody>
+      </p:sp>
+      <p:sp>
+        <p:nvSpPr>
+          <p:cNvPr id="16" name="Rectangle 15">
+            <a:extLst>
+              <a:ext uri="{FF2B5EF4-FFF2-40B4-BE49-F238E27FC236}">
+                <a16:creationId xmlns:a16="http://schemas.microsoft.com/office/drawing/2014/main" id="{D646606F-AEB2-E27E-9039-D93D1D99FE37}"/>
+              </a:ext>
+            </a:extLst>
+          </p:cNvPr>
+          <p:cNvSpPr/>
+          <p:nvPr/>
+        </p:nvSpPr>
+        <p:spPr>
+          <a:xfrm>
+            <a:off x="3044952" y="1309"/>
+            <a:ext cx="3044952" cy="353085"/>
+          </a:xfrm>
+          <a:prstGeom prst="rect">
+            <a:avLst/>
+          </a:prstGeom>
+          <a:solidFill>
+            <a:srgbClr val="EAC463"/>
+          </a:solidFill>
+          <a:ln>
+            <a:solidFill>
+              <a:schemeClr val="tx1">
+                <a:lumMod val="75000"/>
+                <a:lumOff val="25000"/>
+              </a:schemeClr>
+            </a:solidFill>
+          </a:ln>
+        </p:spPr>
+        <p:style>
+          <a:lnRef idx="2">
+            <a:schemeClr val="accent1">
+              <a:shade val="15000"/>
+            </a:schemeClr>
+          </a:lnRef>
+          <a:fillRef idx="1">
+            <a:schemeClr val="accent1"/>
+          </a:fillRef>
+          <a:effectRef idx="0">
+            <a:schemeClr val="accent1"/>
+          </a:effectRef>
+          <a:fontRef idx="minor">
+            <a:schemeClr val="lt1"/>
+          </a:fontRef>
+        </p:style>
+        <p:txBody>
+          <a:bodyPr rtlCol="0" anchor="ctr"/>
+          <a:lstStyle/>
+          <a:p>
+            <a:pPr algn="ctr"/>
+            <a:r>
+              <a:rPr lang="en-US" dirty="0">
+                <a:latin typeface="Georgia" panose="02040502050405020303" pitchFamily="18" charset="0"/>
+              </a:rPr>
+              <a:t>Product Recommendation</a:t>
+            </a:r>
+          </a:p>
+        </p:txBody>
+      </p:sp>
+      <p:sp>
+        <p:nvSpPr>
+          <p:cNvPr id="19" name="Rectangle 18">
+            <a:extLst>
+              <a:ext uri="{FF2B5EF4-FFF2-40B4-BE49-F238E27FC236}">
+                <a16:creationId xmlns:a16="http://schemas.microsoft.com/office/drawing/2014/main" id="{2721AAE4-79CE-71F8-249A-5839468542B0}"/>
+              </a:ext>
+            </a:extLst>
+          </p:cNvPr>
+          <p:cNvSpPr/>
+          <p:nvPr/>
+        </p:nvSpPr>
+        <p:spPr>
+          <a:xfrm>
+            <a:off x="6095999" y="0"/>
+            <a:ext cx="3044952" cy="353085"/>
+          </a:xfrm>
+          <a:prstGeom prst="rect">
+            <a:avLst/>
+          </a:prstGeom>
+          <a:solidFill>
+            <a:schemeClr val="bg1">
+              <a:lumMod val="65000"/>
+            </a:schemeClr>
+          </a:solidFill>
+          <a:ln>
+            <a:solidFill>
+              <a:schemeClr val="tx1">
+                <a:lumMod val="75000"/>
+                <a:lumOff val="25000"/>
+              </a:schemeClr>
+            </a:solidFill>
+          </a:ln>
+        </p:spPr>
+        <p:style>
+          <a:lnRef idx="2">
+            <a:schemeClr val="accent1">
+              <a:shade val="15000"/>
+            </a:schemeClr>
+          </a:lnRef>
+          <a:fillRef idx="1">
+            <a:schemeClr val="accent1"/>
+          </a:fillRef>
+          <a:effectRef idx="0">
+            <a:schemeClr val="accent1"/>
+          </a:effectRef>
+          <a:fontRef idx="minor">
+            <a:schemeClr val="lt1"/>
+          </a:fontRef>
+        </p:style>
+        <p:txBody>
+          <a:bodyPr rtlCol="0" anchor="ctr"/>
+          <a:lstStyle/>
+          <a:p>
+            <a:pPr algn="ctr"/>
+            <a:r>
+              <a:rPr lang="en-US" dirty="0">
+                <a:latin typeface="Georgia" panose="02040502050405020303" pitchFamily="18" charset="0"/>
+              </a:rPr>
+              <a:t>Product Search</a:t>
+            </a:r>
+          </a:p>
+        </p:txBody>
+      </p:sp>
+      <p:sp>
+        <p:nvSpPr>
+          <p:cNvPr id="20" name="Rectangle 19">
+            <a:extLst>
+              <a:ext uri="{FF2B5EF4-FFF2-40B4-BE49-F238E27FC236}">
+                <a16:creationId xmlns:a16="http://schemas.microsoft.com/office/drawing/2014/main" id="{32BBAE5D-400C-C73D-4F00-DCDDE12109BC}"/>
+              </a:ext>
+            </a:extLst>
+          </p:cNvPr>
+          <p:cNvSpPr/>
+          <p:nvPr/>
+        </p:nvSpPr>
+        <p:spPr>
+          <a:xfrm>
+            <a:off x="9147048" y="0"/>
+            <a:ext cx="3044952" cy="353085"/>
+          </a:xfrm>
+          <a:prstGeom prst="rect">
+            <a:avLst/>
+          </a:prstGeom>
+          <a:solidFill>
+            <a:schemeClr val="bg1">
+              <a:lumMod val="65000"/>
+            </a:schemeClr>
+          </a:solidFill>
+          <a:ln>
+            <a:solidFill>
+              <a:schemeClr val="tx1">
+                <a:lumMod val="75000"/>
+                <a:lumOff val="25000"/>
+              </a:schemeClr>
+            </a:solidFill>
+          </a:ln>
+        </p:spPr>
+        <p:style>
+          <a:lnRef idx="2">
+            <a:schemeClr val="accent1">
+              <a:shade val="15000"/>
+            </a:schemeClr>
+          </a:lnRef>
+          <a:fillRef idx="1">
+            <a:schemeClr val="accent1"/>
+          </a:fillRef>
+          <a:effectRef idx="0">
+            <a:schemeClr val="accent1"/>
+          </a:effectRef>
+          <a:fontRef idx="minor">
+            <a:schemeClr val="lt1"/>
+          </a:fontRef>
+        </p:style>
+        <p:txBody>
+          <a:bodyPr rtlCol="0" anchor="ctr"/>
+          <a:lstStyle/>
+          <a:p>
+            <a:pPr algn="ctr"/>
+            <a:r>
+              <a:rPr lang="en-US" dirty="0">
+                <a:latin typeface="Georgia" panose="02040502050405020303" pitchFamily="18" charset="0"/>
+              </a:rPr>
+              <a:t>Product Reviews</a:t>
+            </a:r>
+          </a:p>
+        </p:txBody>
+      </p:sp>
       <p:pic>
         <p:nvPicPr>
           <p:cNvPr id="5" name="Picture 2">
@@ -11929,7 +14108,7 @@
 </p:sld>
 </file>
 
-<file path=ppt/slides/slide8.xml><?xml version="1.0" encoding="utf-8"?>
+<file path=ppt/slides/slide9.xml><?xml version="1.0" encoding="utf-8"?>
 <p:sld xmlns:a="http://schemas.openxmlformats.org/drawingml/2006/main" xmlns:r="http://schemas.openxmlformats.org/officeDocument/2006/relationships" xmlns:p="http://schemas.openxmlformats.org/presentationml/2006/main">
   <p:cSld>
     <p:spTree>
@@ -12106,7 +14285,7 @@
             <a:fld id="{1841B757-A952-1942-8414-7ABFD6E1806C}" type="slidenum">
               <a:rPr lang="en-US" smtClean="0"/>
               <a:pPr/>
-              <a:t>8</a:t>
+              <a:t>9</a:t>
             </a:fld>
             <a:endParaRPr lang="en-US" dirty="0"/>
           </a:p>
@@ -12422,101 +14601,6 @@
     <p:extLst>
       <p:ext uri="{BB962C8B-B14F-4D97-AF65-F5344CB8AC3E}">
         <p14:creationId xmlns:p14="http://schemas.microsoft.com/office/powerpoint/2010/main" val="3160221362"/>
-      </p:ext>
-    </p:extLst>
-  </p:cSld>
-  <p:clrMapOvr>
-    <a:masterClrMapping/>
-  </p:clrMapOvr>
-</p:sld>
-</file>
-
-<file path=ppt/slides/slide9.xml><?xml version="1.0" encoding="utf-8"?>
-<p:sld xmlns:a="http://schemas.openxmlformats.org/drawingml/2006/main" xmlns:r="http://schemas.openxmlformats.org/officeDocument/2006/relationships" xmlns:p="http://schemas.openxmlformats.org/presentationml/2006/main">
-  <p:cSld>
-    <p:spTree>
-      <p:nvGrpSpPr>
-        <p:cNvPr id="1" name=""/>
-        <p:cNvGrpSpPr/>
-        <p:nvPr/>
-      </p:nvGrpSpPr>
-      <p:grpSpPr>
-        <a:xfrm>
-          <a:off x="0" y="0"/>
-          <a:ext cx="0" cy="0"/>
-          <a:chOff x="0" y="0"/>
-          <a:chExt cx="0" cy="0"/>
-        </a:xfrm>
-      </p:grpSpPr>
-      <p:sp>
-        <p:nvSpPr>
-          <p:cNvPr id="2" name="Title 1">
-            <a:extLst>
-              <a:ext uri="{FF2B5EF4-FFF2-40B4-BE49-F238E27FC236}">
-                <a16:creationId xmlns:a16="http://schemas.microsoft.com/office/drawing/2014/main" id="{C1610E78-E67A-D59D-07E0-E1037D49A263}"/>
-              </a:ext>
-            </a:extLst>
-          </p:cNvPr>
-          <p:cNvSpPr>
-            <a:spLocks noGrp="1"/>
-          </p:cNvSpPr>
-          <p:nvPr>
-            <p:ph type="title"/>
-          </p:nvPr>
-        </p:nvSpPr>
-        <p:spPr/>
-        <p:txBody>
-          <a:bodyPr/>
-          <a:lstStyle/>
-          <a:p>
-            <a:r>
-              <a:rPr lang="en-US" dirty="0" err="1">
-                <a:latin typeface="Georgia" panose="02040502050405020303" pitchFamily="18" charset="0"/>
-              </a:rPr>
-              <a:t>IiI</a:t>
-            </a:r>
-            <a:r>
-              <a:rPr lang="en-US" dirty="0">
-                <a:latin typeface="Georgia" panose="02040502050405020303" pitchFamily="18" charset="0"/>
-              </a:rPr>
-              <a:t>. Product search</a:t>
-            </a:r>
-          </a:p>
-        </p:txBody>
-      </p:sp>
-      <p:sp>
-        <p:nvSpPr>
-          <p:cNvPr id="3" name="Slide Number Placeholder 2">
-            <a:extLst>
-              <a:ext uri="{FF2B5EF4-FFF2-40B4-BE49-F238E27FC236}">
-                <a16:creationId xmlns:a16="http://schemas.microsoft.com/office/drawing/2014/main" id="{382C1AF7-C071-1D77-A0F4-E9AC11792569}"/>
-              </a:ext>
-            </a:extLst>
-          </p:cNvPr>
-          <p:cNvSpPr>
-            <a:spLocks noGrp="1"/>
-          </p:cNvSpPr>
-          <p:nvPr>
-            <p:ph type="sldNum" sz="quarter" idx="12"/>
-          </p:nvPr>
-        </p:nvSpPr>
-        <p:spPr/>
-        <p:txBody>
-          <a:bodyPr/>
-          <a:lstStyle/>
-          <a:p>
-            <a:fld id="{34B7E4EF-A1BD-40F4-AB7B-04F084DD991D}" type="slidenum">
-              <a:rPr lang="en-US" smtClean="0"/>
-              <a:t>9</a:t>
-            </a:fld>
-            <a:endParaRPr lang="en-US" dirty="0"/>
-          </a:p>
-        </p:txBody>
-      </p:sp>
-    </p:spTree>
-    <p:extLst>
-      <p:ext uri="{BB962C8B-B14F-4D97-AF65-F5344CB8AC3E}">
-        <p14:creationId xmlns:p14="http://schemas.microsoft.com/office/powerpoint/2010/main" val="2251091946"/>
       </p:ext>
     </p:extLst>
   </p:cSld>

--- a/Presentation.pptx
+++ b/Presentation.pptx
@@ -216,7 +216,7 @@
           <a:p>
             <a:fld id="{02DD3CF6-4B09-AC41-94D4-3EA0BEB07B4C}" type="datetimeFigureOut">
               <a:rPr lang="en-US" smtClean="0"/>
-              <a:t>1/15/24</a:t>
+              <a:t>1/16/24</a:t>
             </a:fld>
             <a:endParaRPr lang="en-US"/>
           </a:p>
@@ -1622,7 +1622,22 @@
           <a:bodyPr/>
           <a:lstStyle/>
           <a:p>
-            <a:endParaRPr lang="en-US" dirty="0"/>
+            <a:pPr marL="228600" indent="-228600">
+              <a:buAutoNum type="arabicPeriod"/>
+            </a:pPr>
+            <a:r>
+              <a:rPr lang="en-US" dirty="0"/>
+              <a:t>Scalability</a:t>
+            </a:r>
+          </a:p>
+          <a:p>
+            <a:pPr marL="228600" indent="-228600">
+              <a:buAutoNum type="arabicPeriod"/>
+            </a:pPr>
+            <a:r>
+              <a:rPr lang="en-US" dirty="0"/>
+              <a:t>Cold Start Mitigation</a:t>
+            </a:r>
           </a:p>
         </p:txBody>
       </p:sp>
@@ -2333,7 +2348,7 @@
           <a:p>
             <a:fld id="{C5D43C5E-84DC-B045-90C1-CE8917966729}" type="datetime1">
               <a:rPr lang="en-US" smtClean="0"/>
-              <a:t>1/15/24</a:t>
+              <a:t>1/16/24</a:t>
             </a:fld>
             <a:endParaRPr lang="en-US" dirty="0"/>
           </a:p>
@@ -2595,7 +2610,7 @@
           <a:p>
             <a:fld id="{E11B5EEE-1F06-3F45-85F3-B3DCB7925E4B}" type="datetime1">
               <a:rPr lang="en-US" smtClean="0"/>
-              <a:t>1/15/24</a:t>
+              <a:t>1/16/24</a:t>
             </a:fld>
             <a:endParaRPr lang="en-US"/>
           </a:p>
@@ -2830,7 +2845,7 @@
           <a:p>
             <a:fld id="{C77C8B24-0F88-E644-9199-E2CBE93E93CF}" type="datetime1">
               <a:rPr lang="en-US" smtClean="0"/>
-              <a:t>1/15/24</a:t>
+              <a:t>1/16/24</a:t>
             </a:fld>
             <a:endParaRPr lang="en-US"/>
           </a:p>
@@ -3084,7 +3099,7 @@
           <a:p>
             <a:fld id="{6799C28B-0C81-6444-8A76-8318C75F4168}" type="datetime1">
               <a:rPr lang="en-US" smtClean="0"/>
-              <a:t>1/15/24</a:t>
+              <a:t>1/16/24</a:t>
             </a:fld>
             <a:endParaRPr lang="en-US"/>
           </a:p>
@@ -3430,7 +3445,7 @@
           <a:p>
             <a:fld id="{23DD9423-4B7B-894B-9EBC-D133892E5F64}" type="datetime1">
               <a:rPr lang="en-US" smtClean="0"/>
-              <a:t>1/15/24</a:t>
+              <a:t>1/16/24</a:t>
             </a:fld>
             <a:endParaRPr lang="en-US" dirty="0"/>
           </a:p>
@@ -3732,7 +3747,7 @@
           <a:p>
             <a:fld id="{4C0FCC6C-1C6A-4B46-B738-52422521FAC6}" type="datetime1">
               <a:rPr lang="en-US" smtClean="0"/>
-              <a:t>1/15/24</a:t>
+              <a:t>1/16/24</a:t>
             </a:fld>
             <a:endParaRPr lang="en-US"/>
           </a:p>
@@ -4154,7 +4169,7 @@
           <a:p>
             <a:fld id="{963A427F-56F0-E545-BC54-29F3466C3828}" type="datetime1">
               <a:rPr lang="en-US" smtClean="0"/>
-              <a:t>1/15/24</a:t>
+              <a:t>1/16/24</a:t>
             </a:fld>
             <a:endParaRPr lang="en-US"/>
           </a:p>
@@ -4249,7 +4264,7 @@
           <a:p>
             <a:fld id="{7F3C0F0E-3775-A843-912B-4D1D1037D249}" type="datetime1">
               <a:rPr lang="en-US" smtClean="0"/>
-              <a:t>1/15/24</a:t>
+              <a:t>1/16/24</a:t>
             </a:fld>
             <a:endParaRPr lang="en-US"/>
           </a:p>
@@ -4411,7 +4426,7 @@
           <a:p>
             <a:fld id="{B5F42806-A922-3749-9987-BB696A9CEE30}" type="datetime1">
               <a:rPr lang="en-US" smtClean="0"/>
-              <a:t>1/15/24</a:t>
+              <a:t>1/16/24</a:t>
             </a:fld>
             <a:endParaRPr lang="en-US"/>
           </a:p>
@@ -4789,7 +4804,7 @@
           <a:p>
             <a:fld id="{E7C5261F-6501-2845-AB0A-AA1CEFE7525D}" type="datetime1">
               <a:rPr lang="en-US" smtClean="0"/>
-              <a:t>1/15/24</a:t>
+              <a:t>1/16/24</a:t>
             </a:fld>
             <a:endParaRPr lang="en-US"/>
           </a:p>
@@ -5078,7 +5093,7 @@
           <a:p>
             <a:fld id="{CB331D65-FD20-6C43-B64E-681C7DB0E821}" type="datetime1">
               <a:rPr lang="en-US" smtClean="0"/>
-              <a:t>1/15/24</a:t>
+              <a:t>1/16/24</a:t>
             </a:fld>
             <a:endParaRPr lang="en-US" dirty="0"/>
           </a:p>
@@ -5290,7 +5305,7 @@
           <a:p>
             <a:fld id="{E337CD83-4AAF-8945-9C63-807FAEFB7C22}" type="datetime1">
               <a:rPr lang="en-US" smtClean="0"/>
-              <a:t>1/15/24</a:t>
+              <a:t>1/16/24</a:t>
             </a:fld>
             <a:endParaRPr lang="en-US"/>
           </a:p>
@@ -6003,7 +6018,7 @@
               <a:rPr lang="en-US" dirty="0" err="1">
                 <a:latin typeface="Georgia" panose="02040502050405020303" pitchFamily="18" charset="0"/>
               </a:rPr>
-              <a:t>IiI</a:t>
+              <a:t>Ii</a:t>
             </a:r>
             <a:r>
               <a:rPr lang="en-US" dirty="0">
@@ -8560,7 +8575,7 @@
               <a:rPr lang="en-US" dirty="0">
                 <a:latin typeface="Georgia" panose="02040502050405020303" pitchFamily="18" charset="0"/>
               </a:rPr>
-              <a:t>IV. Product reviews</a:t>
+              <a:t>III. Product reviews</a:t>
             </a:r>
           </a:p>
         </p:txBody>
@@ -10626,7 +10641,7 @@
               <a:rPr lang="en-US" dirty="0">
                 <a:latin typeface="Georgia" panose="02040502050405020303" pitchFamily="18" charset="0"/>
               </a:rPr>
-              <a:t>I. Project OVERVIEW</a:t>
+              <a:t>Project OVERVIEW</a:t>
             </a:r>
           </a:p>
         </p:txBody>
@@ -11209,7 +11224,15 @@
                   <a:schemeClr val="tx1"/>
                 </a:solidFill>
               </a:rPr>
-              <a:t>I bought this when I had 4 dogs in the house (our two, and two puppies we were fostering), out of 4 dogs NONE of them wanted this!</a:t>
+              <a:t>I bought this when I had 4 dogs in the house (our two, and two puppies we were fostering), </a:t>
+            </a:r>
+            <a:r>
+              <a:rPr lang="en-US" sz="2400" b="1" dirty="0">
+                <a:solidFill>
+                  <a:srgbClr val="C00000"/>
+                </a:solidFill>
+              </a:rPr>
+              <a:t>out of 4 dogs NONE of them wanted this!</a:t>
             </a:r>
             <a:r>
               <a:rPr lang="en-US" sz="2400" dirty="0">
@@ -11409,7 +11432,7 @@
         </p:spPr>
         <p:txBody>
           <a:bodyPr anchor="t">
-            <a:normAutofit fontScale="92500" lnSpcReduction="20000"/>
+            <a:normAutofit fontScale="85000" lnSpcReduction="20000"/>
           </a:bodyPr>
           <a:lstStyle/>
           <a:p>
@@ -11479,7 +11502,7 @@
                   <a:srgbClr val="0E1116"/>
                 </a:solidFill>
               </a:rPr>
-              <a:t>Identify similar groups of products</a:t>
+              <a:t>Identify similar groups of products &amp; expand search</a:t>
             </a:r>
             <a:endParaRPr lang="en-US" sz="2600" b="0" i="0" dirty="0">
               <a:solidFill>
@@ -11526,7 +11549,7 @@
                   <a:srgbClr val="0E1116"/>
                 </a:solidFill>
               </a:rPr>
-              <a:t>Identify key sentences in positive/negative reviews</a:t>
+              <a:t>Identify key sentences in positive/negative reviews which would be useful to customers</a:t>
             </a:r>
             <a:endParaRPr lang="en-US" sz="2600" b="0" i="0" dirty="0">
               <a:solidFill>
@@ -11781,16 +11804,10 @@
           <a:lstStyle/>
           <a:p>
             <a:r>
-              <a:rPr lang="en-US" dirty="0" err="1">
-                <a:latin typeface="Georgia" panose="02040502050405020303" pitchFamily="18" charset="0"/>
-              </a:rPr>
-              <a:t>Ii</a:t>
-            </a:r>
-            <a:r>
               <a:rPr lang="en-US" dirty="0">
                 <a:latin typeface="Georgia" panose="02040502050405020303" pitchFamily="18" charset="0"/>
               </a:rPr>
-              <a:t>. Product recommendation</a:t>
+              <a:t>I. Product recommendation</a:t>
             </a:r>
           </a:p>
         </p:txBody>
@@ -12533,7 +12550,7 @@
                   <a:schemeClr val="tx1"/>
                 </a:solidFill>
               </a:rPr>
-              <a:t>in years 2013 - 2018 </a:t>
+              <a:t>in years 2013 – 2018 </a:t>
             </a:r>
           </a:p>
           <a:p>
